--- a/slides/lec2-1-function-templates.pptx
+++ b/slides/lec2-1-function-templates.pptx
@@ -37,16 +37,20 @@
     <p:sldId id="284" r:id="rId31"/>
     <p:sldId id="296" r:id="rId32"/>
     <p:sldId id="297" r:id="rId33"/>
-    <p:sldId id="295" r:id="rId34"/>
-    <p:sldId id="285" r:id="rId35"/>
-    <p:sldId id="286" r:id="rId36"/>
-    <p:sldId id="287" r:id="rId37"/>
-    <p:sldId id="288" r:id="rId38"/>
-    <p:sldId id="289" r:id="rId39"/>
-    <p:sldId id="291" r:id="rId40"/>
-    <p:sldId id="290" r:id="rId41"/>
-    <p:sldId id="292" r:id="rId42"/>
-    <p:sldId id="293" r:id="rId43"/>
+    <p:sldId id="298" r:id="rId34"/>
+    <p:sldId id="301" r:id="rId35"/>
+    <p:sldId id="299" r:id="rId36"/>
+    <p:sldId id="300" r:id="rId37"/>
+    <p:sldId id="295" r:id="rId38"/>
+    <p:sldId id="285" r:id="rId39"/>
+    <p:sldId id="286" r:id="rId40"/>
+    <p:sldId id="287" r:id="rId41"/>
+    <p:sldId id="288" r:id="rId42"/>
+    <p:sldId id="289" r:id="rId43"/>
+    <p:sldId id="291" r:id="rId44"/>
+    <p:sldId id="290" r:id="rId45"/>
+    <p:sldId id="292" r:id="rId46"/>
+    <p:sldId id="293" r:id="rId47"/>
   </p:sldIdLst>
   <p:sldSz cx="12192000" cy="6858000"/>
   <p:notesSz cx="6858000" cy="9144000"/>
@@ -210,7 +214,7 @@
           <a:noFill/>
           <a:extLst>
             <a:ext uri="{909E8E84-426E-40dd-AFC4-6F175D3DCCD1}">
-              <a14:hiddenFill xmlns:a14="http://schemas.microsoft.com/office/drawing/2010/main" xmlns="">
+              <a14:hiddenFill xmlns="" xmlns:a14="http://schemas.microsoft.com/office/drawing/2010/main">
                 <a:solidFill>
                   <a:srgbClr val="FFFFFF"/>
                 </a:solidFill>
@@ -269,7 +273,7 @@
             </a:ln>
             <a:extLst>
               <a:ext uri="{91240B29-F687-4f45-9708-019B960494DF}">
-                <a14:hiddenLine xmlns:a14="http://schemas.microsoft.com/office/drawing/2010/main" xmlns="" w="9525">
+                <a14:hiddenLine xmlns="" xmlns:a14="http://schemas.microsoft.com/office/drawing/2010/main" w="9525">
                   <a:solidFill>
                     <a:srgbClr val="000000"/>
                   </a:solidFill>
@@ -359,7 +363,7 @@
             </a:ln>
             <a:extLst>
               <a:ext uri="{91240B29-F687-4f45-9708-019B960494DF}">
-                <a14:hiddenLine xmlns:a14="http://schemas.microsoft.com/office/drawing/2010/main" xmlns="" w="9525">
+                <a14:hiddenLine xmlns="" xmlns:a14="http://schemas.microsoft.com/office/drawing/2010/main" w="9525">
                   <a:solidFill>
                     <a:srgbClr val="000000"/>
                   </a:solidFill>
@@ -449,7 +453,7 @@
             </a:ln>
             <a:extLst>
               <a:ext uri="{91240B29-F687-4f45-9708-019B960494DF}">
-                <a14:hiddenLine xmlns:a14="http://schemas.microsoft.com/office/drawing/2010/main" xmlns="" w="9525">
+                <a14:hiddenLine xmlns="" xmlns:a14="http://schemas.microsoft.com/office/drawing/2010/main" w="9525">
                   <a:solidFill>
                     <a:srgbClr val="000000"/>
                   </a:solidFill>
@@ -483,7 +487,7 @@
             </a:ln>
             <a:extLst>
               <a:ext uri="{91240B29-F687-4f45-9708-019B960494DF}">
-                <a14:hiddenLine xmlns:a14="http://schemas.microsoft.com/office/drawing/2010/main" xmlns="" w="9525">
+                <a14:hiddenLine xmlns="" xmlns:a14="http://schemas.microsoft.com/office/drawing/2010/main" w="9525">
                   <a:solidFill>
                     <a:srgbClr val="000000"/>
                   </a:solidFill>
@@ -573,7 +577,7 @@
             </a:ln>
             <a:extLst>
               <a:ext uri="{91240B29-F687-4f45-9708-019B960494DF}">
-                <a14:hiddenLine xmlns:a14="http://schemas.microsoft.com/office/drawing/2010/main" xmlns="" w="9525">
+                <a14:hiddenLine xmlns="" xmlns:a14="http://schemas.microsoft.com/office/drawing/2010/main" w="9525">
                   <a:solidFill>
                     <a:srgbClr val="000000"/>
                   </a:solidFill>
@@ -635,7 +639,7 @@
             </a:ln>
             <a:extLst>
               <a:ext uri="{91240B29-F687-4f45-9708-019B960494DF}">
-                <a14:hiddenLine xmlns:a14="http://schemas.microsoft.com/office/drawing/2010/main" xmlns="" w="9525">
+                <a14:hiddenLine xmlns="" xmlns:a14="http://schemas.microsoft.com/office/drawing/2010/main" w="9525">
                   <a:solidFill>
                     <a:srgbClr val="000000"/>
                   </a:solidFill>
@@ -697,7 +701,7 @@
             </a:ln>
             <a:extLst>
               <a:ext uri="{91240B29-F687-4f45-9708-019B960494DF}">
-                <a14:hiddenLine xmlns:a14="http://schemas.microsoft.com/office/drawing/2010/main" xmlns="" w="9525">
+                <a14:hiddenLine xmlns="" xmlns:a14="http://schemas.microsoft.com/office/drawing/2010/main" w="9525">
                   <a:solidFill>
                     <a:srgbClr val="000000"/>
                   </a:solidFill>
@@ -787,7 +791,7 @@
             </a:ln>
             <a:extLst>
               <a:ext uri="{91240B29-F687-4f45-9708-019B960494DF}">
-                <a14:hiddenLine xmlns:a14="http://schemas.microsoft.com/office/drawing/2010/main" xmlns="" w="9525">
+                <a14:hiddenLine xmlns="" xmlns:a14="http://schemas.microsoft.com/office/drawing/2010/main" w="9525">
                   <a:solidFill>
                     <a:srgbClr val="000000"/>
                   </a:solidFill>
@@ -849,7 +853,7 @@
             </a:ln>
             <a:extLst>
               <a:ext uri="{91240B29-F687-4f45-9708-019B960494DF}">
-                <a14:hiddenLine xmlns:a14="http://schemas.microsoft.com/office/drawing/2010/main" xmlns="" w="9525">
+                <a14:hiddenLine xmlns="" xmlns:a14="http://schemas.microsoft.com/office/drawing/2010/main" w="9525">
                   <a:solidFill>
                     <a:srgbClr val="000000"/>
                   </a:solidFill>
@@ -911,7 +915,7 @@
             </a:ln>
             <a:extLst>
               <a:ext uri="{91240B29-F687-4f45-9708-019B960494DF}">
-                <a14:hiddenLine xmlns:a14="http://schemas.microsoft.com/office/drawing/2010/main" xmlns="" w="9525">
+                <a14:hiddenLine xmlns="" xmlns:a14="http://schemas.microsoft.com/office/drawing/2010/main" w="9525">
                   <a:solidFill>
                     <a:srgbClr val="000000"/>
                   </a:solidFill>
@@ -1001,7 +1005,7 @@
             </a:ln>
             <a:extLst>
               <a:ext uri="{91240B29-F687-4f45-9708-019B960494DF}">
-                <a14:hiddenLine xmlns:a14="http://schemas.microsoft.com/office/drawing/2010/main" xmlns="" w="9525">
+                <a14:hiddenLine xmlns="" xmlns:a14="http://schemas.microsoft.com/office/drawing/2010/main" w="9525">
                   <a:solidFill>
                     <a:srgbClr val="000000"/>
                   </a:solidFill>
@@ -1091,7 +1095,7 @@
             </a:ln>
             <a:extLst>
               <a:ext uri="{91240B29-F687-4f45-9708-019B960494DF}">
-                <a14:hiddenLine xmlns:a14="http://schemas.microsoft.com/office/drawing/2010/main" xmlns="" w="9525">
+                <a14:hiddenLine xmlns="" xmlns:a14="http://schemas.microsoft.com/office/drawing/2010/main" w="9525">
                   <a:solidFill>
                     <a:srgbClr val="000000"/>
                   </a:solidFill>
@@ -1153,7 +1157,7 @@
             </a:ln>
             <a:extLst>
               <a:ext uri="{91240B29-F687-4f45-9708-019B960494DF}">
-                <a14:hiddenLine xmlns:a14="http://schemas.microsoft.com/office/drawing/2010/main" xmlns="" w="9525">
+                <a14:hiddenLine xmlns="" xmlns:a14="http://schemas.microsoft.com/office/drawing/2010/main" w="9525">
                   <a:solidFill>
                     <a:srgbClr val="000000"/>
                   </a:solidFill>
@@ -1263,7 +1267,7 @@
             </a:ln>
             <a:extLst>
               <a:ext uri="{91240B29-F687-4f45-9708-019B960494DF}">
-                <a14:hiddenLine xmlns:a14="http://schemas.microsoft.com/office/drawing/2010/main" xmlns="" w="9525">
+                <a14:hiddenLine xmlns="" xmlns:a14="http://schemas.microsoft.com/office/drawing/2010/main" w="9525">
                   <a:solidFill>
                     <a:srgbClr val="000000"/>
                   </a:solidFill>
@@ -1325,7 +1329,7 @@
             </a:ln>
             <a:extLst>
               <a:ext uri="{91240B29-F687-4f45-9708-019B960494DF}">
-                <a14:hiddenLine xmlns:a14="http://schemas.microsoft.com/office/drawing/2010/main" xmlns="" w="9525">
+                <a14:hiddenLine xmlns="" xmlns:a14="http://schemas.microsoft.com/office/drawing/2010/main" w="9525">
                   <a:solidFill>
                     <a:srgbClr val="000000"/>
                   </a:solidFill>
@@ -1415,7 +1419,7 @@
             </a:ln>
             <a:extLst>
               <a:ext uri="{91240B29-F687-4f45-9708-019B960494DF}">
-                <a14:hiddenLine xmlns:a14="http://schemas.microsoft.com/office/drawing/2010/main" xmlns="" w="9525">
+                <a14:hiddenLine xmlns="" xmlns:a14="http://schemas.microsoft.com/office/drawing/2010/main" w="9525">
                   <a:solidFill>
                     <a:srgbClr val="000000"/>
                   </a:solidFill>
@@ -1505,7 +1509,7 @@
             </a:ln>
             <a:extLst>
               <a:ext uri="{91240B29-F687-4f45-9708-019B960494DF}">
-                <a14:hiddenLine xmlns:a14="http://schemas.microsoft.com/office/drawing/2010/main" xmlns="" w="9525">
+                <a14:hiddenLine xmlns="" xmlns:a14="http://schemas.microsoft.com/office/drawing/2010/main" w="9525">
                   <a:solidFill>
                     <a:srgbClr val="000000"/>
                   </a:solidFill>
@@ -1567,7 +1571,7 @@
             </a:ln>
             <a:extLst>
               <a:ext uri="{91240B29-F687-4f45-9708-019B960494DF}">
-                <a14:hiddenLine xmlns:a14="http://schemas.microsoft.com/office/drawing/2010/main" xmlns="" w="9525">
+                <a14:hiddenLine xmlns="" xmlns:a14="http://schemas.microsoft.com/office/drawing/2010/main" w="9525">
                   <a:solidFill>
                     <a:srgbClr val="000000"/>
                   </a:solidFill>
@@ -1657,7 +1661,7 @@
             </a:ln>
             <a:extLst>
               <a:ext uri="{91240B29-F687-4f45-9708-019B960494DF}">
-                <a14:hiddenLine xmlns:a14="http://schemas.microsoft.com/office/drawing/2010/main" xmlns="" w="9525">
+                <a14:hiddenLine xmlns="" xmlns:a14="http://schemas.microsoft.com/office/drawing/2010/main" w="9525">
                   <a:solidFill>
                     <a:srgbClr val="000000"/>
                   </a:solidFill>
@@ -1747,7 +1751,7 @@
             </a:ln>
             <a:extLst>
               <a:ext uri="{91240B29-F687-4f45-9708-019B960494DF}">
-                <a14:hiddenLine xmlns:a14="http://schemas.microsoft.com/office/drawing/2010/main" xmlns="" w="9525">
+                <a14:hiddenLine xmlns="" xmlns:a14="http://schemas.microsoft.com/office/drawing/2010/main" w="9525">
                   <a:solidFill>
                     <a:srgbClr val="000000"/>
                   </a:solidFill>
@@ -1803,7 +1807,7 @@
             </a:ln>
             <a:extLst>
               <a:ext uri="{91240B29-F687-4f45-9708-019B960494DF}">
-                <a14:hiddenLine xmlns:a14="http://schemas.microsoft.com/office/drawing/2010/main" xmlns="" w="9525">
+                <a14:hiddenLine xmlns="" xmlns:a14="http://schemas.microsoft.com/office/drawing/2010/main" w="9525">
                   <a:solidFill>
                     <a:srgbClr val="000000"/>
                   </a:solidFill>
@@ -1893,7 +1897,7 @@
             </a:ln>
             <a:extLst>
               <a:ext uri="{91240B29-F687-4f45-9708-019B960494DF}">
-                <a14:hiddenLine xmlns:a14="http://schemas.microsoft.com/office/drawing/2010/main" xmlns="" w="9525">
+                <a14:hiddenLine xmlns="" xmlns:a14="http://schemas.microsoft.com/office/drawing/2010/main" w="9525">
                   <a:solidFill>
                     <a:srgbClr val="000000"/>
                   </a:solidFill>
@@ -1949,7 +1953,7 @@
             </a:ln>
             <a:extLst>
               <a:ext uri="{91240B29-F687-4f45-9708-019B960494DF}">
-                <a14:hiddenLine xmlns:a14="http://schemas.microsoft.com/office/drawing/2010/main" xmlns="" w="9525">
+                <a14:hiddenLine xmlns="" xmlns:a14="http://schemas.microsoft.com/office/drawing/2010/main" w="9525">
                   <a:solidFill>
                     <a:srgbClr val="000000"/>
                   </a:solidFill>
@@ -2039,7 +2043,7 @@
             </a:ln>
             <a:extLst>
               <a:ext uri="{91240B29-F687-4f45-9708-019B960494DF}">
-                <a14:hiddenLine xmlns:a14="http://schemas.microsoft.com/office/drawing/2010/main" xmlns="" w="9525">
+                <a14:hiddenLine xmlns="" xmlns:a14="http://schemas.microsoft.com/office/drawing/2010/main" w="9525">
                   <a:solidFill>
                     <a:srgbClr val="000000"/>
                   </a:solidFill>
@@ -2107,7 +2111,7 @@
             </a:ln>
             <a:extLst>
               <a:ext uri="{91240B29-F687-4f45-9708-019B960494DF}">
-                <a14:hiddenLine xmlns:a14="http://schemas.microsoft.com/office/drawing/2010/main" xmlns="" w="9525">
+                <a14:hiddenLine xmlns="" xmlns:a14="http://schemas.microsoft.com/office/drawing/2010/main" w="9525">
                   <a:solidFill>
                     <a:srgbClr val="000000"/>
                   </a:solidFill>
@@ -2197,7 +2201,7 @@
             </a:ln>
             <a:extLst>
               <a:ext uri="{91240B29-F687-4f45-9708-019B960494DF}">
-                <a14:hiddenLine xmlns:a14="http://schemas.microsoft.com/office/drawing/2010/main" xmlns="" w="9525">
+                <a14:hiddenLine xmlns="" xmlns:a14="http://schemas.microsoft.com/office/drawing/2010/main" w="9525">
                   <a:solidFill>
                     <a:srgbClr val="000000"/>
                   </a:solidFill>
@@ -2265,7 +2269,7 @@
             </a:ln>
             <a:extLst>
               <a:ext uri="{91240B29-F687-4f45-9708-019B960494DF}">
-                <a14:hiddenLine xmlns:a14="http://schemas.microsoft.com/office/drawing/2010/main" xmlns="" w="9525">
+                <a14:hiddenLine xmlns="" xmlns:a14="http://schemas.microsoft.com/office/drawing/2010/main" w="9525">
                   <a:solidFill>
                     <a:srgbClr val="000000"/>
                   </a:solidFill>
@@ -2355,7 +2359,7 @@
             </a:ln>
             <a:extLst>
               <a:ext uri="{91240B29-F687-4f45-9708-019B960494DF}">
-                <a14:hiddenLine xmlns:a14="http://schemas.microsoft.com/office/drawing/2010/main" xmlns="" w="9525">
+                <a14:hiddenLine xmlns="" xmlns:a14="http://schemas.microsoft.com/office/drawing/2010/main" w="9525">
                   <a:solidFill>
                     <a:srgbClr val="000000"/>
                   </a:solidFill>
@@ -2389,7 +2393,7 @@
             </a:ln>
             <a:extLst>
               <a:ext uri="{91240B29-F687-4f45-9708-019B960494DF}">
-                <a14:hiddenLine xmlns:a14="http://schemas.microsoft.com/office/drawing/2010/main" xmlns="" w="9525">
+                <a14:hiddenLine xmlns="" xmlns:a14="http://schemas.microsoft.com/office/drawing/2010/main" w="9525">
                   <a:solidFill>
                     <a:srgbClr val="000000"/>
                   </a:solidFill>
@@ -2479,7 +2483,7 @@
             </a:ln>
             <a:extLst>
               <a:ext uri="{91240B29-F687-4f45-9708-019B960494DF}">
-                <a14:hiddenLine xmlns:a14="http://schemas.microsoft.com/office/drawing/2010/main" xmlns="" w="9525">
+                <a14:hiddenLine xmlns="" xmlns:a14="http://schemas.microsoft.com/office/drawing/2010/main" w="9525">
                   <a:solidFill>
                     <a:srgbClr val="000000"/>
                   </a:solidFill>
@@ -2541,7 +2545,7 @@
             </a:ln>
             <a:extLst>
               <a:ext uri="{91240B29-F687-4f45-9708-019B960494DF}">
-                <a14:hiddenLine xmlns:a14="http://schemas.microsoft.com/office/drawing/2010/main" xmlns="" w="9525">
+                <a14:hiddenLine xmlns="" xmlns:a14="http://schemas.microsoft.com/office/drawing/2010/main" w="9525">
                   <a:solidFill>
                     <a:srgbClr val="000000"/>
                   </a:solidFill>
@@ -2603,7 +2607,7 @@
             </a:ln>
             <a:extLst>
               <a:ext uri="{91240B29-F687-4f45-9708-019B960494DF}">
-                <a14:hiddenLine xmlns:a14="http://schemas.microsoft.com/office/drawing/2010/main" xmlns="" w="9525">
+                <a14:hiddenLine xmlns="" xmlns:a14="http://schemas.microsoft.com/office/drawing/2010/main" w="9525">
                   <a:solidFill>
                     <a:srgbClr val="000000"/>
                   </a:solidFill>
@@ -2693,7 +2697,7 @@
             </a:ln>
             <a:extLst>
               <a:ext uri="{91240B29-F687-4f45-9708-019B960494DF}">
-                <a14:hiddenLine xmlns:a14="http://schemas.microsoft.com/office/drawing/2010/main" xmlns="" w="9525">
+                <a14:hiddenLine xmlns="" xmlns:a14="http://schemas.microsoft.com/office/drawing/2010/main" w="9525">
                   <a:solidFill>
                     <a:srgbClr val="000000"/>
                   </a:solidFill>
@@ -2761,7 +2765,7 @@
             </a:ln>
             <a:extLst>
               <a:ext uri="{91240B29-F687-4f45-9708-019B960494DF}">
-                <a14:hiddenLine xmlns:a14="http://schemas.microsoft.com/office/drawing/2010/main" xmlns="" w="9525">
+                <a14:hiddenLine xmlns="" xmlns:a14="http://schemas.microsoft.com/office/drawing/2010/main" w="9525">
                   <a:solidFill>
                     <a:srgbClr val="000000"/>
                   </a:solidFill>
@@ -2823,7 +2827,7 @@
             </a:ln>
             <a:extLst>
               <a:ext uri="{91240B29-F687-4f45-9708-019B960494DF}">
-                <a14:hiddenLine xmlns:a14="http://schemas.microsoft.com/office/drawing/2010/main" xmlns="" w="9525">
+                <a14:hiddenLine xmlns="" xmlns:a14="http://schemas.microsoft.com/office/drawing/2010/main" w="9525">
                   <a:solidFill>
                     <a:srgbClr val="000000"/>
                   </a:solidFill>
@@ -2913,7 +2917,7 @@
             </a:ln>
             <a:extLst>
               <a:ext uri="{91240B29-F687-4f45-9708-019B960494DF}">
-                <a14:hiddenLine xmlns:a14="http://schemas.microsoft.com/office/drawing/2010/main" xmlns="" w="9525">
+                <a14:hiddenLine xmlns="" xmlns:a14="http://schemas.microsoft.com/office/drawing/2010/main" w="9525">
                   <a:solidFill>
                     <a:srgbClr val="000000"/>
                   </a:solidFill>
@@ -2975,7 +2979,7 @@
             </a:ln>
             <a:extLst>
               <a:ext uri="{91240B29-F687-4f45-9708-019B960494DF}">
-                <a14:hiddenLine xmlns:a14="http://schemas.microsoft.com/office/drawing/2010/main" xmlns="" w="9525">
+                <a14:hiddenLine xmlns="" xmlns:a14="http://schemas.microsoft.com/office/drawing/2010/main" w="9525">
                   <a:solidFill>
                     <a:srgbClr val="000000"/>
                   </a:solidFill>
@@ -3065,7 +3069,7 @@
             </a:ln>
             <a:extLst>
               <a:ext uri="{91240B29-F687-4f45-9708-019B960494DF}">
-                <a14:hiddenLine xmlns:a14="http://schemas.microsoft.com/office/drawing/2010/main" xmlns="" w="9525">
+                <a14:hiddenLine xmlns="" xmlns:a14="http://schemas.microsoft.com/office/drawing/2010/main" w="9525">
                   <a:solidFill>
                     <a:srgbClr val="000000"/>
                   </a:solidFill>
@@ -3127,7 +3131,7 @@
             </a:ln>
             <a:extLst>
               <a:ext uri="{91240B29-F687-4f45-9708-019B960494DF}">
-                <a14:hiddenLine xmlns:a14="http://schemas.microsoft.com/office/drawing/2010/main" xmlns="" w="9525">
+                <a14:hiddenLine xmlns="" xmlns:a14="http://schemas.microsoft.com/office/drawing/2010/main" w="9525">
                   <a:solidFill>
                     <a:srgbClr val="000000"/>
                   </a:solidFill>
@@ -3217,7 +3221,7 @@
             </a:ln>
             <a:extLst>
               <a:ext uri="{91240B29-F687-4f45-9708-019B960494DF}">
-                <a14:hiddenLine xmlns:a14="http://schemas.microsoft.com/office/drawing/2010/main" xmlns="" w="9525">
+                <a14:hiddenLine xmlns="" xmlns:a14="http://schemas.microsoft.com/office/drawing/2010/main" w="9525">
                   <a:solidFill>
                     <a:srgbClr val="000000"/>
                   </a:solidFill>
@@ -3251,7 +3255,7 @@
             </a:ln>
             <a:extLst>
               <a:ext uri="{91240B29-F687-4f45-9708-019B960494DF}">
-                <a14:hiddenLine xmlns:a14="http://schemas.microsoft.com/office/drawing/2010/main" xmlns="" w="9525">
+                <a14:hiddenLine xmlns="" xmlns:a14="http://schemas.microsoft.com/office/drawing/2010/main" w="9525">
                   <a:solidFill>
                     <a:srgbClr val="000000"/>
                   </a:solidFill>
@@ -3316,7 +3320,7 @@
             </a:ln>
             <a:extLst>
               <a:ext uri="{91240B29-F687-4f45-9708-019B960494DF}">
-                <a14:hiddenLine xmlns:a14="http://schemas.microsoft.com/office/drawing/2010/main" xmlns="" w="9525">
+                <a14:hiddenLine xmlns="" xmlns:a14="http://schemas.microsoft.com/office/drawing/2010/main" w="9525">
                   <a:solidFill>
                     <a:srgbClr val="000000"/>
                   </a:solidFill>
@@ -3406,7 +3410,7 @@
             </a:ln>
             <a:extLst>
               <a:ext uri="{91240B29-F687-4f45-9708-019B960494DF}">
-                <a14:hiddenLine xmlns:a14="http://schemas.microsoft.com/office/drawing/2010/main" xmlns="" w="9525">
+                <a14:hiddenLine xmlns="" xmlns:a14="http://schemas.microsoft.com/office/drawing/2010/main" w="9525">
                   <a:solidFill>
                     <a:srgbClr val="000000"/>
                   </a:solidFill>
@@ -3468,7 +3472,7 @@
             </a:ln>
             <a:extLst>
               <a:ext uri="{91240B29-F687-4f45-9708-019B960494DF}">
-                <a14:hiddenLine xmlns:a14="http://schemas.microsoft.com/office/drawing/2010/main" xmlns="" w="9525">
+                <a14:hiddenLine xmlns="" xmlns:a14="http://schemas.microsoft.com/office/drawing/2010/main" w="9525">
                   <a:solidFill>
                     <a:srgbClr val="000000"/>
                   </a:solidFill>
@@ -3558,7 +3562,7 @@
             </a:ln>
             <a:extLst>
               <a:ext uri="{91240B29-F687-4f45-9708-019B960494DF}">
-                <a14:hiddenLine xmlns:a14="http://schemas.microsoft.com/office/drawing/2010/main" xmlns="" w="9525">
+                <a14:hiddenLine xmlns="" xmlns:a14="http://schemas.microsoft.com/office/drawing/2010/main" w="9525">
                   <a:solidFill>
                     <a:srgbClr val="000000"/>
                   </a:solidFill>
@@ -3648,7 +3652,7 @@
             </a:ln>
             <a:extLst>
               <a:ext uri="{91240B29-F687-4f45-9708-019B960494DF}">
-                <a14:hiddenLine xmlns:a14="http://schemas.microsoft.com/office/drawing/2010/main" xmlns="" w="9525">
+                <a14:hiddenLine xmlns="" xmlns:a14="http://schemas.microsoft.com/office/drawing/2010/main" w="9525">
                   <a:solidFill>
                     <a:srgbClr val="000000"/>
                   </a:solidFill>
@@ -3713,7 +3717,7 @@
             </a:ln>
             <a:extLst>
               <a:ext uri="{91240B29-F687-4f45-9708-019B960494DF}">
-                <a14:hiddenLine xmlns:a14="http://schemas.microsoft.com/office/drawing/2010/main" xmlns="" w="9525">
+                <a14:hiddenLine xmlns="" xmlns:a14="http://schemas.microsoft.com/office/drawing/2010/main" w="9525">
                   <a:solidFill>
                     <a:srgbClr val="000000"/>
                   </a:solidFill>
@@ -3775,7 +3779,7 @@
             </a:ln>
             <a:extLst>
               <a:ext uri="{91240B29-F687-4f45-9708-019B960494DF}">
-                <a14:hiddenLine xmlns:a14="http://schemas.microsoft.com/office/drawing/2010/main" xmlns="" w="9525">
+                <a14:hiddenLine xmlns="" xmlns:a14="http://schemas.microsoft.com/office/drawing/2010/main" w="9525">
                   <a:solidFill>
                     <a:srgbClr val="000000"/>
                   </a:solidFill>
@@ -3865,7 +3869,7 @@
             </a:ln>
             <a:extLst>
               <a:ext uri="{91240B29-F687-4f45-9708-019B960494DF}">
-                <a14:hiddenLine xmlns:a14="http://schemas.microsoft.com/office/drawing/2010/main" xmlns="" w="9525">
+                <a14:hiddenLine xmlns="" xmlns:a14="http://schemas.microsoft.com/office/drawing/2010/main" w="9525">
                   <a:solidFill>
                     <a:srgbClr val="000000"/>
                   </a:solidFill>
@@ -3955,7 +3959,7 @@
             </a:ln>
             <a:extLst>
               <a:ext uri="{91240B29-F687-4f45-9708-019B960494DF}">
-                <a14:hiddenLine xmlns:a14="http://schemas.microsoft.com/office/drawing/2010/main" xmlns="" w="9525">
+                <a14:hiddenLine xmlns="" xmlns:a14="http://schemas.microsoft.com/office/drawing/2010/main" w="9525">
                   <a:solidFill>
                     <a:srgbClr val="000000"/>
                   </a:solidFill>
@@ -4017,7 +4021,7 @@
             </a:ln>
             <a:extLst>
               <a:ext uri="{91240B29-F687-4f45-9708-019B960494DF}">
-                <a14:hiddenLine xmlns:a14="http://schemas.microsoft.com/office/drawing/2010/main" xmlns="" w="9525">
+                <a14:hiddenLine xmlns="" xmlns:a14="http://schemas.microsoft.com/office/drawing/2010/main" w="9525">
                   <a:solidFill>
                     <a:srgbClr val="000000"/>
                   </a:solidFill>
@@ -4137,7 +4141,7 @@
             </a:ln>
             <a:extLst>
               <a:ext uri="{91240B29-F687-4f45-9708-019B960494DF}">
-                <a14:hiddenLine xmlns:a14="http://schemas.microsoft.com/office/drawing/2010/main" xmlns="" w="9525">
+                <a14:hiddenLine xmlns="" xmlns:a14="http://schemas.microsoft.com/office/drawing/2010/main" w="9525">
                   <a:solidFill>
                     <a:srgbClr val="000000"/>
                   </a:solidFill>
@@ -4205,7 +4209,7 @@
             </a:ln>
             <a:extLst>
               <a:ext uri="{91240B29-F687-4f45-9708-019B960494DF}">
-                <a14:hiddenLine xmlns:a14="http://schemas.microsoft.com/office/drawing/2010/main" xmlns="" w="9525">
+                <a14:hiddenLine xmlns="" xmlns:a14="http://schemas.microsoft.com/office/drawing/2010/main" w="9525">
                   <a:solidFill>
                     <a:srgbClr val="000000"/>
                   </a:solidFill>
@@ -4295,7 +4299,7 @@
             </a:ln>
             <a:extLst>
               <a:ext uri="{91240B29-F687-4f45-9708-019B960494DF}">
-                <a14:hiddenLine xmlns:a14="http://schemas.microsoft.com/office/drawing/2010/main" xmlns="" w="9525">
+                <a14:hiddenLine xmlns="" xmlns:a14="http://schemas.microsoft.com/office/drawing/2010/main" w="9525">
                   <a:solidFill>
                     <a:srgbClr val="000000"/>
                   </a:solidFill>
@@ -4435,7 +4439,7 @@
           <a:p>
             <a:fld id="{48A87A34-81AB-432B-8DAE-1953F412C126}" type="datetimeFigureOut">
               <a:rPr lang="en-US" dirty="0"/>
-              <a:t>1/28/2017</a:t>
+              <a:t>2/7/2017</a:t>
             </a:fld>
             <a:endParaRPr lang="en-US" dirty="0"/>
           </a:p>
@@ -4697,7 +4701,7 @@
           <a:p>
             <a:fld id="{48A87A34-81AB-432B-8DAE-1953F412C126}" type="datetimeFigureOut">
               <a:rPr lang="en-US" dirty="0"/>
-              <a:t>1/28/2017</a:t>
+              <a:t>2/7/2017</a:t>
             </a:fld>
             <a:endParaRPr lang="en-US" dirty="0"/>
           </a:p>
@@ -4888,7 +4892,7 @@
           <a:p>
             <a:fld id="{48A87A34-81AB-432B-8DAE-1953F412C126}" type="datetimeFigureOut">
               <a:rPr lang="en-US" dirty="0"/>
-              <a:t>1/28/2017</a:t>
+              <a:t>2/7/2017</a:t>
             </a:fld>
             <a:endParaRPr lang="en-US" dirty="0"/>
           </a:p>
@@ -5146,7 +5150,7 @@
           <a:p>
             <a:fld id="{48A87A34-81AB-432B-8DAE-1953F412C126}" type="datetimeFigureOut">
               <a:rPr lang="en-US" dirty="0"/>
-              <a:t>1/28/2017</a:t>
+              <a:t>2/7/2017</a:t>
             </a:fld>
             <a:endParaRPr lang="en-US" dirty="0"/>
           </a:p>
@@ -5575,7 +5579,7 @@
           <a:p>
             <a:fld id="{48A87A34-81AB-432B-8DAE-1953F412C126}" type="datetimeFigureOut">
               <a:rPr lang="en-US" dirty="0"/>
-              <a:t>1/28/2017</a:t>
+              <a:t>2/7/2017</a:t>
             </a:fld>
             <a:endParaRPr lang="en-US" dirty="0"/>
           </a:p>
@@ -6116,7 +6120,7 @@
           <a:p>
             <a:fld id="{48A87A34-81AB-432B-8DAE-1953F412C126}" type="datetimeFigureOut">
               <a:rPr lang="en-US" dirty="0"/>
-              <a:t>1/28/2017</a:t>
+              <a:t>2/7/2017</a:t>
             </a:fld>
             <a:endParaRPr lang="en-US" dirty="0"/>
           </a:p>
@@ -6831,7 +6835,7 @@
           <a:p>
             <a:fld id="{48A87A34-81AB-432B-8DAE-1953F412C126}" type="datetimeFigureOut">
               <a:rPr lang="en-US" dirty="0"/>
-              <a:t>1/28/2017</a:t>
+              <a:t>2/7/2017</a:t>
             </a:fld>
             <a:endParaRPr lang="en-US" dirty="0"/>
           </a:p>
@@ -6996,7 +7000,7 @@
           <a:p>
             <a:fld id="{48A87A34-81AB-432B-8DAE-1953F412C126}" type="datetimeFigureOut">
               <a:rPr lang="en-US" dirty="0"/>
-              <a:t>1/28/2017</a:t>
+              <a:t>2/7/2017</a:t>
             </a:fld>
             <a:endParaRPr lang="en-US" dirty="0"/>
           </a:p>
@@ -7171,7 +7175,7 @@
           <a:p>
             <a:fld id="{48A87A34-81AB-432B-8DAE-1953F412C126}" type="datetimeFigureOut">
               <a:rPr lang="en-US" dirty="0"/>
-              <a:t>1/28/2017</a:t>
+              <a:t>2/7/2017</a:t>
             </a:fld>
             <a:endParaRPr lang="en-US" dirty="0"/>
           </a:p>
@@ -7336,7 +7340,7 @@
           <a:p>
             <a:fld id="{48A87A34-81AB-432B-8DAE-1953F412C126}" type="datetimeFigureOut">
               <a:rPr lang="en-US" dirty="0"/>
-              <a:t>1/28/2017</a:t>
+              <a:t>2/7/2017</a:t>
             </a:fld>
             <a:endParaRPr lang="en-US" dirty="0"/>
           </a:p>
@@ -7581,7 +7585,7 @@
           <a:p>
             <a:fld id="{48A87A34-81AB-432B-8DAE-1953F412C126}" type="datetimeFigureOut">
               <a:rPr lang="en-US" dirty="0"/>
-              <a:t>1/28/2017</a:t>
+              <a:t>2/7/2017</a:t>
             </a:fld>
             <a:endParaRPr lang="en-US" dirty="0"/>
           </a:p>
@@ -7808,7 +7812,7 @@
           <a:p>
             <a:fld id="{48A87A34-81AB-432B-8DAE-1953F412C126}" type="datetimeFigureOut">
               <a:rPr lang="en-US" dirty="0"/>
-              <a:t>1/28/2017</a:t>
+              <a:t>2/7/2017</a:t>
             </a:fld>
             <a:endParaRPr lang="en-US" dirty="0"/>
           </a:p>
@@ -8184,7 +8188,7 @@
           <a:p>
             <a:fld id="{48A87A34-81AB-432B-8DAE-1953F412C126}" type="datetimeFigureOut">
               <a:rPr lang="en-US" dirty="0"/>
-              <a:t>1/28/2017</a:t>
+              <a:t>2/7/2017</a:t>
             </a:fld>
             <a:endParaRPr lang="en-US" dirty="0"/>
           </a:p>
@@ -8297,7 +8301,7 @@
           <a:p>
             <a:fld id="{48A87A34-81AB-432B-8DAE-1953F412C126}" type="datetimeFigureOut">
               <a:rPr lang="en-US" dirty="0"/>
-              <a:t>1/28/2017</a:t>
+              <a:t>2/7/2017</a:t>
             </a:fld>
             <a:endParaRPr lang="en-US" dirty="0"/>
           </a:p>
@@ -8387,7 +8391,7 @@
           <a:p>
             <a:fld id="{48A87A34-81AB-432B-8DAE-1953F412C126}" type="datetimeFigureOut">
               <a:rPr lang="en-US" dirty="0"/>
-              <a:t>1/28/2017</a:t>
+              <a:t>2/7/2017</a:t>
             </a:fld>
             <a:endParaRPr lang="en-US" dirty="0"/>
           </a:p>
@@ -8631,7 +8635,7 @@
           <a:p>
             <a:fld id="{48A87A34-81AB-432B-8DAE-1953F412C126}" type="datetimeFigureOut">
               <a:rPr lang="en-US" dirty="0"/>
-              <a:t>1/28/2017</a:t>
+              <a:t>2/7/2017</a:t>
             </a:fld>
             <a:endParaRPr lang="en-US" dirty="0"/>
           </a:p>
@@ -8906,7 +8910,7 @@
           <a:p>
             <a:fld id="{48A87A34-81AB-432B-8DAE-1953F412C126}" type="datetimeFigureOut">
               <a:rPr lang="en-US" dirty="0"/>
-              <a:t>1/28/2017</a:t>
+              <a:t>2/7/2017</a:t>
             </a:fld>
             <a:endParaRPr lang="en-US" dirty="0"/>
           </a:p>
@@ -9024,7 +9028,7 @@
           <a:noFill/>
           <a:extLst>
             <a:ext uri="{909E8E84-426E-40dd-AFC4-6F175D3DCCD1}">
-              <a14:hiddenFill xmlns:a14="http://schemas.microsoft.com/office/drawing/2010/main" xmlns="">
+              <a14:hiddenFill xmlns="" xmlns:a14="http://schemas.microsoft.com/office/drawing/2010/main">
                 <a:solidFill>
                   <a:srgbClr val="FFFFFF"/>
                 </a:solidFill>
@@ -9098,7 +9102,7 @@
               </a:ln>
               <a:extLst>
                 <a:ext uri="{91240B29-F687-4f45-9708-019B960494DF}">
-                  <a14:hiddenLine xmlns:a14="http://schemas.microsoft.com/office/drawing/2010/main" xmlns="" w="9525">
+                  <a14:hiddenLine xmlns="" xmlns:a14="http://schemas.microsoft.com/office/drawing/2010/main" w="9525">
                     <a:solidFill>
                       <a:srgbClr val="000000"/>
                     </a:solidFill>
@@ -9188,7 +9192,7 @@
               </a:ln>
               <a:extLst>
                 <a:ext uri="{91240B29-F687-4f45-9708-019B960494DF}">
-                  <a14:hiddenLine xmlns:a14="http://schemas.microsoft.com/office/drawing/2010/main" xmlns="" w="9525">
+                  <a14:hiddenLine xmlns="" xmlns:a14="http://schemas.microsoft.com/office/drawing/2010/main" w="9525">
                     <a:solidFill>
                       <a:srgbClr val="000000"/>
                     </a:solidFill>
@@ -9278,7 +9282,7 @@
               </a:ln>
               <a:extLst>
                 <a:ext uri="{91240B29-F687-4f45-9708-019B960494DF}">
-                  <a14:hiddenLine xmlns:a14="http://schemas.microsoft.com/office/drawing/2010/main" xmlns="" w="9525">
+                  <a14:hiddenLine xmlns="" xmlns:a14="http://schemas.microsoft.com/office/drawing/2010/main" w="9525">
                     <a:solidFill>
                       <a:srgbClr val="000000"/>
                     </a:solidFill>
@@ -9340,7 +9344,7 @@
               </a:ln>
               <a:extLst>
                 <a:ext uri="{91240B29-F687-4f45-9708-019B960494DF}">
-                  <a14:hiddenLine xmlns:a14="http://schemas.microsoft.com/office/drawing/2010/main" xmlns="" w="9525">
+                  <a14:hiddenLine xmlns="" xmlns:a14="http://schemas.microsoft.com/office/drawing/2010/main" w="9525">
                     <a:solidFill>
                       <a:srgbClr val="000000"/>
                     </a:solidFill>
@@ -9430,7 +9434,7 @@
               </a:ln>
               <a:extLst>
                 <a:ext uri="{91240B29-F687-4f45-9708-019B960494DF}">
-                  <a14:hiddenLine xmlns:a14="http://schemas.microsoft.com/office/drawing/2010/main" xmlns="" w="9525">
+                  <a14:hiddenLine xmlns="" xmlns:a14="http://schemas.microsoft.com/office/drawing/2010/main" w="9525">
                     <a:solidFill>
                       <a:srgbClr val="000000"/>
                     </a:solidFill>
@@ -9492,7 +9496,7 @@
               </a:ln>
               <a:extLst>
                 <a:ext uri="{91240B29-F687-4f45-9708-019B960494DF}">
-                  <a14:hiddenLine xmlns:a14="http://schemas.microsoft.com/office/drawing/2010/main" xmlns="" w="9525">
+                  <a14:hiddenLine xmlns="" xmlns:a14="http://schemas.microsoft.com/office/drawing/2010/main" w="9525">
                     <a:solidFill>
                       <a:srgbClr val="000000"/>
                     </a:solidFill>
@@ -9554,7 +9558,7 @@
               </a:ln>
               <a:extLst>
                 <a:ext uri="{91240B29-F687-4f45-9708-019B960494DF}">
-                  <a14:hiddenLine xmlns:a14="http://schemas.microsoft.com/office/drawing/2010/main" xmlns="" w="9525">
+                  <a14:hiddenLine xmlns="" xmlns:a14="http://schemas.microsoft.com/office/drawing/2010/main" w="9525">
                     <a:solidFill>
                       <a:srgbClr val="000000"/>
                     </a:solidFill>
@@ -9644,7 +9648,7 @@
               </a:ln>
               <a:extLst>
                 <a:ext uri="{91240B29-F687-4f45-9708-019B960494DF}">
-                  <a14:hiddenLine xmlns:a14="http://schemas.microsoft.com/office/drawing/2010/main" xmlns="" w="9525">
+                  <a14:hiddenLine xmlns="" xmlns:a14="http://schemas.microsoft.com/office/drawing/2010/main" w="9525">
                     <a:solidFill>
                       <a:srgbClr val="000000"/>
                     </a:solidFill>
@@ -9734,7 +9738,7 @@
               </a:ln>
               <a:extLst>
                 <a:ext uri="{91240B29-F687-4f45-9708-019B960494DF}">
-                  <a14:hiddenLine xmlns:a14="http://schemas.microsoft.com/office/drawing/2010/main" xmlns="" w="9525">
+                  <a14:hiddenLine xmlns="" xmlns:a14="http://schemas.microsoft.com/office/drawing/2010/main" w="9525">
                     <a:solidFill>
                       <a:srgbClr val="000000"/>
                     </a:solidFill>
@@ -9796,7 +9800,7 @@
               </a:ln>
               <a:extLst>
                 <a:ext uri="{91240B29-F687-4f45-9708-019B960494DF}">
-                  <a14:hiddenLine xmlns:a14="http://schemas.microsoft.com/office/drawing/2010/main" xmlns="" w="9525">
+                  <a14:hiddenLine xmlns="" xmlns:a14="http://schemas.microsoft.com/office/drawing/2010/main" w="9525">
                     <a:solidFill>
                       <a:srgbClr val="000000"/>
                     </a:solidFill>
@@ -9906,7 +9910,7 @@
               </a:ln>
               <a:extLst>
                 <a:ext uri="{91240B29-F687-4f45-9708-019B960494DF}">
-                  <a14:hiddenLine xmlns:a14="http://schemas.microsoft.com/office/drawing/2010/main" xmlns="" w="9525">
+                  <a14:hiddenLine xmlns="" xmlns:a14="http://schemas.microsoft.com/office/drawing/2010/main" w="9525">
                     <a:solidFill>
                       <a:srgbClr val="000000"/>
                     </a:solidFill>
@@ -9990,7 +9994,7 @@
               </a:ln>
               <a:extLst>
                 <a:ext uri="{91240B29-F687-4f45-9708-019B960494DF}">
-                  <a14:hiddenLine xmlns:a14="http://schemas.microsoft.com/office/drawing/2010/main" xmlns="" w="9525">
+                  <a14:hiddenLine xmlns="" xmlns:a14="http://schemas.microsoft.com/office/drawing/2010/main" w="9525">
                     <a:solidFill>
                       <a:srgbClr val="000000"/>
                     </a:solidFill>
@@ -10052,7 +10056,7 @@
               </a:ln>
               <a:extLst>
                 <a:ext uri="{91240B29-F687-4f45-9708-019B960494DF}">
-                  <a14:hiddenLine xmlns:a14="http://schemas.microsoft.com/office/drawing/2010/main" xmlns="" w="9525">
+                  <a14:hiddenLine xmlns="" xmlns:a14="http://schemas.microsoft.com/office/drawing/2010/main" w="9525">
                     <a:solidFill>
                       <a:srgbClr val="000000"/>
                     </a:solidFill>
@@ -10114,7 +10118,7 @@
               </a:ln>
               <a:extLst>
                 <a:ext uri="{91240B29-F687-4f45-9708-019B960494DF}">
-                  <a14:hiddenLine xmlns:a14="http://schemas.microsoft.com/office/drawing/2010/main" xmlns="" w="9525">
+                  <a14:hiddenLine xmlns="" xmlns:a14="http://schemas.microsoft.com/office/drawing/2010/main" w="9525">
                     <a:solidFill>
                       <a:srgbClr val="000000"/>
                     </a:solidFill>
@@ -10204,7 +10208,7 @@
               </a:ln>
               <a:extLst>
                 <a:ext uri="{91240B29-F687-4f45-9708-019B960494DF}">
-                  <a14:hiddenLine xmlns:a14="http://schemas.microsoft.com/office/drawing/2010/main" xmlns="" w="9525">
+                  <a14:hiddenLine xmlns="" xmlns:a14="http://schemas.microsoft.com/office/drawing/2010/main" w="9525">
                     <a:solidFill>
                       <a:srgbClr val="000000"/>
                     </a:solidFill>
@@ -10238,7 +10242,7 @@
               </a:ln>
               <a:extLst>
                 <a:ext uri="{91240B29-F687-4f45-9708-019B960494DF}">
-                  <a14:hiddenLine xmlns:a14="http://schemas.microsoft.com/office/drawing/2010/main" xmlns="" w="9525">
+                  <a14:hiddenLine xmlns="" xmlns:a14="http://schemas.microsoft.com/office/drawing/2010/main" w="9525">
                     <a:solidFill>
                       <a:srgbClr val="000000"/>
                     </a:solidFill>
@@ -10303,7 +10307,7 @@
               </a:ln>
               <a:extLst>
                 <a:ext uri="{91240B29-F687-4f45-9708-019B960494DF}">
-                  <a14:hiddenLine xmlns:a14="http://schemas.microsoft.com/office/drawing/2010/main" xmlns="" w="9525">
+                  <a14:hiddenLine xmlns="" xmlns:a14="http://schemas.microsoft.com/office/drawing/2010/main" w="9525">
                     <a:solidFill>
                       <a:srgbClr val="000000"/>
                     </a:solidFill>
@@ -10393,7 +10397,7 @@
               </a:ln>
               <a:extLst>
                 <a:ext uri="{91240B29-F687-4f45-9708-019B960494DF}">
-                  <a14:hiddenLine xmlns:a14="http://schemas.microsoft.com/office/drawing/2010/main" xmlns="" w="9525">
+                  <a14:hiddenLine xmlns="" xmlns:a14="http://schemas.microsoft.com/office/drawing/2010/main" w="9525">
                     <a:solidFill>
                       <a:srgbClr val="000000"/>
                     </a:solidFill>
@@ -10455,7 +10459,7 @@
               </a:ln>
               <a:extLst>
                 <a:ext uri="{91240B29-F687-4f45-9708-019B960494DF}">
-                  <a14:hiddenLine xmlns:a14="http://schemas.microsoft.com/office/drawing/2010/main" xmlns="" w="9525">
+                  <a14:hiddenLine xmlns="" xmlns:a14="http://schemas.microsoft.com/office/drawing/2010/main" w="9525">
                     <a:solidFill>
                       <a:srgbClr val="000000"/>
                     </a:solidFill>
@@ -10545,7 +10549,7 @@
               </a:ln>
               <a:extLst>
                 <a:ext uri="{91240B29-F687-4f45-9708-019B960494DF}">
-                  <a14:hiddenLine xmlns:a14="http://schemas.microsoft.com/office/drawing/2010/main" xmlns="" w="9525">
+                  <a14:hiddenLine xmlns="" xmlns:a14="http://schemas.microsoft.com/office/drawing/2010/main" w="9525">
                     <a:solidFill>
                       <a:srgbClr val="000000"/>
                     </a:solidFill>
@@ -10610,7 +10614,7 @@
               </a:ln>
               <a:extLst>
                 <a:ext uri="{91240B29-F687-4f45-9708-019B960494DF}">
-                  <a14:hiddenLine xmlns:a14="http://schemas.microsoft.com/office/drawing/2010/main" xmlns="" w="9525">
+                  <a14:hiddenLine xmlns="" xmlns:a14="http://schemas.microsoft.com/office/drawing/2010/main" w="9525">
                     <a:solidFill>
                       <a:srgbClr val="000000"/>
                     </a:solidFill>
@@ -10672,7 +10676,7 @@
               </a:ln>
               <a:extLst>
                 <a:ext uri="{91240B29-F687-4f45-9708-019B960494DF}">
-                  <a14:hiddenLine xmlns:a14="http://schemas.microsoft.com/office/drawing/2010/main" xmlns="" w="9525">
+                  <a14:hiddenLine xmlns="" xmlns:a14="http://schemas.microsoft.com/office/drawing/2010/main" w="9525">
                     <a:solidFill>
                       <a:srgbClr val="000000"/>
                     </a:solidFill>
@@ -10762,7 +10766,7 @@
               </a:ln>
               <a:extLst>
                 <a:ext uri="{91240B29-F687-4f45-9708-019B960494DF}">
-                  <a14:hiddenLine xmlns:a14="http://schemas.microsoft.com/office/drawing/2010/main" xmlns="" w="9525">
+                  <a14:hiddenLine xmlns="" xmlns:a14="http://schemas.microsoft.com/office/drawing/2010/main" w="9525">
                     <a:solidFill>
                       <a:srgbClr val="000000"/>
                     </a:solidFill>
@@ -10852,7 +10856,7 @@
               </a:ln>
               <a:extLst>
                 <a:ext uri="{91240B29-F687-4f45-9708-019B960494DF}">
-                  <a14:hiddenLine xmlns:a14="http://schemas.microsoft.com/office/drawing/2010/main" xmlns="" w="9525">
+                  <a14:hiddenLine xmlns="" xmlns:a14="http://schemas.microsoft.com/office/drawing/2010/main" w="9525">
                     <a:solidFill>
                       <a:srgbClr val="000000"/>
                     </a:solidFill>
@@ -10917,7 +10921,7 @@
               </a:ln>
               <a:extLst>
                 <a:ext uri="{91240B29-F687-4f45-9708-019B960494DF}">
-                  <a14:hiddenLine xmlns:a14="http://schemas.microsoft.com/office/drawing/2010/main" xmlns="" w="9525">
+                  <a14:hiddenLine xmlns="" xmlns:a14="http://schemas.microsoft.com/office/drawing/2010/main" w="9525">
                     <a:solidFill>
                       <a:srgbClr val="000000"/>
                     </a:solidFill>
@@ -11037,7 +11041,7 @@
               </a:ln>
               <a:extLst>
                 <a:ext uri="{91240B29-F687-4f45-9708-019B960494DF}">
-                  <a14:hiddenLine xmlns:a14="http://schemas.microsoft.com/office/drawing/2010/main" xmlns="" w="9525">
+                  <a14:hiddenLine xmlns="" xmlns:a14="http://schemas.microsoft.com/office/drawing/2010/main" w="9525">
                     <a:solidFill>
                       <a:srgbClr val="000000"/>
                     </a:solidFill>
@@ -11118,7 +11122,7 @@
               </a:ln>
               <a:extLst>
                 <a:ext uri="{91240B29-F687-4f45-9708-019B960494DF}">
-                  <a14:hiddenLine xmlns:a14="http://schemas.microsoft.com/office/drawing/2010/main" xmlns="" w="9525">
+                  <a14:hiddenLine xmlns="" xmlns:a14="http://schemas.microsoft.com/office/drawing/2010/main" w="9525">
                     <a:solidFill>
                       <a:srgbClr val="000000"/>
                     </a:solidFill>
@@ -11233,7 +11237,7 @@
               </a:ln>
               <a:extLst>
                 <a:ext uri="{91240B29-F687-4f45-9708-019B960494DF}">
-                  <a14:hiddenLine xmlns:a14="http://schemas.microsoft.com/office/drawing/2010/main" xmlns="" w="9525">
+                  <a14:hiddenLine xmlns="" xmlns:a14="http://schemas.microsoft.com/office/drawing/2010/main" w="9525">
                     <a:solidFill>
                       <a:srgbClr val="000000"/>
                     </a:solidFill>
@@ -11323,7 +11327,7 @@
               </a:ln>
               <a:extLst>
                 <a:ext uri="{91240B29-F687-4f45-9708-019B960494DF}">
-                  <a14:hiddenLine xmlns:a14="http://schemas.microsoft.com/office/drawing/2010/main" xmlns="" w="9525">
+                  <a14:hiddenLine xmlns="" xmlns:a14="http://schemas.microsoft.com/office/drawing/2010/main" w="9525">
                     <a:solidFill>
                       <a:srgbClr val="000000"/>
                     </a:solidFill>
@@ -11388,7 +11392,7 @@
               </a:ln>
               <a:extLst>
                 <a:ext uri="{91240B29-F687-4f45-9708-019B960494DF}">
-                  <a14:hiddenLine xmlns:a14="http://schemas.microsoft.com/office/drawing/2010/main" xmlns="" w="9525">
+                  <a14:hiddenLine xmlns="" xmlns:a14="http://schemas.microsoft.com/office/drawing/2010/main" w="9525">
                     <a:solidFill>
                       <a:srgbClr val="000000"/>
                     </a:solidFill>
@@ -11478,7 +11482,7 @@
               </a:ln>
               <a:extLst>
                 <a:ext uri="{91240B29-F687-4f45-9708-019B960494DF}">
-                  <a14:hiddenLine xmlns:a14="http://schemas.microsoft.com/office/drawing/2010/main" xmlns="" w="9525">
+                  <a14:hiddenLine xmlns="" xmlns:a14="http://schemas.microsoft.com/office/drawing/2010/main" w="9525">
                     <a:solidFill>
                       <a:srgbClr val="000000"/>
                     </a:solidFill>
@@ -11546,7 +11550,7 @@
               </a:ln>
               <a:extLst>
                 <a:ext uri="{91240B29-F687-4f45-9708-019B960494DF}">
-                  <a14:hiddenLine xmlns:a14="http://schemas.microsoft.com/office/drawing/2010/main" xmlns="" w="9525">
+                  <a14:hiddenLine xmlns="" xmlns:a14="http://schemas.microsoft.com/office/drawing/2010/main" w="9525">
                     <a:solidFill>
                       <a:srgbClr val="000000"/>
                     </a:solidFill>
@@ -11636,7 +11640,7 @@
               </a:ln>
               <a:extLst>
                 <a:ext uri="{91240B29-F687-4f45-9708-019B960494DF}">
-                  <a14:hiddenLine xmlns:a14="http://schemas.microsoft.com/office/drawing/2010/main" xmlns="" w="9525">
+                  <a14:hiddenLine xmlns="" xmlns:a14="http://schemas.microsoft.com/office/drawing/2010/main" w="9525">
                     <a:solidFill>
                       <a:srgbClr val="000000"/>
                     </a:solidFill>
@@ -11704,7 +11708,7 @@
               </a:ln>
               <a:extLst>
                 <a:ext uri="{91240B29-F687-4f45-9708-019B960494DF}">
-                  <a14:hiddenLine xmlns:a14="http://schemas.microsoft.com/office/drawing/2010/main" xmlns="" w="9525">
+                  <a14:hiddenLine xmlns="" xmlns:a14="http://schemas.microsoft.com/office/drawing/2010/main" w="9525">
                     <a:solidFill>
                       <a:srgbClr val="000000"/>
                     </a:solidFill>
@@ -11794,7 +11798,7 @@
               </a:ln>
               <a:extLst>
                 <a:ext uri="{91240B29-F687-4f45-9708-019B960494DF}">
-                  <a14:hiddenLine xmlns:a14="http://schemas.microsoft.com/office/drawing/2010/main" xmlns="" w="9525">
+                  <a14:hiddenLine xmlns="" xmlns:a14="http://schemas.microsoft.com/office/drawing/2010/main" w="9525">
                     <a:solidFill>
                       <a:srgbClr val="000000"/>
                     </a:solidFill>
@@ -11828,7 +11832,7 @@
               </a:ln>
               <a:extLst>
                 <a:ext uri="{91240B29-F687-4f45-9708-019B960494DF}">
-                  <a14:hiddenLine xmlns:a14="http://schemas.microsoft.com/office/drawing/2010/main" xmlns="" w="9525">
+                  <a14:hiddenLine xmlns="" xmlns:a14="http://schemas.microsoft.com/office/drawing/2010/main" w="9525">
                     <a:solidFill>
                       <a:srgbClr val="000000"/>
                     </a:solidFill>
@@ -11969,7 +11973,7 @@
             <a:fld id="{48A87A34-81AB-432B-8DAE-1953F412C126}" type="datetimeFigureOut">
               <a:rPr lang="en-US" dirty="0"/>
               <a:pPr/>
-              <a:t>1/28/2017</a:t>
+              <a:t>2/7/2017</a:t>
             </a:fld>
             <a:endParaRPr lang="en-US" dirty="0"/>
           </a:p>
@@ -14585,8 +14589,8 @@
           </a:p>
         </p:txBody>
       </p:sp>
-      <mc:AlternateContent xmlns:mc="http://schemas.openxmlformats.org/markup-compatibility/2006" xmlns:a14="http://schemas.microsoft.com/office/drawing/2010/main">
-        <mc:Choice Requires="a14">
+      <mc:AlternateContent xmlns:mc="http://schemas.openxmlformats.org/markup-compatibility/2006">
+        <mc:Choice xmlns:a14="http://schemas.microsoft.com/office/drawing/2010/main" Requires="a14">
           <p:sp>
             <p:nvSpPr>
               <p:cNvPr id="4" name="Content Placeholder 2"/>
@@ -14974,7 +14978,7 @@
             </p:txBody>
           </p:sp>
         </mc:Choice>
-        <mc:Fallback xmlns="">
+        <mc:Fallback>
           <p:sp>
             <p:nvSpPr>
               <p:cNvPr id="4" name="Content Placeholder 2"/>
@@ -18011,12 +18015,8 @@
               <a:t>Задача на </a:t>
             </a:r>
             <a:r>
-              <a:rPr lang="en-US" dirty="0" err="1" smtClean="0"/>
-              <a:t>rvalue</a:t>
-            </a:r>
-            <a:r>
               <a:rPr lang="en-US" dirty="0" smtClean="0"/>
-              <a:t> </a:t>
+              <a:t>FORWARDING </a:t>
             </a:r>
             <a:r>
               <a:rPr lang="ru-RU" dirty="0" smtClean="0"/>
@@ -18250,12 +18250,8 @@
               <a:t>Задача на </a:t>
             </a:r>
             <a:r>
-              <a:rPr lang="en-US" dirty="0" err="1" smtClean="0"/>
-              <a:t>rvalue</a:t>
-            </a:r>
-            <a:r>
               <a:rPr lang="en-US" dirty="0" smtClean="0"/>
-              <a:t> </a:t>
+              <a:t>FORWARDING </a:t>
             </a:r>
             <a:r>
               <a:rPr lang="ru-RU" dirty="0" smtClean="0"/>
@@ -21034,7 +21030,7 @@
         <p:spPr>
           <a:xfrm>
             <a:off x="1141412" y="1594168"/>
-            <a:ext cx="9905999" cy="4742623"/>
+            <a:ext cx="10251518" cy="4742623"/>
           </a:xfrm>
         </p:spPr>
         <p:txBody>
@@ -21295,13 +21291,31 @@
               <a:rPr lang="en-US" dirty="0" err="1" smtClean="0">
                 <a:latin typeface="Consolas" panose="020B0609020204030204" pitchFamily="49" charset="0"/>
               </a:rPr>
+              <a:t>const</a:t>
+            </a:r>
+            <a:r>
+              <a:rPr lang="en-US" dirty="0" smtClean="0">
+                <a:latin typeface="Consolas" panose="020B0609020204030204" pitchFamily="49" charset="0"/>
+              </a:rPr>
+              <a:t> </a:t>
+            </a:r>
+            <a:r>
+              <a:rPr lang="en-US" dirty="0" err="1" smtClean="0">
+                <a:latin typeface="Consolas" panose="020B0609020204030204" pitchFamily="49" charset="0"/>
+              </a:rPr>
               <a:t>lvalue</a:t>
             </a:r>
             <a:r>
               <a:rPr lang="en-US" dirty="0" smtClean="0">
                 <a:latin typeface="Consolas" panose="020B0609020204030204" pitchFamily="49" charset="0"/>
               </a:rPr>
-              <a:t> ref</a:t>
+              <a:t> </a:t>
+            </a:r>
+            <a:r>
+              <a:rPr lang="en-US" dirty="0" smtClean="0">
+                <a:latin typeface="Consolas" panose="020B0609020204030204" pitchFamily="49" charset="0"/>
+              </a:rPr>
+              <a:t>ref</a:t>
             </a:r>
             <a:endParaRPr lang="ru-RU" dirty="0">
               <a:latin typeface="Consolas" panose="020B0609020204030204" pitchFamily="49" charset="0"/>
@@ -21404,14 +21418,19 @@
             <p:ph type="title"/>
           </p:nvPr>
         </p:nvSpPr>
-        <p:spPr/>
+        <p:spPr>
+          <a:xfrm>
+            <a:off x="1214565" y="115598"/>
+            <a:ext cx="9905998" cy="1478570"/>
+          </a:xfrm>
+        </p:spPr>
         <p:txBody>
           <a:bodyPr/>
           <a:lstStyle/>
           <a:p>
             <a:r>
               <a:rPr lang="ru-RU" dirty="0" smtClean="0"/>
-              <a:t>обсуждение</a:t>
+              <a:t>проблемы перегрузки конструкторов</a:t>
             </a:r>
             <a:endParaRPr lang="en-US" dirty="0"/>
           </a:p>
@@ -21429,193 +21448,232 @@
         </p:nvSpPr>
         <p:spPr>
           <a:xfrm>
-            <a:off x="1141412" y="2249486"/>
-            <a:ext cx="9905999" cy="4434777"/>
+            <a:off x="1141412" y="1594168"/>
+            <a:ext cx="10251518" cy="4742623"/>
           </a:xfrm>
         </p:spPr>
         <p:txBody>
-          <a:bodyPr/>
+          <a:bodyPr>
+            <a:normAutofit/>
+          </a:bodyPr>
           <a:lstStyle/>
           <a:p>
-            <a:r>
-              <a:rPr lang="ru-RU" dirty="0" smtClean="0"/>
-              <a:t>Вывод типов шаблонами исторически предшествовал средствам </a:t>
-            </a:r>
-            <a:r>
-              <a:rPr lang="en-US" dirty="0" err="1" smtClean="0"/>
-              <a:t>decltype</a:t>
-            </a:r>
-            <a:r>
-              <a:rPr lang="en-US" dirty="0" smtClean="0"/>
-              <a:t>/auto </a:t>
-            </a:r>
-            <a:r>
-              <a:rPr lang="ru-RU" dirty="0" smtClean="0"/>
-              <a:t>и поэтому он менее развит, но лучше изучен</a:t>
-            </a:r>
-          </a:p>
-          <a:p>
-            <a:r>
-              <a:rPr lang="ru-RU" dirty="0" smtClean="0"/>
-              <a:t>Рекомендуется дома рассмотреть варианты конфликта уточнений при перегрузке</a:t>
-            </a:r>
-          </a:p>
-          <a:p>
-            <a:pPr lvl="1"/>
-            <a:r>
-              <a:rPr lang="fr-FR" dirty="0" err="1">
-                <a:latin typeface="Consolas" panose="020B0609020204030204" pitchFamily="49" charset="0"/>
-              </a:rPr>
-              <a:t>template</a:t>
-            </a:r>
-            <a:r>
-              <a:rPr lang="fr-FR" dirty="0">
-                <a:latin typeface="Consolas" panose="020B0609020204030204" pitchFamily="49" charset="0"/>
-              </a:rPr>
-              <a:t> &lt;</a:t>
-            </a:r>
-            <a:r>
-              <a:rPr lang="fr-FR" dirty="0" err="1">
-                <a:latin typeface="Consolas" panose="020B0609020204030204" pitchFamily="49" charset="0"/>
-              </a:rPr>
-              <a:t>typename</a:t>
-            </a:r>
-            <a:r>
-              <a:rPr lang="fr-FR" dirty="0">
-                <a:latin typeface="Consolas" panose="020B0609020204030204" pitchFamily="49" charset="0"/>
-              </a:rPr>
-              <a:t> T&gt; </a:t>
-            </a:r>
-            <a:r>
-              <a:rPr lang="fr-FR" dirty="0" err="1">
-                <a:latin typeface="Consolas" panose="020B0609020204030204" pitchFamily="49" charset="0"/>
-              </a:rPr>
-              <a:t>void</a:t>
-            </a:r>
-            <a:r>
-              <a:rPr lang="fr-FR" dirty="0">
-                <a:latin typeface="Consolas" panose="020B0609020204030204" pitchFamily="49" charset="0"/>
-              </a:rPr>
-              <a:t> </a:t>
-            </a:r>
+            <a:pPr marL="0" lvl="0" indent="0">
+              <a:buNone/>
+            </a:pPr>
             <a:r>
               <a:rPr lang="en-US" dirty="0" smtClean="0">
                 <a:latin typeface="Consolas" panose="020B0609020204030204" pitchFamily="49" charset="0"/>
               </a:rPr>
-              <a:t>foo </a:t>
-            </a:r>
-            <a:r>
-              <a:rPr lang="fr-FR" dirty="0" smtClean="0">
-                <a:latin typeface="Consolas" panose="020B0609020204030204" pitchFamily="49" charset="0"/>
-              </a:rPr>
-              <a:t>(T&amp; t);</a:t>
-            </a:r>
-          </a:p>
-          <a:p>
-            <a:pPr lvl="1"/>
-            <a:r>
-              <a:rPr lang="fr-FR" dirty="0" err="1">
-                <a:latin typeface="Consolas" panose="020B0609020204030204" pitchFamily="49" charset="0"/>
-              </a:rPr>
-              <a:t>template</a:t>
-            </a:r>
-            <a:r>
-              <a:rPr lang="fr-FR" dirty="0">
-                <a:latin typeface="Consolas" panose="020B0609020204030204" pitchFamily="49" charset="0"/>
-              </a:rPr>
-              <a:t> &lt;</a:t>
-            </a:r>
-            <a:r>
-              <a:rPr lang="fr-FR" dirty="0" err="1">
-                <a:latin typeface="Consolas" panose="020B0609020204030204" pitchFamily="49" charset="0"/>
-              </a:rPr>
-              <a:t>typename</a:t>
-            </a:r>
-            <a:r>
-              <a:rPr lang="fr-FR" dirty="0">
-                <a:latin typeface="Consolas" panose="020B0609020204030204" pitchFamily="49" charset="0"/>
-              </a:rPr>
-              <a:t> T&gt; </a:t>
-            </a:r>
-            <a:r>
-              <a:rPr lang="fr-FR" dirty="0" err="1">
-                <a:latin typeface="Consolas" panose="020B0609020204030204" pitchFamily="49" charset="0"/>
-              </a:rPr>
-              <a:t>void</a:t>
-            </a:r>
-            <a:r>
-              <a:rPr lang="fr-FR" dirty="0">
-                <a:latin typeface="Consolas" panose="020B0609020204030204" pitchFamily="49" charset="0"/>
-              </a:rPr>
-              <a:t> </a:t>
+              <a:t>class Person {</a:t>
+            </a:r>
+            <a:br>
+              <a:rPr lang="en-US" dirty="0" smtClean="0">
+                <a:latin typeface="Consolas" panose="020B0609020204030204" pitchFamily="49" charset="0"/>
+              </a:rPr>
+            </a:br>
+            <a:r>
+              <a:rPr lang="en-US" dirty="0" smtClean="0">
+                <a:latin typeface="Consolas" panose="020B0609020204030204" pitchFamily="49" charset="0"/>
+              </a:rPr>
+              <a:t>  string name_;</a:t>
+            </a:r>
+            <a:br>
+              <a:rPr lang="en-US" dirty="0" smtClean="0">
+                <a:latin typeface="Consolas" panose="020B0609020204030204" pitchFamily="49" charset="0"/>
+              </a:rPr>
+            </a:br>
+            <a:r>
+              <a:rPr lang="en-US" dirty="0" smtClean="0">
+                <a:latin typeface="Consolas" panose="020B0609020204030204" pitchFamily="49" charset="0"/>
+              </a:rPr>
+              <a:t>public:</a:t>
+            </a:r>
+            <a:br>
+              <a:rPr lang="en-US" dirty="0" smtClean="0">
+                <a:latin typeface="Consolas" panose="020B0609020204030204" pitchFamily="49" charset="0"/>
+              </a:rPr>
+            </a:br>
+            <a:r>
+              <a:rPr lang="en-US" dirty="0" smtClean="0">
+                <a:latin typeface="Consolas" panose="020B0609020204030204" pitchFamily="49" charset="0"/>
+              </a:rPr>
+              <a:t>  Person (</a:t>
+            </a:r>
+            <a:r>
+              <a:rPr lang="en-US" dirty="0" err="1" smtClean="0">
+                <a:latin typeface="Consolas" panose="020B0609020204030204" pitchFamily="49" charset="0"/>
+              </a:rPr>
+              <a:t>const</a:t>
+            </a:r>
+            <a:r>
+              <a:rPr lang="en-US" dirty="0" smtClean="0">
+                <a:latin typeface="Consolas" panose="020B0609020204030204" pitchFamily="49" charset="0"/>
+              </a:rPr>
+              <a:t> string &amp;</a:t>
             </a:r>
             <a:r>
               <a:rPr lang="en-US" dirty="0">
                 <a:latin typeface="Consolas" panose="020B0609020204030204" pitchFamily="49" charset="0"/>
               </a:rPr>
-              <a:t>foo </a:t>
-            </a:r>
-            <a:r>
-              <a:rPr lang="fr-FR" dirty="0" smtClean="0">
+              <a:t>name</a:t>
+            </a:r>
+            <a:r>
+              <a:rPr lang="en-US" dirty="0" smtClean="0">
+                <a:latin typeface="Consolas" panose="020B0609020204030204" pitchFamily="49" charset="0"/>
+              </a:rPr>
+              <a:t>) : name_(name) {}</a:t>
+            </a:r>
+            <a:r>
+              <a:rPr lang="en-US" dirty="0">
+                <a:latin typeface="Consolas" panose="020B0609020204030204" pitchFamily="49" charset="0"/>
+              </a:rPr>
+              <a:t/>
+            </a:r>
+            <a:br>
+              <a:rPr lang="en-US" dirty="0">
+                <a:latin typeface="Consolas" panose="020B0609020204030204" pitchFamily="49" charset="0"/>
+              </a:rPr>
+            </a:br>
+            <a:r>
+              <a:rPr lang="ru-RU" dirty="0" smtClean="0">
+                <a:latin typeface="Consolas" panose="020B0609020204030204" pitchFamily="49" charset="0"/>
+              </a:rPr>
+              <a:t>  </a:t>
+            </a:r>
+            <a:r>
+              <a:rPr lang="en-US" dirty="0" smtClean="0">
+                <a:latin typeface="Consolas" panose="020B0609020204030204" pitchFamily="49" charset="0"/>
+              </a:rPr>
+              <a:t>Person </a:t>
+            </a:r>
+            <a:r>
+              <a:rPr lang="en-US" dirty="0">
                 <a:latin typeface="Consolas" panose="020B0609020204030204" pitchFamily="49" charset="0"/>
               </a:rPr>
               <a:t>(</a:t>
             </a:r>
             <a:r>
-              <a:rPr lang="fr-FR" dirty="0" err="1" smtClean="0">
+              <a:rPr lang="en-US" dirty="0" err="1">
                 <a:latin typeface="Consolas" panose="020B0609020204030204" pitchFamily="49" charset="0"/>
               </a:rPr>
               <a:t>const</a:t>
             </a:r>
             <a:r>
-              <a:rPr lang="fr-FR" dirty="0" smtClean="0">
-                <a:latin typeface="Consolas" panose="020B0609020204030204" pitchFamily="49" charset="0"/>
-              </a:rPr>
-              <a:t> T&amp; </a:t>
-            </a:r>
-            <a:r>
-              <a:rPr lang="fr-FR" dirty="0">
-                <a:latin typeface="Consolas" panose="020B0609020204030204" pitchFamily="49" charset="0"/>
-              </a:rPr>
-              <a:t>t</a:t>
-            </a:r>
-            <a:r>
-              <a:rPr lang="fr-FR" dirty="0" smtClean="0">
-                <a:latin typeface="Consolas" panose="020B0609020204030204" pitchFamily="49" charset="0"/>
-              </a:rPr>
-              <a:t>);</a:t>
+              <a:rPr lang="en-US" dirty="0">
+                <a:latin typeface="Consolas" panose="020B0609020204030204" pitchFamily="49" charset="0"/>
+              </a:rPr>
+              <a:t> Person&amp;) = default</a:t>
+            </a:r>
+            <a:r>
+              <a:rPr lang="en-US" dirty="0" smtClean="0">
+                <a:latin typeface="Consolas" panose="020B0609020204030204" pitchFamily="49" charset="0"/>
+              </a:rPr>
+              <a:t>;</a:t>
+            </a:r>
+            <a:r>
+              <a:rPr lang="en-US" dirty="0" smtClean="0">
+                <a:latin typeface="Consolas" panose="020B0609020204030204" pitchFamily="49" charset="0"/>
+              </a:rPr>
+              <a:t/>
+            </a:r>
+            <a:br>
+              <a:rPr lang="en-US" dirty="0" smtClean="0">
+                <a:latin typeface="Consolas" panose="020B0609020204030204" pitchFamily="49" charset="0"/>
+              </a:rPr>
+            </a:br>
+            <a:r>
+              <a:rPr lang="en-US" dirty="0" smtClean="0">
+                <a:latin typeface="Consolas" panose="020B0609020204030204" pitchFamily="49" charset="0"/>
+              </a:rPr>
+              <a:t>};</a:t>
             </a:r>
             <a:endParaRPr lang="ru-RU" dirty="0" smtClean="0">
               <a:latin typeface="Consolas" panose="020B0609020204030204" pitchFamily="49" charset="0"/>
             </a:endParaRPr>
           </a:p>
           <a:p>
+            <a:pPr marL="0" lvl="0" indent="0">
+              <a:buNone/>
+            </a:pPr>
+            <a:r>
+              <a:rPr lang="en-US" dirty="0" smtClean="0">
+                <a:latin typeface="Consolas" panose="020B0609020204030204" pitchFamily="49" charset="0"/>
+              </a:rPr>
+              <a:t>Person Ivan (</a:t>
+            </a:r>
+            <a:r>
+              <a:rPr lang="sv-SE" dirty="0">
+                <a:latin typeface="Consolas" panose="020B0609020204030204" pitchFamily="49" charset="0"/>
+              </a:rPr>
+              <a:t>"</a:t>
+            </a:r>
+            <a:r>
+              <a:rPr lang="sv-SE" dirty="0" smtClean="0">
+                <a:latin typeface="Consolas" panose="020B0609020204030204" pitchFamily="49" charset="0"/>
+              </a:rPr>
+              <a:t>Ivan"</a:t>
+            </a:r>
             <a:r>
               <a:rPr lang="ru-RU" dirty="0" smtClean="0">
                 <a:latin typeface="Consolas" panose="020B0609020204030204" pitchFamily="49" charset="0"/>
               </a:rPr>
-              <a:t>Перегрузка по </a:t>
+              <a:t>)</a:t>
             </a:r>
             <a:r>
               <a:rPr lang="en-US" dirty="0" smtClean="0">
                 <a:latin typeface="Consolas" panose="020B0609020204030204" pitchFamily="49" charset="0"/>
               </a:rPr>
-              <a:t>forwarding reference</a:t>
+              <a:t>; // </a:t>
             </a:r>
             <a:r>
               <a:rPr lang="ru-RU" dirty="0" smtClean="0">
-                <a:latin typeface="Consolas" panose="020B0609020204030204" pitchFamily="49" charset="0"/>
-              </a:rPr>
-              <a:t> (и почему ее следует избегать) описана у Майерса</a:t>
-            </a:r>
-            <a:endParaRPr lang="en-US" dirty="0"/>
+                <a:solidFill>
+                  <a:schemeClr val="accent3">
+                    <a:lumMod val="60000"/>
+                    <a:lumOff val="40000"/>
+                  </a:schemeClr>
+                </a:solidFill>
+                <a:latin typeface="Consolas" panose="020B0609020204030204" pitchFamily="49" charset="0"/>
+              </a:rPr>
+              <a:t>лишнее копирование аргумента</a:t>
+            </a:r>
+            <a:endParaRPr lang="en-US" dirty="0" smtClean="0">
+              <a:solidFill>
+                <a:schemeClr val="accent3">
+                  <a:lumMod val="60000"/>
+                  <a:lumOff val="40000"/>
+                </a:schemeClr>
+              </a:solidFill>
+              <a:latin typeface="Consolas" panose="020B0609020204030204" pitchFamily="49" charset="0"/>
+            </a:endParaRPr>
+          </a:p>
+          <a:p>
+            <a:pPr marL="0" lvl="0" indent="0">
+              <a:buNone/>
+            </a:pPr>
+            <a:r>
+              <a:rPr lang="en-US" dirty="0" smtClean="0">
+                <a:latin typeface="Consolas" panose="020B0609020204030204" pitchFamily="49" charset="0"/>
+              </a:rPr>
+              <a:t>Person Vanya = Ivan; // ok, </a:t>
+            </a:r>
+            <a:r>
+              <a:rPr lang="ru-RU" dirty="0" smtClean="0">
+                <a:latin typeface="Consolas" panose="020B0609020204030204" pitchFamily="49" charset="0"/>
+              </a:rPr>
+              <a:t>конструктор сгенерирован</a:t>
+            </a:r>
+            <a:endParaRPr lang="ru-RU" dirty="0" smtClean="0">
+              <a:latin typeface="Consolas" panose="020B0609020204030204" pitchFamily="49" charset="0"/>
+            </a:endParaRPr>
           </a:p>
         </p:txBody>
       </p:sp>
     </p:spTree>
     <p:extLst>
       <p:ext uri="{BB962C8B-B14F-4D97-AF65-F5344CB8AC3E}">
-        <p14:creationId xmlns:p14="http://schemas.microsoft.com/office/powerpoint/2010/main" val="1033624986"/>
+        <p14:creationId xmlns:p14="http://schemas.microsoft.com/office/powerpoint/2010/main" val="1533499349"/>
       </p:ext>
     </p:extLst>
   </p:cSld>
@@ -21644,6 +21702,34 @@
       </p:grpSpPr>
       <p:sp>
         <p:nvSpPr>
+          <p:cNvPr id="2" name="Title 1"/>
+          <p:cNvSpPr>
+            <a:spLocks noGrp="1"/>
+          </p:cNvSpPr>
+          <p:nvPr>
+            <p:ph type="title"/>
+          </p:nvPr>
+        </p:nvSpPr>
+        <p:spPr>
+          <a:xfrm>
+            <a:off x="1214565" y="115598"/>
+            <a:ext cx="9905998" cy="1478570"/>
+          </a:xfrm>
+        </p:spPr>
+        <p:txBody>
+          <a:bodyPr/>
+          <a:lstStyle/>
+          <a:p>
+            <a:r>
+              <a:rPr lang="ru-RU" dirty="0" smtClean="0"/>
+              <a:t>проблемы перегрузки конструкторов</a:t>
+            </a:r>
+            <a:endParaRPr lang="en-US" dirty="0"/>
+          </a:p>
+        </p:txBody>
+      </p:sp>
+      <p:sp>
+        <p:nvSpPr>
           <p:cNvPr id="3" name="Content Placeholder 2"/>
           <p:cNvSpPr>
             <a:spLocks noGrp="1"/>
@@ -21654,8 +21740,8 @@
         </p:nvSpPr>
         <p:spPr>
           <a:xfrm>
-            <a:off x="1571181" y="1033272"/>
-            <a:ext cx="9282748" cy="4739641"/>
+            <a:off x="1141412" y="1594168"/>
+            <a:ext cx="10251518" cy="4938437"/>
           </a:xfrm>
         </p:spPr>
         <p:txBody>
@@ -21664,77 +21750,274 @@
           </a:bodyPr>
           <a:lstStyle/>
           <a:p>
-            <a:pPr>
-              <a:lnSpc>
-                <a:spcPct val="150000"/>
-              </a:lnSpc>
-              <a:buFont typeface="Wingdings" panose="05000000000000000000" pitchFamily="2" charset="2"/>
-              <a:buChar char="q"/>
+            <a:pPr marL="0" lvl="0" indent="0">
+              <a:buNone/>
             </a:pPr>
             <a:r>
-              <a:rPr lang="ru-RU" sz="3600" dirty="0" smtClean="0"/>
-              <a:t>Обобщенное программирование</a:t>
-            </a:r>
-          </a:p>
-          <a:p>
-            <a:pPr>
-              <a:lnSpc>
-                <a:spcPct val="150000"/>
-              </a:lnSpc>
-              <a:buFont typeface="Wingdings" panose="05000000000000000000" pitchFamily="2" charset="2"/>
-              <a:buChar char="q"/>
+              <a:rPr lang="en-US" dirty="0" smtClean="0">
+                <a:latin typeface="Consolas" panose="020B0609020204030204" pitchFamily="49" charset="0"/>
+              </a:rPr>
+              <a:t>class Person {</a:t>
+            </a:r>
+            <a:br>
+              <a:rPr lang="en-US" dirty="0" smtClean="0">
+                <a:latin typeface="Consolas" panose="020B0609020204030204" pitchFamily="49" charset="0"/>
+              </a:rPr>
+            </a:br>
+            <a:r>
+              <a:rPr lang="en-US" dirty="0" smtClean="0">
+                <a:latin typeface="Consolas" panose="020B0609020204030204" pitchFamily="49" charset="0"/>
+              </a:rPr>
+              <a:t>  string name_;</a:t>
+            </a:r>
+            <a:br>
+              <a:rPr lang="en-US" dirty="0" smtClean="0">
+                <a:latin typeface="Consolas" panose="020B0609020204030204" pitchFamily="49" charset="0"/>
+              </a:rPr>
+            </a:br>
+            <a:r>
+              <a:rPr lang="en-US" dirty="0" smtClean="0">
+                <a:latin typeface="Consolas" panose="020B0609020204030204" pitchFamily="49" charset="0"/>
+              </a:rPr>
+              <a:t>public:</a:t>
+            </a:r>
+            <a:br>
+              <a:rPr lang="en-US" dirty="0" smtClean="0">
+                <a:latin typeface="Consolas" panose="020B0609020204030204" pitchFamily="49" charset="0"/>
+              </a:rPr>
+            </a:br>
+            <a:r>
+              <a:rPr lang="en-US" dirty="0" smtClean="0">
+                <a:latin typeface="Consolas" panose="020B0609020204030204" pitchFamily="49" charset="0"/>
+              </a:rPr>
+              <a:t>  Person (</a:t>
+            </a:r>
+            <a:r>
+              <a:rPr lang="en-US" dirty="0" err="1" smtClean="0">
+                <a:latin typeface="Consolas" panose="020B0609020204030204" pitchFamily="49" charset="0"/>
+              </a:rPr>
+              <a:t>const</a:t>
+            </a:r>
+            <a:r>
+              <a:rPr lang="en-US" dirty="0" smtClean="0">
+                <a:latin typeface="Consolas" panose="020B0609020204030204" pitchFamily="49" charset="0"/>
+              </a:rPr>
+              <a:t> string &amp;</a:t>
+            </a:r>
+            <a:r>
+              <a:rPr lang="en-US" dirty="0">
+                <a:latin typeface="Consolas" panose="020B0609020204030204" pitchFamily="49" charset="0"/>
+              </a:rPr>
+              <a:t>name</a:t>
+            </a:r>
+            <a:r>
+              <a:rPr lang="en-US" dirty="0" smtClean="0">
+                <a:latin typeface="Consolas" panose="020B0609020204030204" pitchFamily="49" charset="0"/>
+              </a:rPr>
+              <a:t>) : name_(name) {}</a:t>
+            </a:r>
+            <a:r>
+              <a:rPr lang="en-US" dirty="0">
+                <a:latin typeface="Consolas" panose="020B0609020204030204" pitchFamily="49" charset="0"/>
+              </a:rPr>
+              <a:t/>
+            </a:r>
+            <a:br>
+              <a:rPr lang="en-US" dirty="0">
+                <a:latin typeface="Consolas" panose="020B0609020204030204" pitchFamily="49" charset="0"/>
+              </a:rPr>
+            </a:br>
+            <a:r>
+              <a:rPr lang="en-US" dirty="0" smtClean="0">
+                <a:latin typeface="Consolas" panose="020B0609020204030204" pitchFamily="49" charset="0"/>
+              </a:rPr>
+              <a:t>  </a:t>
+            </a:r>
+            <a:r>
+              <a:rPr lang="en-US" dirty="0">
+                <a:latin typeface="Consolas" panose="020B0609020204030204" pitchFamily="49" charset="0"/>
+              </a:rPr>
+              <a:t>Person </a:t>
+            </a:r>
+            <a:r>
+              <a:rPr lang="en-US" dirty="0" smtClean="0">
+                <a:latin typeface="Consolas" panose="020B0609020204030204" pitchFamily="49" charset="0"/>
+              </a:rPr>
+              <a:t>(string &amp;&amp;name) : name_(</a:t>
+            </a:r>
+            <a:r>
+              <a:rPr lang="en-US" dirty="0" err="1" smtClean="0">
+                <a:latin typeface="Consolas" panose="020B0609020204030204" pitchFamily="49" charset="0"/>
+              </a:rPr>
+              <a:t>std</a:t>
+            </a:r>
+            <a:r>
+              <a:rPr lang="en-US" dirty="0" smtClean="0">
+                <a:latin typeface="Consolas" panose="020B0609020204030204" pitchFamily="49" charset="0"/>
+              </a:rPr>
+              <a:t>::move(name)) {}  </a:t>
+            </a:r>
+            <a:br>
+              <a:rPr lang="en-US" dirty="0" smtClean="0">
+                <a:latin typeface="Consolas" panose="020B0609020204030204" pitchFamily="49" charset="0"/>
+              </a:rPr>
+            </a:br>
+            <a:r>
+              <a:rPr lang="en-US" dirty="0" smtClean="0">
+                <a:latin typeface="Consolas" panose="020B0609020204030204" pitchFamily="49" charset="0"/>
+              </a:rPr>
+              <a:t>  Person </a:t>
+            </a:r>
+            <a:r>
+              <a:rPr lang="en-US" dirty="0">
+                <a:latin typeface="Consolas" panose="020B0609020204030204" pitchFamily="49" charset="0"/>
+              </a:rPr>
+              <a:t>(</a:t>
+            </a:r>
+            <a:r>
+              <a:rPr lang="en-US" dirty="0" err="1">
+                <a:latin typeface="Consolas" panose="020B0609020204030204" pitchFamily="49" charset="0"/>
+              </a:rPr>
+              <a:t>const</a:t>
+            </a:r>
+            <a:r>
+              <a:rPr lang="en-US" dirty="0">
+                <a:latin typeface="Consolas" panose="020B0609020204030204" pitchFamily="49" charset="0"/>
+              </a:rPr>
+              <a:t> Person&amp;) = default</a:t>
+            </a:r>
+            <a:r>
+              <a:rPr lang="en-US" dirty="0" smtClean="0">
+                <a:latin typeface="Consolas" panose="020B0609020204030204" pitchFamily="49" charset="0"/>
+              </a:rPr>
+              <a:t>;</a:t>
+            </a:r>
+            <a:r>
+              <a:rPr lang="en-US" dirty="0" smtClean="0">
+                <a:latin typeface="Consolas" panose="020B0609020204030204" pitchFamily="49" charset="0"/>
+              </a:rPr>
+              <a:t/>
+            </a:r>
+            <a:br>
+              <a:rPr lang="en-US" dirty="0" smtClean="0">
+                <a:latin typeface="Consolas" panose="020B0609020204030204" pitchFamily="49" charset="0"/>
+              </a:rPr>
+            </a:br>
+            <a:r>
+              <a:rPr lang="en-US" dirty="0" smtClean="0">
+                <a:latin typeface="Consolas" panose="020B0609020204030204" pitchFamily="49" charset="0"/>
+              </a:rPr>
+              <a:t>};</a:t>
+            </a:r>
+            <a:endParaRPr lang="ru-RU" dirty="0" smtClean="0">
+              <a:latin typeface="Consolas" panose="020B0609020204030204" pitchFamily="49" charset="0"/>
+            </a:endParaRPr>
+          </a:p>
+          <a:p>
+            <a:pPr marL="0" lvl="0" indent="0">
+              <a:buNone/>
             </a:pPr>
             <a:r>
-              <a:rPr lang="ru-RU" sz="3600" dirty="0" smtClean="0"/>
-              <a:t>Вывод типов</a:t>
-            </a:r>
-          </a:p>
-          <a:p>
-            <a:pPr>
-              <a:lnSpc>
-                <a:spcPct val="150000"/>
-              </a:lnSpc>
-              <a:buFont typeface="Wingdings" panose="05000000000000000000" pitchFamily="2" charset="2"/>
-              <a:buChar char="q"/>
+              <a:rPr lang="en-US" dirty="0" smtClean="0">
+                <a:latin typeface="Consolas" panose="020B0609020204030204" pitchFamily="49" charset="0"/>
+              </a:rPr>
+              <a:t>Person Ivan (</a:t>
+            </a:r>
+            <a:r>
+              <a:rPr lang="sv-SE" dirty="0">
+                <a:latin typeface="Consolas" panose="020B0609020204030204" pitchFamily="49" charset="0"/>
+              </a:rPr>
+              <a:t>"</a:t>
+            </a:r>
+            <a:r>
+              <a:rPr lang="sv-SE" dirty="0" smtClean="0">
+                <a:latin typeface="Consolas" panose="020B0609020204030204" pitchFamily="49" charset="0"/>
+              </a:rPr>
+              <a:t>Ivan"</a:t>
+            </a:r>
+            <a:r>
+              <a:rPr lang="ru-RU" dirty="0" smtClean="0">
+                <a:latin typeface="Consolas" panose="020B0609020204030204" pitchFamily="49" charset="0"/>
+              </a:rPr>
+              <a:t>)</a:t>
+            </a:r>
+            <a:r>
+              <a:rPr lang="en-US" dirty="0" smtClean="0">
+                <a:latin typeface="Consolas" panose="020B0609020204030204" pitchFamily="49" charset="0"/>
+              </a:rPr>
+              <a:t>; // ok, </a:t>
+            </a:r>
+            <a:r>
+              <a:rPr lang="ru-RU" dirty="0" smtClean="0">
+                <a:latin typeface="Consolas" panose="020B0609020204030204" pitchFamily="49" charset="0"/>
+              </a:rPr>
+              <a:t>перемещение вместо копирования</a:t>
+            </a:r>
+            <a:endParaRPr lang="en-US" dirty="0" smtClean="0">
+              <a:latin typeface="Consolas" panose="020B0609020204030204" pitchFamily="49" charset="0"/>
+            </a:endParaRPr>
+          </a:p>
+          <a:p>
+            <a:pPr marL="0" lvl="0" indent="0">
+              <a:buNone/>
             </a:pPr>
             <a:r>
-              <a:rPr lang="ru-RU" sz="3600" dirty="0" smtClean="0"/>
-              <a:t>Разрешение перегрузки</a:t>
-            </a:r>
-          </a:p>
-          <a:p>
-            <a:pPr>
-              <a:lnSpc>
-                <a:spcPct val="150000"/>
-              </a:lnSpc>
-              <a:buFont typeface="Wingdings" panose="05000000000000000000" pitchFamily="2" charset="2"/>
-              <a:buChar char="Ø"/>
+              <a:rPr lang="en-US" dirty="0" smtClean="0">
+                <a:latin typeface="Consolas" panose="020B0609020204030204" pitchFamily="49" charset="0"/>
+              </a:rPr>
+              <a:t>Person Vanya = Ivan; // ok, </a:t>
+            </a:r>
+            <a:r>
+              <a:rPr lang="ru-RU" dirty="0" smtClean="0">
+                <a:latin typeface="Consolas" panose="020B0609020204030204" pitchFamily="49" charset="0"/>
+              </a:rPr>
+              <a:t>конструктор сгенерирован</a:t>
+            </a:r>
+          </a:p>
+          <a:p>
+            <a:pPr marL="0" lvl="0" indent="0" algn="ctr">
+              <a:buNone/>
             </a:pPr>
             <a:r>
-              <a:rPr lang="ru-RU" sz="3600" dirty="0" smtClean="0"/>
-              <a:t>Статический полиморфизм</a:t>
-            </a:r>
-          </a:p>
-          <a:p>
-            <a:pPr>
-              <a:lnSpc>
-                <a:spcPct val="150000"/>
-              </a:lnSpc>
-              <a:buFont typeface="Wingdings" panose="05000000000000000000" pitchFamily="2" charset="2"/>
-              <a:buChar char="q"/>
-            </a:pPr>
-            <a:r>
-              <a:rPr lang="ru-RU" sz="3600" dirty="0" smtClean="0"/>
-              <a:t>Управление инстанцированием</a:t>
-            </a:r>
-            <a:endParaRPr lang="en-US" sz="3600" dirty="0"/>
+              <a:rPr lang="ru-RU" dirty="0" smtClean="0">
+                <a:solidFill>
+                  <a:srgbClr val="FFFF00"/>
+                </a:solidFill>
+                <a:latin typeface="Consolas" panose="020B0609020204030204" pitchFamily="49" charset="0"/>
+              </a:rPr>
+              <a:t>проблема в том, что конструкторов нужно </a:t>
+            </a:r>
+            <a:r>
+              <a:rPr lang="en-US" dirty="0" smtClean="0">
+                <a:solidFill>
+                  <a:srgbClr val="FFFF00"/>
+                </a:solidFill>
+                <a:latin typeface="Consolas" panose="020B0609020204030204" pitchFamily="49" charset="0"/>
+              </a:rPr>
+              <a:t>2</a:t>
+            </a:r>
+            <a:r>
+              <a:rPr lang="en-US" baseline="30000" dirty="0" smtClean="0">
+                <a:solidFill>
+                  <a:srgbClr val="FFFF00"/>
+                </a:solidFill>
+                <a:latin typeface="Consolas" panose="020B0609020204030204" pitchFamily="49" charset="0"/>
+              </a:rPr>
+              <a:t>n</a:t>
+            </a:r>
+            <a:endParaRPr lang="ru-RU" baseline="30000" dirty="0" smtClean="0">
+              <a:solidFill>
+                <a:srgbClr val="FFFF00"/>
+              </a:solidFill>
+              <a:latin typeface="Consolas" panose="020B0609020204030204" pitchFamily="49" charset="0"/>
+            </a:endParaRPr>
           </a:p>
         </p:txBody>
       </p:sp>
     </p:spTree>
     <p:extLst>
       <p:ext uri="{BB962C8B-B14F-4D97-AF65-F5344CB8AC3E}">
-        <p14:creationId xmlns:p14="http://schemas.microsoft.com/office/powerpoint/2010/main" val="2370107055"/>
+        <p14:creationId xmlns:p14="http://schemas.microsoft.com/office/powerpoint/2010/main" val="3501672995"/>
       </p:ext>
     </p:extLst>
   </p:cSld>
@@ -21771,14 +22054,19 @@
             <p:ph type="title"/>
           </p:nvPr>
         </p:nvSpPr>
-        <p:spPr/>
+        <p:spPr>
+          <a:xfrm>
+            <a:off x="1214565" y="115598"/>
+            <a:ext cx="9905998" cy="1478570"/>
+          </a:xfrm>
+        </p:spPr>
         <p:txBody>
           <a:bodyPr/>
           <a:lstStyle/>
           <a:p>
             <a:r>
               <a:rPr lang="ru-RU" dirty="0" smtClean="0"/>
-              <a:t>Полиморфизм</a:t>
+              <a:t>проблемы перегрузки конструкторов</a:t>
             </a:r>
             <a:endParaRPr lang="en-US" dirty="0"/>
           </a:p>
@@ -21796,8 +22084,8 @@
         </p:nvSpPr>
         <p:spPr>
           <a:xfrm>
-            <a:off x="1141412" y="2249486"/>
-            <a:ext cx="9905999" cy="4398201"/>
+            <a:off x="1141412" y="1594168"/>
+            <a:ext cx="10251518" cy="4971389"/>
           </a:xfrm>
         </p:spPr>
         <p:txBody>
@@ -21806,54 +22094,235 @@
           </a:bodyPr>
           <a:lstStyle/>
           <a:p>
-            <a:r>
-              <a:rPr lang="ru-RU" dirty="0" smtClean="0"/>
-              <a:t>Аргумент, имеющий разный тип в зависимости от контекста вызова функции называется полимфорным аргументом</a:t>
-            </a:r>
-          </a:p>
-          <a:p>
-            <a:r>
-              <a:rPr lang="ru-RU" dirty="0" smtClean="0"/>
-              <a:t>Функция, имеющая хотя бы один полиморфный аргумент это полиморфная функция</a:t>
-            </a:r>
-          </a:p>
-          <a:p>
-            <a:r>
-              <a:rPr lang="ru-RU" dirty="0" smtClean="0"/>
-              <a:t>Каждый аргумент, параметризованный шаблонным типом, является полиморфным в шаблоне функции.</a:t>
-            </a:r>
-          </a:p>
-          <a:p>
-            <a:r>
-              <a:rPr lang="ru-RU" dirty="0" smtClean="0"/>
-              <a:t>Таким образом для шаблонов </a:t>
-            </a:r>
-            <a:r>
-              <a:rPr lang="en-US" dirty="0" smtClean="0"/>
-              <a:t>C++</a:t>
-            </a:r>
-            <a:r>
-              <a:rPr lang="ru-RU" dirty="0" smtClean="0"/>
-              <a:t> именно шаблон функции полиморфен. Каждый экземляр</a:t>
-            </a:r>
-            <a:r>
-              <a:rPr lang="ru-RU" dirty="0">
-                <a:ea typeface="Cambria Math" panose="02040503050406030204" pitchFamily="18" charset="0"/>
-              </a:rPr>
-              <a:t> ―</a:t>
-            </a:r>
-            <a:r>
-              <a:rPr lang="ru-RU" dirty="0" smtClean="0"/>
-              <a:t> уже нет.  </a:t>
-            </a:r>
-            <a:endParaRPr lang="en-US" dirty="0"/>
+            <a:pPr marL="0" lvl="0" indent="0">
+              <a:buNone/>
+            </a:pPr>
+            <a:r>
+              <a:rPr lang="en-US" dirty="0" smtClean="0">
+                <a:latin typeface="Consolas" panose="020B0609020204030204" pitchFamily="49" charset="0"/>
+              </a:rPr>
+              <a:t>class Person {</a:t>
+            </a:r>
+            <a:br>
+              <a:rPr lang="en-US" dirty="0" smtClean="0">
+                <a:latin typeface="Consolas" panose="020B0609020204030204" pitchFamily="49" charset="0"/>
+              </a:rPr>
+            </a:br>
+            <a:r>
+              <a:rPr lang="en-US" dirty="0" smtClean="0">
+                <a:latin typeface="Consolas" panose="020B0609020204030204" pitchFamily="49" charset="0"/>
+              </a:rPr>
+              <a:t>  string name_;</a:t>
+            </a:r>
+            <a:br>
+              <a:rPr lang="en-US" dirty="0" smtClean="0">
+                <a:latin typeface="Consolas" panose="020B0609020204030204" pitchFamily="49" charset="0"/>
+              </a:rPr>
+            </a:br>
+            <a:r>
+              <a:rPr lang="en-US" dirty="0" smtClean="0">
+                <a:latin typeface="Consolas" panose="020B0609020204030204" pitchFamily="49" charset="0"/>
+              </a:rPr>
+              <a:t>public:</a:t>
+            </a:r>
+            <a:br>
+              <a:rPr lang="en-US" dirty="0" smtClean="0">
+                <a:latin typeface="Consolas" panose="020B0609020204030204" pitchFamily="49" charset="0"/>
+              </a:rPr>
+            </a:br>
+            <a:r>
+              <a:rPr lang="en-US" dirty="0" smtClean="0">
+                <a:latin typeface="Consolas" panose="020B0609020204030204" pitchFamily="49" charset="0"/>
+              </a:rPr>
+              <a:t>  template &lt;</a:t>
+            </a:r>
+            <a:r>
+              <a:rPr lang="en-US" dirty="0" err="1" smtClean="0">
+                <a:latin typeface="Consolas" panose="020B0609020204030204" pitchFamily="49" charset="0"/>
+              </a:rPr>
+              <a:t>typename</a:t>
+            </a:r>
+            <a:r>
+              <a:rPr lang="en-US" dirty="0" smtClean="0">
+                <a:latin typeface="Consolas" panose="020B0609020204030204" pitchFamily="49" charset="0"/>
+              </a:rPr>
+              <a:t> T&gt; Person (T &amp;&amp;</a:t>
+            </a:r>
+            <a:r>
+              <a:rPr lang="en-US" dirty="0" smtClean="0">
+                <a:latin typeface="Consolas" panose="020B0609020204030204" pitchFamily="49" charset="0"/>
+              </a:rPr>
+              <a:t>name) :</a:t>
+            </a:r>
+            <a:br>
+              <a:rPr lang="en-US" dirty="0" smtClean="0">
+                <a:latin typeface="Consolas" panose="020B0609020204030204" pitchFamily="49" charset="0"/>
+              </a:rPr>
+            </a:br>
+            <a:r>
+              <a:rPr lang="en-US" dirty="0" smtClean="0">
+                <a:latin typeface="Consolas" panose="020B0609020204030204" pitchFamily="49" charset="0"/>
+              </a:rPr>
+              <a:t>    name_(</a:t>
+            </a:r>
+            <a:r>
+              <a:rPr lang="en-US" dirty="0" err="1" smtClean="0">
+                <a:latin typeface="Consolas" panose="020B0609020204030204" pitchFamily="49" charset="0"/>
+              </a:rPr>
+              <a:t>std</a:t>
+            </a:r>
+            <a:r>
+              <a:rPr lang="en-US" dirty="0" smtClean="0">
+                <a:latin typeface="Consolas" panose="020B0609020204030204" pitchFamily="49" charset="0"/>
+              </a:rPr>
+              <a:t>::forward(name)) {}</a:t>
+            </a:r>
+            <a:br>
+              <a:rPr lang="en-US" dirty="0" smtClean="0">
+                <a:latin typeface="Consolas" panose="020B0609020204030204" pitchFamily="49" charset="0"/>
+              </a:rPr>
+            </a:br>
+            <a:r>
+              <a:rPr lang="en-US" dirty="0" smtClean="0">
+                <a:latin typeface="Consolas" panose="020B0609020204030204" pitchFamily="49" charset="0"/>
+              </a:rPr>
+              <a:t>  Person (</a:t>
+            </a:r>
+            <a:r>
+              <a:rPr lang="en-US" dirty="0" err="1" smtClean="0">
+                <a:latin typeface="Consolas" panose="020B0609020204030204" pitchFamily="49" charset="0"/>
+              </a:rPr>
+              <a:t>const</a:t>
+            </a:r>
+            <a:r>
+              <a:rPr lang="en-US" dirty="0" smtClean="0">
+                <a:latin typeface="Consolas" panose="020B0609020204030204" pitchFamily="49" charset="0"/>
+              </a:rPr>
+              <a:t> Person&amp;) = default;</a:t>
+            </a:r>
+            <a:r>
+              <a:rPr lang="en-US" dirty="0">
+                <a:latin typeface="Consolas" panose="020B0609020204030204" pitchFamily="49" charset="0"/>
+              </a:rPr>
+              <a:t/>
+            </a:r>
+            <a:br>
+              <a:rPr lang="en-US" dirty="0">
+                <a:latin typeface="Consolas" panose="020B0609020204030204" pitchFamily="49" charset="0"/>
+              </a:rPr>
+            </a:br>
+            <a:r>
+              <a:rPr lang="en-US" dirty="0" smtClean="0">
+                <a:latin typeface="Consolas" panose="020B0609020204030204" pitchFamily="49" charset="0"/>
+              </a:rPr>
+              <a:t>};</a:t>
+            </a:r>
+            <a:endParaRPr lang="ru-RU" dirty="0" smtClean="0">
+              <a:latin typeface="Consolas" panose="020B0609020204030204" pitchFamily="49" charset="0"/>
+            </a:endParaRPr>
+          </a:p>
+          <a:p>
+            <a:pPr marL="0" lvl="0" indent="0">
+              <a:buNone/>
+            </a:pPr>
+            <a:r>
+              <a:rPr lang="en-US" dirty="0" smtClean="0">
+                <a:latin typeface="Consolas" panose="020B0609020204030204" pitchFamily="49" charset="0"/>
+              </a:rPr>
+              <a:t>Person Ivan (</a:t>
+            </a:r>
+            <a:r>
+              <a:rPr lang="sv-SE" dirty="0">
+                <a:latin typeface="Consolas" panose="020B0609020204030204" pitchFamily="49" charset="0"/>
+              </a:rPr>
+              <a:t>"</a:t>
+            </a:r>
+            <a:r>
+              <a:rPr lang="sv-SE" dirty="0" smtClean="0">
+                <a:latin typeface="Consolas" panose="020B0609020204030204" pitchFamily="49" charset="0"/>
+              </a:rPr>
+              <a:t>Ivan"</a:t>
+            </a:r>
+            <a:r>
+              <a:rPr lang="ru-RU" dirty="0" smtClean="0">
+                <a:latin typeface="Consolas" panose="020B0609020204030204" pitchFamily="49" charset="0"/>
+              </a:rPr>
+              <a:t>)</a:t>
+            </a:r>
+            <a:r>
+              <a:rPr lang="en-US" dirty="0" smtClean="0">
+                <a:latin typeface="Consolas" panose="020B0609020204030204" pitchFamily="49" charset="0"/>
+              </a:rPr>
+              <a:t>; // ok, </a:t>
+            </a:r>
+            <a:r>
+              <a:rPr lang="ru-RU" dirty="0" smtClean="0">
+                <a:latin typeface="Consolas" panose="020B0609020204030204" pitchFamily="49" charset="0"/>
+              </a:rPr>
+              <a:t>перемещение вместо копирования</a:t>
+            </a:r>
+            <a:endParaRPr lang="en-US" dirty="0" smtClean="0">
+              <a:latin typeface="Consolas" panose="020B0609020204030204" pitchFamily="49" charset="0"/>
+            </a:endParaRPr>
+          </a:p>
+          <a:p>
+            <a:pPr marL="0" lvl="0" indent="0">
+              <a:buNone/>
+            </a:pPr>
+            <a:r>
+              <a:rPr lang="en-US" dirty="0" smtClean="0">
+                <a:latin typeface="Consolas" panose="020B0609020204030204" pitchFamily="49" charset="0"/>
+              </a:rPr>
+              <a:t>Person Vanya = Ivan; // </a:t>
+            </a:r>
+            <a:r>
+              <a:rPr lang="ru-RU" dirty="0" smtClean="0">
+                <a:solidFill>
+                  <a:schemeClr val="accent3">
+                    <a:lumMod val="60000"/>
+                    <a:lumOff val="40000"/>
+                  </a:schemeClr>
+                </a:solidFill>
+                <a:latin typeface="Consolas" panose="020B0609020204030204" pitchFamily="49" charset="0"/>
+              </a:rPr>
+              <a:t>увы, теперь это не работает</a:t>
+            </a:r>
+            <a:endParaRPr lang="ru-RU" dirty="0" smtClean="0">
+              <a:solidFill>
+                <a:schemeClr val="accent3">
+                  <a:lumMod val="60000"/>
+                  <a:lumOff val="40000"/>
+                </a:schemeClr>
+              </a:solidFill>
+              <a:latin typeface="Consolas" panose="020B0609020204030204" pitchFamily="49" charset="0"/>
+            </a:endParaRPr>
+          </a:p>
+          <a:p>
+            <a:pPr marL="0" lvl="0" indent="0" algn="ctr">
+              <a:buNone/>
+            </a:pPr>
+            <a:r>
+              <a:rPr lang="ru-RU" dirty="0" smtClean="0">
+                <a:solidFill>
+                  <a:srgbClr val="FFFF00"/>
+                </a:solidFill>
+                <a:latin typeface="Consolas" panose="020B0609020204030204" pitchFamily="49" charset="0"/>
+              </a:rPr>
+              <a:t>Но прошлый вариант ТОЖЕ плох. Что же делать?</a:t>
+            </a:r>
+            <a:endParaRPr lang="ru-RU" dirty="0" smtClean="0">
+              <a:solidFill>
+                <a:srgbClr val="FFFF00"/>
+              </a:solidFill>
+              <a:latin typeface="Consolas" panose="020B0609020204030204" pitchFamily="49" charset="0"/>
+            </a:endParaRPr>
           </a:p>
         </p:txBody>
       </p:sp>
     </p:spTree>
     <p:extLst>
       <p:ext uri="{BB962C8B-B14F-4D97-AF65-F5344CB8AC3E}">
-        <p14:creationId xmlns:p14="http://schemas.microsoft.com/office/powerpoint/2010/main" val="3595013933"/>
+        <p14:creationId xmlns:p14="http://schemas.microsoft.com/office/powerpoint/2010/main" val="3719638793"/>
       </p:ext>
     </p:extLst>
   </p:cSld>
@@ -21890,18 +22359,19 @@
             <p:ph type="title"/>
           </p:nvPr>
         </p:nvSpPr>
-        <p:spPr/>
+        <p:spPr>
+          <a:xfrm>
+            <a:off x="1214565" y="115598"/>
+            <a:ext cx="9905998" cy="1478570"/>
+          </a:xfrm>
+        </p:spPr>
         <p:txBody>
           <a:bodyPr/>
           <a:lstStyle/>
           <a:p>
             <a:r>
               <a:rPr lang="ru-RU" dirty="0" smtClean="0"/>
-              <a:t>Два полиморфизма в </a:t>
-            </a:r>
-            <a:r>
-              <a:rPr lang="en-US" dirty="0" smtClean="0"/>
-              <a:t>C++</a:t>
+              <a:t>КРАСивый выход из положения</a:t>
             </a:r>
             <a:endParaRPr lang="en-US" dirty="0"/>
           </a:p>
@@ -21919,8 +22389,8 @@
         </p:nvSpPr>
         <p:spPr>
           <a:xfrm>
-            <a:off x="1141412" y="2249486"/>
-            <a:ext cx="9905999" cy="4370770"/>
+            <a:off x="1141412" y="1594168"/>
+            <a:ext cx="10251518" cy="4742623"/>
           </a:xfrm>
         </p:spPr>
         <p:txBody>
@@ -21929,80 +22399,198 @@
           </a:bodyPr>
           <a:lstStyle/>
           <a:p>
-            <a:r>
-              <a:rPr lang="ru-RU" dirty="0" smtClean="0"/>
-              <a:t>Динамический полиморфизм</a:t>
-            </a:r>
-          </a:p>
-          <a:p>
-            <a:pPr lvl="1"/>
-            <a:r>
-              <a:rPr lang="ru-RU" dirty="0" smtClean="0"/>
-              <a:t>Полиморфны все виртуальные функции</a:t>
-            </a:r>
-          </a:p>
-          <a:p>
-            <a:pPr lvl="1"/>
-            <a:r>
-              <a:rPr lang="ru-RU" dirty="0" smtClean="0"/>
-              <a:t>Один неявный полиморфный аргумент </a:t>
-            </a:r>
-            <a:r>
-              <a:rPr lang="ru-RU" dirty="0">
-                <a:ea typeface="Cambria Math" panose="02040503050406030204" pitchFamily="18" charset="0"/>
-              </a:rPr>
-              <a:t>―</a:t>
-            </a:r>
-            <a:r>
-              <a:rPr lang="en-US" dirty="0"/>
-              <a:t> </a:t>
-            </a:r>
-            <a:r>
-              <a:rPr lang="en-US" dirty="0" smtClean="0"/>
-              <a:t>this pointer</a:t>
-            </a:r>
-          </a:p>
-          <a:p>
-            <a:pPr lvl="1"/>
-            <a:r>
-              <a:rPr lang="ru-RU" dirty="0" smtClean="0"/>
-              <a:t>Явные интерфейсы</a:t>
-            </a:r>
-          </a:p>
-          <a:p>
-            <a:r>
-              <a:rPr lang="ru-RU" dirty="0" smtClean="0"/>
-              <a:t>Статический полиморфизм</a:t>
-            </a:r>
-          </a:p>
-          <a:p>
-            <a:pPr lvl="1"/>
-            <a:r>
-              <a:rPr lang="ru-RU" dirty="0" smtClean="0"/>
-              <a:t>Полиморфны шаблонные функции с параметризованными аргументами</a:t>
-            </a:r>
-          </a:p>
-          <a:p>
-            <a:pPr lvl="1"/>
-            <a:r>
-              <a:rPr lang="ru-RU" dirty="0" smtClean="0"/>
-              <a:t>Сколько угодно полиморфных аргументов</a:t>
-            </a:r>
-          </a:p>
-          <a:p>
-            <a:pPr lvl="1"/>
-            <a:r>
-              <a:rPr lang="ru-RU" dirty="0" smtClean="0"/>
-              <a:t>Неявные интерфейсы (утиная типизация)</a:t>
-            </a:r>
-            <a:endParaRPr lang="en-US" dirty="0"/>
+            <a:pPr marL="0" lvl="0" indent="0">
+              <a:buNone/>
+            </a:pPr>
+            <a:r>
+              <a:rPr lang="en-US" dirty="0" smtClean="0">
+                <a:latin typeface="Consolas" panose="020B0609020204030204" pitchFamily="49" charset="0"/>
+              </a:rPr>
+              <a:t>class Person {</a:t>
+            </a:r>
+            <a:br>
+              <a:rPr lang="en-US" dirty="0" smtClean="0">
+                <a:latin typeface="Consolas" panose="020B0609020204030204" pitchFamily="49" charset="0"/>
+              </a:rPr>
+            </a:br>
+            <a:r>
+              <a:rPr lang="en-US" dirty="0" smtClean="0">
+                <a:latin typeface="Consolas" panose="020B0609020204030204" pitchFamily="49" charset="0"/>
+              </a:rPr>
+              <a:t>  string name_;</a:t>
+            </a:r>
+            <a:br>
+              <a:rPr lang="en-US" dirty="0" smtClean="0">
+                <a:latin typeface="Consolas" panose="020B0609020204030204" pitchFamily="49" charset="0"/>
+              </a:rPr>
+            </a:br>
+            <a:r>
+              <a:rPr lang="en-US" dirty="0" smtClean="0">
+                <a:latin typeface="Consolas" panose="020B0609020204030204" pitchFamily="49" charset="0"/>
+              </a:rPr>
+              <a:t>public:</a:t>
+            </a:r>
+            <a:br>
+              <a:rPr lang="en-US" dirty="0" smtClean="0">
+                <a:latin typeface="Consolas" panose="020B0609020204030204" pitchFamily="49" charset="0"/>
+              </a:rPr>
+            </a:br>
+            <a:r>
+              <a:rPr lang="ru-RU" dirty="0" smtClean="0">
+                <a:latin typeface="Consolas" panose="020B0609020204030204" pitchFamily="49" charset="0"/>
+              </a:rPr>
+              <a:t>  </a:t>
+            </a:r>
+            <a:r>
+              <a:rPr lang="en-US" dirty="0" smtClean="0">
+                <a:latin typeface="Consolas" panose="020B0609020204030204" pitchFamily="49" charset="0"/>
+              </a:rPr>
+              <a:t>Person (</a:t>
+            </a:r>
+            <a:r>
+              <a:rPr lang="en-US" dirty="0" smtClean="0">
+                <a:latin typeface="Consolas" panose="020B0609020204030204" pitchFamily="49" charset="0"/>
+              </a:rPr>
+              <a:t>string name) : name_(</a:t>
+            </a:r>
+            <a:r>
+              <a:rPr lang="en-US" dirty="0" err="1" smtClean="0">
+                <a:latin typeface="Consolas" panose="020B0609020204030204" pitchFamily="49" charset="0"/>
+              </a:rPr>
+              <a:t>std</a:t>
+            </a:r>
+            <a:r>
+              <a:rPr lang="en-US" dirty="0" smtClean="0">
+                <a:latin typeface="Consolas" panose="020B0609020204030204" pitchFamily="49" charset="0"/>
+              </a:rPr>
+              <a:t>::move(name)) {}</a:t>
+            </a:r>
+            <a:br>
+              <a:rPr lang="en-US" dirty="0" smtClean="0">
+                <a:latin typeface="Consolas" panose="020B0609020204030204" pitchFamily="49" charset="0"/>
+              </a:rPr>
+            </a:br>
+            <a:r>
+              <a:rPr lang="en-US" dirty="0" smtClean="0">
+                <a:latin typeface="Consolas" panose="020B0609020204030204" pitchFamily="49" charset="0"/>
+              </a:rPr>
+              <a:t>  Person (</a:t>
+            </a:r>
+            <a:r>
+              <a:rPr lang="en-US" dirty="0" err="1" smtClean="0">
+                <a:latin typeface="Consolas" panose="020B0609020204030204" pitchFamily="49" charset="0"/>
+              </a:rPr>
+              <a:t>const</a:t>
+            </a:r>
+            <a:r>
+              <a:rPr lang="en-US" dirty="0" smtClean="0">
+                <a:latin typeface="Consolas" panose="020B0609020204030204" pitchFamily="49" charset="0"/>
+              </a:rPr>
+              <a:t> Person&amp;) = default;</a:t>
+            </a:r>
+            <a:r>
+              <a:rPr lang="en-US" dirty="0">
+                <a:latin typeface="Consolas" panose="020B0609020204030204" pitchFamily="49" charset="0"/>
+              </a:rPr>
+              <a:t/>
+            </a:r>
+            <a:br>
+              <a:rPr lang="en-US" dirty="0">
+                <a:latin typeface="Consolas" panose="020B0609020204030204" pitchFamily="49" charset="0"/>
+              </a:rPr>
+            </a:br>
+            <a:r>
+              <a:rPr lang="en-US" dirty="0" smtClean="0">
+                <a:latin typeface="Consolas" panose="020B0609020204030204" pitchFamily="49" charset="0"/>
+              </a:rPr>
+              <a:t>};</a:t>
+            </a:r>
+            <a:endParaRPr lang="ru-RU" dirty="0" smtClean="0">
+              <a:latin typeface="Consolas" panose="020B0609020204030204" pitchFamily="49" charset="0"/>
+            </a:endParaRPr>
+          </a:p>
+          <a:p>
+            <a:pPr marL="0" lvl="0" indent="0">
+              <a:buNone/>
+            </a:pPr>
+            <a:r>
+              <a:rPr lang="en-US" dirty="0" smtClean="0">
+                <a:latin typeface="Consolas" panose="020B0609020204030204" pitchFamily="49" charset="0"/>
+              </a:rPr>
+              <a:t>Person Ivan (</a:t>
+            </a:r>
+            <a:r>
+              <a:rPr lang="sv-SE" dirty="0">
+                <a:latin typeface="Consolas" panose="020B0609020204030204" pitchFamily="49" charset="0"/>
+              </a:rPr>
+              <a:t>"</a:t>
+            </a:r>
+            <a:r>
+              <a:rPr lang="sv-SE" dirty="0" smtClean="0">
+                <a:latin typeface="Consolas" panose="020B0609020204030204" pitchFamily="49" charset="0"/>
+              </a:rPr>
+              <a:t>Ivan"</a:t>
+            </a:r>
+            <a:r>
+              <a:rPr lang="ru-RU" dirty="0" smtClean="0">
+                <a:latin typeface="Consolas" panose="020B0609020204030204" pitchFamily="49" charset="0"/>
+              </a:rPr>
+              <a:t>)</a:t>
+            </a:r>
+            <a:r>
+              <a:rPr lang="en-US" dirty="0" smtClean="0">
+                <a:latin typeface="Consolas" panose="020B0609020204030204" pitchFamily="49" charset="0"/>
+              </a:rPr>
+              <a:t>; // ok, </a:t>
+            </a:r>
+            <a:r>
+              <a:rPr lang="ru-RU" dirty="0" smtClean="0">
+                <a:latin typeface="Consolas" panose="020B0609020204030204" pitchFamily="49" charset="0"/>
+              </a:rPr>
+              <a:t>перемещение вместо копирования</a:t>
+            </a:r>
+            <a:endParaRPr lang="en-US" dirty="0" smtClean="0">
+              <a:latin typeface="Consolas" panose="020B0609020204030204" pitchFamily="49" charset="0"/>
+            </a:endParaRPr>
+          </a:p>
+          <a:p>
+            <a:pPr marL="0" lvl="0" indent="0">
+              <a:buNone/>
+            </a:pPr>
+            <a:r>
+              <a:rPr lang="en-US" dirty="0" smtClean="0">
+                <a:latin typeface="Consolas" panose="020B0609020204030204" pitchFamily="49" charset="0"/>
+              </a:rPr>
+              <a:t>Person Vanya = Ivan</a:t>
+            </a:r>
+            <a:r>
+              <a:rPr lang="en-US" dirty="0">
+                <a:latin typeface="Consolas" panose="020B0609020204030204" pitchFamily="49" charset="0"/>
+              </a:rPr>
+              <a:t>; // ok, </a:t>
+            </a:r>
+            <a:r>
+              <a:rPr lang="ru-RU" dirty="0" smtClean="0">
+                <a:latin typeface="Consolas" panose="020B0609020204030204" pitchFamily="49" charset="0"/>
+              </a:rPr>
+              <a:t>сгенерированный конструктор</a:t>
+            </a:r>
+            <a:endParaRPr lang="ru-RU" dirty="0" smtClean="0">
+              <a:solidFill>
+                <a:schemeClr val="accent3">
+                  <a:lumMod val="60000"/>
+                  <a:lumOff val="40000"/>
+                </a:schemeClr>
+              </a:solidFill>
+              <a:latin typeface="Consolas" panose="020B0609020204030204" pitchFamily="49" charset="0"/>
+            </a:endParaRPr>
           </a:p>
         </p:txBody>
       </p:sp>
     </p:spTree>
     <p:extLst>
       <p:ext uri="{BB962C8B-B14F-4D97-AF65-F5344CB8AC3E}">
-        <p14:creationId xmlns:p14="http://schemas.microsoft.com/office/powerpoint/2010/main" val="636746954"/>
+        <p14:creationId xmlns:p14="http://schemas.microsoft.com/office/powerpoint/2010/main" val="2322624263"/>
       </p:ext>
     </p:extLst>
   </p:cSld>
@@ -22046,15 +22634,7 @@
           <a:p>
             <a:r>
               <a:rPr lang="ru-RU" dirty="0" smtClean="0"/>
-              <a:t>УТИНАЯ ТИПИЗАЦИЯ (</a:t>
-            </a:r>
-            <a:r>
-              <a:rPr lang="en-US" dirty="0" smtClean="0"/>
-              <a:t>DUCK TYPING</a:t>
-            </a:r>
-            <a:r>
-              <a:rPr lang="ru-RU" dirty="0" smtClean="0"/>
-              <a:t>)</a:t>
+              <a:t>обсуждение</a:t>
             </a:r>
             <a:endParaRPr lang="en-US" dirty="0"/>
           </a:p>
@@ -22072,430 +22652,205 @@
         </p:nvSpPr>
         <p:spPr>
           <a:xfrm>
-            <a:off x="1507172" y="6272846"/>
-            <a:ext cx="9905999" cy="502858"/>
+            <a:off x="1141412" y="2249486"/>
+            <a:ext cx="9905999" cy="4434777"/>
           </a:xfrm>
         </p:spPr>
         <p:txBody>
-          <a:bodyPr>
-            <a:normAutofit lnSpcReduction="10000"/>
-          </a:bodyPr>
+          <a:bodyPr/>
           <a:lstStyle/>
           <a:p>
-            <a:pPr marL="0" indent="0">
-              <a:buNone/>
-            </a:pPr>
             <a:r>
               <a:rPr lang="ru-RU" dirty="0" smtClean="0"/>
-              <a:t>«Если нечто плавает как утка и крякает как утка, то это утка»</a:t>
-            </a:r>
-          </a:p>
-        </p:txBody>
-      </p:sp>
-      <p:sp>
-        <p:nvSpPr>
-          <p:cNvPr id="4" name="Content Placeholder 2"/>
-          <p:cNvSpPr txBox="1">
-            <a:spLocks/>
-          </p:cNvSpPr>
-          <p:nvPr/>
-        </p:nvSpPr>
-        <p:spPr>
-          <a:xfrm>
-            <a:off x="1278572" y="1847087"/>
-            <a:ext cx="9905999" cy="4190857"/>
-          </a:xfrm>
-          <a:prstGeom prst="rect">
-            <a:avLst/>
-          </a:prstGeom>
-        </p:spPr>
-        <p:txBody>
-          <a:bodyPr vert="horz" lIns="91440" tIns="45720" rIns="91440" bIns="45720" rtlCol="0">
-            <a:normAutofit/>
-          </a:bodyPr>
-          <a:lstStyle>
-            <a:lvl1pPr marL="228600" indent="-228600" algn="l" defTabSz="914400" rtl="0" eaLnBrk="1" latinLnBrk="0" hangingPunct="1">
-              <a:lnSpc>
-                <a:spcPct val="120000"/>
-              </a:lnSpc>
-              <a:spcBef>
-                <a:spcPts val="1000"/>
-              </a:spcBef>
-              <a:buSzPct val="125000"/>
-              <a:buFont typeface="Arial" panose="020B0604020202020204" pitchFamily="34" charset="0"/>
-              <a:buChar char="•"/>
-              <a:defRPr sz="2400" kern="1200">
-                <a:solidFill>
-                  <a:schemeClr val="tx1"/>
-                </a:solidFill>
-                <a:latin typeface="+mn-lt"/>
-                <a:ea typeface="+mn-ea"/>
-                <a:cs typeface="+mn-cs"/>
-              </a:defRPr>
-            </a:lvl1pPr>
-            <a:lvl2pPr marL="685800" indent="-228600" algn="l" defTabSz="914400" rtl="0" eaLnBrk="1" latinLnBrk="0" hangingPunct="1">
-              <a:lnSpc>
-                <a:spcPct val="120000"/>
-              </a:lnSpc>
-              <a:spcBef>
-                <a:spcPts val="500"/>
-              </a:spcBef>
-              <a:buSzPct val="125000"/>
-              <a:buFont typeface="Arial" panose="020B0604020202020204" pitchFamily="34" charset="0"/>
-              <a:buChar char="•"/>
-              <a:defRPr sz="2000" kern="1200">
-                <a:solidFill>
-                  <a:schemeClr val="tx1"/>
-                </a:solidFill>
-                <a:latin typeface="+mn-lt"/>
-                <a:ea typeface="+mn-ea"/>
-                <a:cs typeface="+mn-cs"/>
-              </a:defRPr>
-            </a:lvl2pPr>
-            <a:lvl3pPr marL="1143000" indent="-228600" algn="l" defTabSz="914400" rtl="0" eaLnBrk="1" latinLnBrk="0" hangingPunct="1">
-              <a:lnSpc>
-                <a:spcPct val="120000"/>
-              </a:lnSpc>
-              <a:spcBef>
-                <a:spcPts val="500"/>
-              </a:spcBef>
-              <a:buSzPct val="125000"/>
-              <a:buFont typeface="Arial" panose="020B0604020202020204" pitchFamily="34" charset="0"/>
-              <a:buChar char="•"/>
-              <a:defRPr sz="1800" kern="1200">
-                <a:solidFill>
-                  <a:schemeClr val="tx1"/>
-                </a:solidFill>
-                <a:latin typeface="+mn-lt"/>
-                <a:ea typeface="+mn-ea"/>
-                <a:cs typeface="+mn-cs"/>
-              </a:defRPr>
-            </a:lvl3pPr>
-            <a:lvl4pPr marL="1600200" indent="-228600" algn="l" defTabSz="914400" rtl="0" eaLnBrk="1" latinLnBrk="0" hangingPunct="1">
-              <a:lnSpc>
-                <a:spcPct val="120000"/>
-              </a:lnSpc>
-              <a:spcBef>
-                <a:spcPts val="500"/>
-              </a:spcBef>
-              <a:buSzPct val="125000"/>
-              <a:buFont typeface="Arial" panose="020B0604020202020204" pitchFamily="34" charset="0"/>
-              <a:buChar char="•"/>
-              <a:defRPr sz="1600" kern="1200">
-                <a:solidFill>
-                  <a:schemeClr val="tx1"/>
-                </a:solidFill>
-                <a:latin typeface="+mn-lt"/>
-                <a:ea typeface="+mn-ea"/>
-                <a:cs typeface="+mn-cs"/>
-              </a:defRPr>
-            </a:lvl4pPr>
-            <a:lvl5pPr marL="2057400" indent="-228600" algn="l" defTabSz="914400" rtl="0" eaLnBrk="1" latinLnBrk="0" hangingPunct="1">
-              <a:lnSpc>
-                <a:spcPct val="120000"/>
-              </a:lnSpc>
-              <a:spcBef>
-                <a:spcPts val="500"/>
-              </a:spcBef>
-              <a:buSzPct val="125000"/>
-              <a:buFont typeface="Arial" panose="020B0604020202020204" pitchFamily="34" charset="0"/>
-              <a:buChar char="•"/>
-              <a:defRPr sz="1600" kern="1200">
-                <a:solidFill>
-                  <a:schemeClr val="tx1"/>
-                </a:solidFill>
-                <a:latin typeface="+mn-lt"/>
-                <a:ea typeface="+mn-ea"/>
-                <a:cs typeface="+mn-cs"/>
-              </a:defRPr>
-            </a:lvl5pPr>
-            <a:lvl6pPr marL="2514600" indent="-228600" algn="l" defTabSz="914400" rtl="0" eaLnBrk="1" latinLnBrk="0" hangingPunct="1">
-              <a:lnSpc>
-                <a:spcPct val="120000"/>
-              </a:lnSpc>
-              <a:spcBef>
-                <a:spcPts val="500"/>
-              </a:spcBef>
-              <a:buSzPct val="125000"/>
-              <a:buFont typeface="Arial" panose="020B0604020202020204" pitchFamily="34" charset="0"/>
-              <a:buChar char="•"/>
-              <a:defRPr sz="1400" kern="1200">
-                <a:solidFill>
-                  <a:schemeClr val="tx1"/>
-                </a:solidFill>
-                <a:latin typeface="+mn-lt"/>
-                <a:ea typeface="+mn-ea"/>
-                <a:cs typeface="+mn-cs"/>
-              </a:defRPr>
-            </a:lvl6pPr>
-            <a:lvl7pPr marL="2971800" indent="-228600" algn="l" defTabSz="914400" rtl="0" eaLnBrk="1" latinLnBrk="0" hangingPunct="1">
-              <a:lnSpc>
-                <a:spcPct val="120000"/>
-              </a:lnSpc>
-              <a:spcBef>
-                <a:spcPts val="500"/>
-              </a:spcBef>
-              <a:buSzPct val="125000"/>
-              <a:buFont typeface="Arial" panose="020B0604020202020204" pitchFamily="34" charset="0"/>
-              <a:buChar char="•"/>
-              <a:defRPr sz="1400" kern="1200">
-                <a:solidFill>
-                  <a:schemeClr val="tx1"/>
-                </a:solidFill>
-                <a:latin typeface="+mn-lt"/>
-                <a:ea typeface="+mn-ea"/>
-                <a:cs typeface="+mn-cs"/>
-              </a:defRPr>
-            </a:lvl7pPr>
-            <a:lvl8pPr marL="3429000" indent="-228600" algn="l" defTabSz="914400" rtl="0" eaLnBrk="1" latinLnBrk="0" hangingPunct="1">
-              <a:lnSpc>
-                <a:spcPct val="120000"/>
-              </a:lnSpc>
-              <a:spcBef>
-                <a:spcPts val="500"/>
-              </a:spcBef>
-              <a:buSzPct val="125000"/>
-              <a:buFont typeface="Arial" panose="020B0604020202020204" pitchFamily="34" charset="0"/>
-              <a:buChar char="•"/>
-              <a:defRPr sz="1400" kern="1200">
-                <a:solidFill>
-                  <a:schemeClr val="tx1"/>
-                </a:solidFill>
-                <a:latin typeface="+mn-lt"/>
-                <a:ea typeface="+mn-ea"/>
-                <a:cs typeface="+mn-cs"/>
-              </a:defRPr>
-            </a:lvl8pPr>
-            <a:lvl9pPr marL="3886200" indent="-228600" algn="l" defTabSz="914400" rtl="0" eaLnBrk="1" latinLnBrk="0" hangingPunct="1">
-              <a:lnSpc>
-                <a:spcPct val="120000"/>
-              </a:lnSpc>
-              <a:spcBef>
-                <a:spcPts val="500"/>
-              </a:spcBef>
-              <a:buSzPct val="125000"/>
-              <a:buFont typeface="Arial" panose="020B0604020202020204" pitchFamily="34" charset="0"/>
-              <a:buChar char="•"/>
-              <a:defRPr sz="1400" kern="1200">
-                <a:solidFill>
-                  <a:schemeClr val="tx1"/>
-                </a:solidFill>
-                <a:latin typeface="+mn-lt"/>
-                <a:ea typeface="+mn-ea"/>
-                <a:cs typeface="+mn-cs"/>
-              </a:defRPr>
-            </a:lvl9pPr>
-          </a:lstStyle>
-          <a:p>
-            <a:pPr marL="0" indent="0">
-              <a:spcBef>
-                <a:spcPts val="1200"/>
-              </a:spcBef>
-              <a:buFont typeface="Arial" panose="020B0604020202020204" pitchFamily="34" charset="0"/>
-              <a:buNone/>
-            </a:pPr>
+              <a:t>Вывод типов шаблонами исторически предшествовал средствам </a:t>
+            </a:r>
+            <a:r>
+              <a:rPr lang="en-US" dirty="0" err="1" smtClean="0"/>
+              <a:t>decltype</a:t>
+            </a:r>
+            <a:r>
+              <a:rPr lang="en-US" dirty="0" smtClean="0"/>
+              <a:t>/auto </a:t>
+            </a:r>
+            <a:r>
+              <a:rPr lang="ru-RU" dirty="0" smtClean="0"/>
+              <a:t>и поэтому он менее развит, но лучше изучен</a:t>
+            </a:r>
+          </a:p>
+          <a:p>
+            <a:r>
+              <a:rPr lang="ru-RU" dirty="0" smtClean="0"/>
+              <a:t>Рекомендуется дома рассмотреть варианты конфликта уточнений при перегрузке</a:t>
+            </a:r>
+          </a:p>
+          <a:p>
+            <a:pPr lvl="1"/>
+            <a:r>
+              <a:rPr lang="fr-FR" dirty="0" err="1">
+                <a:latin typeface="Consolas" panose="020B0609020204030204" pitchFamily="49" charset="0"/>
+              </a:rPr>
+              <a:t>template</a:t>
+            </a:r>
+            <a:r>
+              <a:rPr lang="fr-FR" dirty="0">
+                <a:latin typeface="Consolas" panose="020B0609020204030204" pitchFamily="49" charset="0"/>
+              </a:rPr>
+              <a:t> &lt;</a:t>
+            </a:r>
+            <a:r>
+              <a:rPr lang="fr-FR" dirty="0" err="1">
+                <a:latin typeface="Consolas" panose="020B0609020204030204" pitchFamily="49" charset="0"/>
+              </a:rPr>
+              <a:t>typename</a:t>
+            </a:r>
+            <a:r>
+              <a:rPr lang="fr-FR" dirty="0">
+                <a:latin typeface="Consolas" panose="020B0609020204030204" pitchFamily="49" charset="0"/>
+              </a:rPr>
+              <a:t> T&gt; </a:t>
+            </a:r>
+            <a:r>
+              <a:rPr lang="fr-FR" dirty="0" err="1">
+                <a:latin typeface="Consolas" panose="020B0609020204030204" pitchFamily="49" charset="0"/>
+              </a:rPr>
+              <a:t>void</a:t>
+            </a:r>
+            <a:r>
+              <a:rPr lang="fr-FR" dirty="0">
+                <a:latin typeface="Consolas" panose="020B0609020204030204" pitchFamily="49" charset="0"/>
+              </a:rPr>
+              <a:t> </a:t>
+            </a:r>
+            <a:r>
+              <a:rPr lang="en-US" dirty="0" smtClean="0">
+                <a:latin typeface="Consolas" panose="020B0609020204030204" pitchFamily="49" charset="0"/>
+              </a:rPr>
+              <a:t>foo </a:t>
+            </a:r>
+            <a:r>
+              <a:rPr lang="fr-FR" dirty="0" smtClean="0">
+                <a:latin typeface="Consolas" panose="020B0609020204030204" pitchFamily="49" charset="0"/>
+              </a:rPr>
+              <a:t>(T&amp; t);</a:t>
+            </a:r>
+          </a:p>
+          <a:p>
+            <a:pPr lvl="1"/>
+            <a:r>
+              <a:rPr lang="fr-FR" dirty="0" err="1">
+                <a:latin typeface="Consolas" panose="020B0609020204030204" pitchFamily="49" charset="0"/>
+              </a:rPr>
+              <a:t>template</a:t>
+            </a:r>
+            <a:r>
+              <a:rPr lang="fr-FR" dirty="0">
+                <a:latin typeface="Consolas" panose="020B0609020204030204" pitchFamily="49" charset="0"/>
+              </a:rPr>
+              <a:t> &lt;</a:t>
+            </a:r>
+            <a:r>
+              <a:rPr lang="fr-FR" dirty="0" err="1">
+                <a:latin typeface="Consolas" panose="020B0609020204030204" pitchFamily="49" charset="0"/>
+              </a:rPr>
+              <a:t>typename</a:t>
+            </a:r>
+            <a:r>
+              <a:rPr lang="fr-FR" dirty="0">
+                <a:latin typeface="Consolas" panose="020B0609020204030204" pitchFamily="49" charset="0"/>
+              </a:rPr>
+              <a:t> T&gt; </a:t>
+            </a:r>
+            <a:r>
+              <a:rPr lang="fr-FR" dirty="0" err="1">
+                <a:latin typeface="Consolas" panose="020B0609020204030204" pitchFamily="49" charset="0"/>
+              </a:rPr>
+              <a:t>void</a:t>
+            </a:r>
+            <a:r>
+              <a:rPr lang="fr-FR" dirty="0">
+                <a:latin typeface="Consolas" panose="020B0609020204030204" pitchFamily="49" charset="0"/>
+              </a:rPr>
+              <a:t> </a:t>
+            </a:r>
             <a:r>
               <a:rPr lang="en-US" dirty="0">
                 <a:latin typeface="Consolas" panose="020B0609020204030204" pitchFamily="49" charset="0"/>
               </a:rPr>
+              <a:t>foo </a:t>
+            </a:r>
+            <a:r>
+              <a:rPr lang="fr-FR" dirty="0" smtClean="0">
+                <a:latin typeface="Consolas" panose="020B0609020204030204" pitchFamily="49" charset="0"/>
+              </a:rPr>
+              <a:t>(</a:t>
+            </a:r>
+            <a:r>
+              <a:rPr lang="fr-FR" dirty="0" err="1" smtClean="0">
+                <a:latin typeface="Consolas" panose="020B0609020204030204" pitchFamily="49" charset="0"/>
+              </a:rPr>
+              <a:t>const</a:t>
+            </a:r>
+            <a:r>
+              <a:rPr lang="fr-FR" dirty="0" smtClean="0">
+                <a:latin typeface="Consolas" panose="020B0609020204030204" pitchFamily="49" charset="0"/>
+              </a:rPr>
+              <a:t> T&amp; </a:t>
+            </a:r>
+            <a:r>
+              <a:rPr lang="fr-FR" dirty="0">
+                <a:latin typeface="Consolas" panose="020B0609020204030204" pitchFamily="49" charset="0"/>
+              </a:rPr>
               <a:t>t</a:t>
             </a:r>
             <a:r>
-              <a:rPr lang="en-US" dirty="0" smtClean="0">
-                <a:latin typeface="Consolas" panose="020B0609020204030204" pitchFamily="49" charset="0"/>
-              </a:rPr>
-              <a:t>emplate &lt;</a:t>
-            </a:r>
-            <a:r>
-              <a:rPr lang="en-US" dirty="0" err="1" smtClean="0">
-                <a:latin typeface="Consolas" panose="020B0609020204030204" pitchFamily="49" charset="0"/>
-              </a:rPr>
-              <a:t>typename</a:t>
-            </a:r>
-            <a:r>
-              <a:rPr lang="en-US" dirty="0" smtClean="0">
-                <a:latin typeface="Consolas" panose="020B0609020204030204" pitchFamily="49" charset="0"/>
-              </a:rPr>
-              <a:t> </a:t>
-            </a:r>
-            <a:r>
-              <a:rPr lang="en-US" dirty="0" err="1" smtClean="0">
-                <a:latin typeface="Consolas" panose="020B0609020204030204" pitchFamily="49" charset="0"/>
-              </a:rPr>
-              <a:t>FuncT</a:t>
-            </a:r>
-            <a:r>
-              <a:rPr lang="en-US" dirty="0" smtClean="0">
-                <a:latin typeface="Consolas" panose="020B0609020204030204" pitchFamily="49" charset="0"/>
-              </a:rPr>
-              <a:t>&gt;</a:t>
-            </a:r>
-            <a:br>
-              <a:rPr lang="en-US" dirty="0" smtClean="0">
-                <a:latin typeface="Consolas" panose="020B0609020204030204" pitchFamily="49" charset="0"/>
-              </a:rPr>
-            </a:br>
-            <a:r>
-              <a:rPr lang="en-US" dirty="0" smtClean="0">
-                <a:latin typeface="Consolas" panose="020B0609020204030204" pitchFamily="49" charset="0"/>
-              </a:rPr>
-              <a:t>foo (</a:t>
-            </a:r>
-            <a:r>
-              <a:rPr lang="en-US" dirty="0" err="1" smtClean="0">
-                <a:latin typeface="Consolas" panose="020B0609020204030204" pitchFamily="49" charset="0"/>
-              </a:rPr>
-              <a:t>FuncT</a:t>
-            </a:r>
-            <a:r>
-              <a:rPr lang="en-US" dirty="0" smtClean="0">
-                <a:latin typeface="Consolas" panose="020B0609020204030204" pitchFamily="49" charset="0"/>
-              </a:rPr>
-              <a:t> f) { f(); } </a:t>
+              <a:rPr lang="fr-FR" dirty="0" smtClean="0">
+                <a:latin typeface="Consolas" panose="020B0609020204030204" pitchFamily="49" charset="0"/>
+              </a:rPr>
+              <a:t>);</a:t>
             </a:r>
             <a:endParaRPr lang="ru-RU" dirty="0" smtClean="0">
               <a:latin typeface="Consolas" panose="020B0609020204030204" pitchFamily="49" charset="0"/>
             </a:endParaRPr>
           </a:p>
           <a:p>
-            <a:pPr marL="0" indent="0">
-              <a:spcBef>
-                <a:spcPts val="1200"/>
-              </a:spcBef>
-              <a:buFont typeface="Arial" panose="020B0604020202020204" pitchFamily="34" charset="0"/>
-              <a:buNone/>
-            </a:pPr>
-            <a:r>
-              <a:rPr lang="ru-RU" dirty="0" smtClean="0"/>
-              <a:t>Кажется, что </a:t>
-            </a:r>
-            <a:r>
-              <a:rPr lang="en-US" dirty="0" smtClean="0"/>
-              <a:t>f </a:t>
-            </a:r>
-            <a:r>
-              <a:rPr lang="ru-RU" dirty="0" smtClean="0"/>
-              <a:t>это функция, верно? Но этого не требуется.</a:t>
-            </a:r>
-          </a:p>
-          <a:p>
-            <a:pPr marL="0" indent="0">
-              <a:spcBef>
-                <a:spcPts val="1200"/>
-              </a:spcBef>
-              <a:buFont typeface="Arial" panose="020B0604020202020204" pitchFamily="34" charset="0"/>
-              <a:buNone/>
-            </a:pPr>
-            <a:r>
-              <a:rPr lang="en-US" dirty="0" err="1" smtClean="0">
-                <a:latin typeface="Consolas" panose="020B0609020204030204" pitchFamily="49" charset="0"/>
-              </a:rPr>
-              <a:t>struct</a:t>
+            <a:r>
+              <a:rPr lang="ru-RU" dirty="0" smtClean="0">
+                <a:latin typeface="Consolas" panose="020B0609020204030204" pitchFamily="49" charset="0"/>
+              </a:rPr>
+              <a:t>Перегрузка по </a:t>
             </a:r>
             <a:r>
               <a:rPr lang="en-US" dirty="0" smtClean="0">
                 <a:latin typeface="Consolas" panose="020B0609020204030204" pitchFamily="49" charset="0"/>
               </a:rPr>
-              <a:t> </a:t>
-            </a:r>
-            <a:r>
-              <a:rPr lang="en-US" dirty="0" err="1" smtClean="0">
-                <a:latin typeface="Consolas" panose="020B0609020204030204" pitchFamily="49" charset="0"/>
-              </a:rPr>
-              <a:t>Duckly</a:t>
-            </a:r>
-            <a:r>
-              <a:rPr lang="en-US" dirty="0" smtClean="0">
-                <a:latin typeface="Consolas" panose="020B0609020204030204" pitchFamily="49" charset="0"/>
-              </a:rPr>
-              <a:t> {</a:t>
-            </a:r>
-            <a:br>
-              <a:rPr lang="en-US" dirty="0" smtClean="0">
-                <a:latin typeface="Consolas" panose="020B0609020204030204" pitchFamily="49" charset="0"/>
-              </a:rPr>
-            </a:br>
-            <a:r>
-              <a:rPr lang="en-US" dirty="0" smtClean="0">
-                <a:latin typeface="Consolas" panose="020B0609020204030204" pitchFamily="49" charset="0"/>
-              </a:rPr>
-              <a:t>  void operator () () {}</a:t>
-            </a:r>
-            <a:br>
-              <a:rPr lang="en-US" dirty="0" smtClean="0">
-                <a:latin typeface="Consolas" panose="020B0609020204030204" pitchFamily="49" charset="0"/>
-              </a:rPr>
-            </a:br>
-            <a:r>
-              <a:rPr lang="en-US" dirty="0" smtClean="0">
-                <a:latin typeface="Consolas" panose="020B0609020204030204" pitchFamily="49" charset="0"/>
-              </a:rPr>
-              <a:t>};</a:t>
-            </a:r>
-            <a:endParaRPr lang="fr-FR" dirty="0">
-              <a:latin typeface="Consolas" panose="020B0609020204030204" pitchFamily="49" charset="0"/>
-            </a:endParaRPr>
-          </a:p>
-          <a:p>
-            <a:pPr marL="0" indent="0">
-              <a:spcBef>
-                <a:spcPts val="1200"/>
-              </a:spcBef>
-              <a:buFont typeface="Arial" panose="020B0604020202020204" pitchFamily="34" charset="0"/>
-              <a:buNone/>
-            </a:pPr>
-            <a:r>
-              <a:rPr lang="fr-FR" dirty="0" err="1">
-                <a:latin typeface="Consolas" panose="020B0609020204030204" pitchFamily="49" charset="0"/>
-              </a:rPr>
-              <a:t>f</a:t>
-            </a:r>
-            <a:r>
-              <a:rPr lang="fr-FR" dirty="0" err="1" smtClean="0">
-                <a:latin typeface="Consolas" panose="020B0609020204030204" pitchFamily="49" charset="0"/>
-              </a:rPr>
-              <a:t>oo</a:t>
-            </a:r>
-            <a:r>
-              <a:rPr lang="fr-FR" dirty="0" smtClean="0">
-                <a:latin typeface="Consolas" panose="020B0609020204030204" pitchFamily="49" charset="0"/>
-              </a:rPr>
-              <a:t> (</a:t>
-            </a:r>
-            <a:r>
-              <a:rPr lang="fr-FR" dirty="0" err="1" smtClean="0">
-                <a:latin typeface="Consolas" panose="020B0609020204030204" pitchFamily="49" charset="0"/>
-              </a:rPr>
-              <a:t>Duckly</a:t>
-            </a:r>
-            <a:r>
-              <a:rPr lang="fr-FR" dirty="0" smtClean="0">
-                <a:latin typeface="Consolas" panose="020B0609020204030204" pitchFamily="49" charset="0"/>
-              </a:rPr>
-              <a:t> {}); // </a:t>
-            </a:r>
-            <a:r>
-              <a:rPr lang="fr-FR" dirty="0" err="1" smtClean="0">
-                <a:latin typeface="Consolas" panose="020B0609020204030204" pitchFamily="49" charset="0"/>
-              </a:rPr>
-              <a:t>works</a:t>
-            </a:r>
-            <a:r>
-              <a:rPr lang="fr-FR" dirty="0" smtClean="0">
-                <a:latin typeface="Consolas" panose="020B0609020204030204" pitchFamily="49" charset="0"/>
-              </a:rPr>
-              <a:t>!</a:t>
-            </a:r>
-            <a:endParaRPr lang="en-US" dirty="0">
-              <a:latin typeface="Consolas" panose="020B0609020204030204" pitchFamily="49" charset="0"/>
-            </a:endParaRPr>
+              <a:t>forwarding reference</a:t>
+            </a:r>
+            <a:r>
+              <a:rPr lang="ru-RU" dirty="0" smtClean="0">
+                <a:latin typeface="Consolas" panose="020B0609020204030204" pitchFamily="49" charset="0"/>
+              </a:rPr>
+              <a:t> (и почему ее следует избегать) </a:t>
+            </a:r>
+            <a:r>
+              <a:rPr lang="ru-RU" dirty="0" smtClean="0">
+                <a:latin typeface="Consolas" panose="020B0609020204030204" pitchFamily="49" charset="0"/>
+              </a:rPr>
+              <a:t>более подробно описана </a:t>
+            </a:r>
+            <a:r>
+              <a:rPr lang="ru-RU" dirty="0" smtClean="0">
+                <a:latin typeface="Consolas" panose="020B0609020204030204" pitchFamily="49" charset="0"/>
+              </a:rPr>
+              <a:t>у Майерса</a:t>
+            </a:r>
+            <a:endParaRPr lang="en-US" dirty="0"/>
           </a:p>
         </p:txBody>
       </p:sp>
     </p:spTree>
     <p:extLst>
       <p:ext uri="{BB962C8B-B14F-4D97-AF65-F5344CB8AC3E}">
-        <p14:creationId xmlns:p14="http://schemas.microsoft.com/office/powerpoint/2010/main" val="4058954908"/>
+        <p14:creationId xmlns:p14="http://schemas.microsoft.com/office/powerpoint/2010/main" val="1033624986"/>
       </p:ext>
     </p:extLst>
   </p:cSld>
@@ -22524,405 +22879,97 @@
       </p:grpSpPr>
       <p:sp>
         <p:nvSpPr>
-          <p:cNvPr id="2" name="Title 1"/>
+          <p:cNvPr id="3" name="Content Placeholder 2"/>
           <p:cNvSpPr>
             <a:spLocks noGrp="1"/>
           </p:cNvSpPr>
           <p:nvPr>
-            <p:ph type="title"/>
+            <p:ph idx="1"/>
           </p:nvPr>
-        </p:nvSpPr>
-        <p:spPr/>
-        <p:txBody>
-          <a:bodyPr/>
-          <a:lstStyle/>
-          <a:p>
-            <a:r>
-              <a:rPr lang="ru-RU" dirty="0" smtClean="0"/>
-              <a:t>Номинативная типизация</a:t>
-            </a:r>
-            <a:endParaRPr lang="en-US" dirty="0"/>
-          </a:p>
-        </p:txBody>
-      </p:sp>
-      <p:sp>
-        <p:nvSpPr>
-          <p:cNvPr id="4" name="Content Placeholder 2"/>
-          <p:cNvSpPr txBox="1">
-            <a:spLocks/>
-          </p:cNvSpPr>
-          <p:nvPr/>
         </p:nvSpPr>
         <p:spPr>
           <a:xfrm>
-            <a:off x="1278572" y="1847087"/>
-            <a:ext cx="9905999" cy="4190857"/>
+            <a:off x="1571181" y="1033272"/>
+            <a:ext cx="9282748" cy="4739641"/>
           </a:xfrm>
-          <a:prstGeom prst="rect">
-            <a:avLst/>
-          </a:prstGeom>
         </p:spPr>
         <p:txBody>
-          <a:bodyPr vert="horz" lIns="91440" tIns="45720" rIns="91440" bIns="45720" rtlCol="0">
+          <a:bodyPr>
             <a:normAutofit/>
           </a:bodyPr>
-          <a:lstStyle>
-            <a:lvl1pPr marL="228600" indent="-228600" algn="l" defTabSz="914400" rtl="0" eaLnBrk="1" latinLnBrk="0" hangingPunct="1">
+          <a:lstStyle/>
+          <a:p>
+            <a:pPr>
               <a:lnSpc>
-                <a:spcPct val="120000"/>
+                <a:spcPct val="150000"/>
               </a:lnSpc>
-              <a:spcBef>
-                <a:spcPts val="1000"/>
-              </a:spcBef>
-              <a:buSzPct val="125000"/>
-              <a:buFont typeface="Arial" panose="020B0604020202020204" pitchFamily="34" charset="0"/>
-              <a:buChar char="•"/>
-              <a:defRPr sz="2400" kern="1200">
-                <a:solidFill>
-                  <a:schemeClr val="tx1"/>
-                </a:solidFill>
-                <a:latin typeface="+mn-lt"/>
-                <a:ea typeface="+mn-ea"/>
-                <a:cs typeface="+mn-cs"/>
-              </a:defRPr>
-            </a:lvl1pPr>
-            <a:lvl2pPr marL="685800" indent="-228600" algn="l" defTabSz="914400" rtl="0" eaLnBrk="1" latinLnBrk="0" hangingPunct="1">
+              <a:buFont typeface="Wingdings" panose="05000000000000000000" pitchFamily="2" charset="2"/>
+              <a:buChar char="q"/>
+            </a:pPr>
+            <a:r>
+              <a:rPr lang="ru-RU" sz="3600" dirty="0" smtClean="0"/>
+              <a:t>Обобщенное программирование</a:t>
+            </a:r>
+          </a:p>
+          <a:p>
+            <a:pPr>
               <a:lnSpc>
-                <a:spcPct val="120000"/>
+                <a:spcPct val="150000"/>
               </a:lnSpc>
-              <a:spcBef>
-                <a:spcPts val="500"/>
-              </a:spcBef>
-              <a:buSzPct val="125000"/>
-              <a:buFont typeface="Arial" panose="020B0604020202020204" pitchFamily="34" charset="0"/>
-              <a:buChar char="•"/>
-              <a:defRPr sz="2000" kern="1200">
-                <a:solidFill>
-                  <a:schemeClr val="tx1"/>
-                </a:solidFill>
-                <a:latin typeface="+mn-lt"/>
-                <a:ea typeface="+mn-ea"/>
-                <a:cs typeface="+mn-cs"/>
-              </a:defRPr>
-            </a:lvl2pPr>
-            <a:lvl3pPr marL="1143000" indent="-228600" algn="l" defTabSz="914400" rtl="0" eaLnBrk="1" latinLnBrk="0" hangingPunct="1">
+              <a:buFont typeface="Wingdings" panose="05000000000000000000" pitchFamily="2" charset="2"/>
+              <a:buChar char="q"/>
+            </a:pPr>
+            <a:r>
+              <a:rPr lang="ru-RU" sz="3600" dirty="0" smtClean="0"/>
+              <a:t>Вывод типов</a:t>
+            </a:r>
+          </a:p>
+          <a:p>
+            <a:pPr>
               <a:lnSpc>
-                <a:spcPct val="120000"/>
+                <a:spcPct val="150000"/>
               </a:lnSpc>
-              <a:spcBef>
-                <a:spcPts val="500"/>
-              </a:spcBef>
-              <a:buSzPct val="125000"/>
-              <a:buFont typeface="Arial" panose="020B0604020202020204" pitchFamily="34" charset="0"/>
-              <a:buChar char="•"/>
-              <a:defRPr sz="1800" kern="1200">
-                <a:solidFill>
-                  <a:schemeClr val="tx1"/>
-                </a:solidFill>
-                <a:latin typeface="+mn-lt"/>
-                <a:ea typeface="+mn-ea"/>
-                <a:cs typeface="+mn-cs"/>
-              </a:defRPr>
-            </a:lvl3pPr>
-            <a:lvl4pPr marL="1600200" indent="-228600" algn="l" defTabSz="914400" rtl="0" eaLnBrk="1" latinLnBrk="0" hangingPunct="1">
+              <a:buFont typeface="Wingdings" panose="05000000000000000000" pitchFamily="2" charset="2"/>
+              <a:buChar char="q"/>
+            </a:pPr>
+            <a:r>
+              <a:rPr lang="ru-RU" sz="3600" dirty="0" smtClean="0"/>
+              <a:t>Разрешение перегрузки</a:t>
+            </a:r>
+          </a:p>
+          <a:p>
+            <a:pPr>
               <a:lnSpc>
-                <a:spcPct val="120000"/>
+                <a:spcPct val="150000"/>
               </a:lnSpc>
-              <a:spcBef>
-                <a:spcPts val="500"/>
-              </a:spcBef>
-              <a:buSzPct val="125000"/>
-              <a:buFont typeface="Arial" panose="020B0604020202020204" pitchFamily="34" charset="0"/>
-              <a:buChar char="•"/>
-              <a:defRPr sz="1600" kern="1200">
-                <a:solidFill>
-                  <a:schemeClr val="tx1"/>
-                </a:solidFill>
-                <a:latin typeface="+mn-lt"/>
-                <a:ea typeface="+mn-ea"/>
-                <a:cs typeface="+mn-cs"/>
-              </a:defRPr>
-            </a:lvl4pPr>
-            <a:lvl5pPr marL="2057400" indent="-228600" algn="l" defTabSz="914400" rtl="0" eaLnBrk="1" latinLnBrk="0" hangingPunct="1">
+              <a:buFont typeface="Wingdings" panose="05000000000000000000" pitchFamily="2" charset="2"/>
+              <a:buChar char="Ø"/>
+            </a:pPr>
+            <a:r>
+              <a:rPr lang="ru-RU" sz="3600" dirty="0" smtClean="0"/>
+              <a:t>Статический полиморфизм</a:t>
+            </a:r>
+          </a:p>
+          <a:p>
+            <a:pPr>
               <a:lnSpc>
-                <a:spcPct val="120000"/>
+                <a:spcPct val="150000"/>
               </a:lnSpc>
-              <a:spcBef>
-                <a:spcPts val="500"/>
-              </a:spcBef>
-              <a:buSzPct val="125000"/>
-              <a:buFont typeface="Arial" panose="020B0604020202020204" pitchFamily="34" charset="0"/>
-              <a:buChar char="•"/>
-              <a:defRPr sz="1600" kern="1200">
-                <a:solidFill>
-                  <a:schemeClr val="tx1"/>
-                </a:solidFill>
-                <a:latin typeface="+mn-lt"/>
-                <a:ea typeface="+mn-ea"/>
-                <a:cs typeface="+mn-cs"/>
-              </a:defRPr>
-            </a:lvl5pPr>
-            <a:lvl6pPr marL="2514600" indent="-228600" algn="l" defTabSz="914400" rtl="0" eaLnBrk="1" latinLnBrk="0" hangingPunct="1">
-              <a:lnSpc>
-                <a:spcPct val="120000"/>
-              </a:lnSpc>
-              <a:spcBef>
-                <a:spcPts val="500"/>
-              </a:spcBef>
-              <a:buSzPct val="125000"/>
-              <a:buFont typeface="Arial" panose="020B0604020202020204" pitchFamily="34" charset="0"/>
-              <a:buChar char="•"/>
-              <a:defRPr sz="1400" kern="1200">
-                <a:solidFill>
-                  <a:schemeClr val="tx1"/>
-                </a:solidFill>
-                <a:latin typeface="+mn-lt"/>
-                <a:ea typeface="+mn-ea"/>
-                <a:cs typeface="+mn-cs"/>
-              </a:defRPr>
-            </a:lvl6pPr>
-            <a:lvl7pPr marL="2971800" indent="-228600" algn="l" defTabSz="914400" rtl="0" eaLnBrk="1" latinLnBrk="0" hangingPunct="1">
-              <a:lnSpc>
-                <a:spcPct val="120000"/>
-              </a:lnSpc>
-              <a:spcBef>
-                <a:spcPts val="500"/>
-              </a:spcBef>
-              <a:buSzPct val="125000"/>
-              <a:buFont typeface="Arial" panose="020B0604020202020204" pitchFamily="34" charset="0"/>
-              <a:buChar char="•"/>
-              <a:defRPr sz="1400" kern="1200">
-                <a:solidFill>
-                  <a:schemeClr val="tx1"/>
-                </a:solidFill>
-                <a:latin typeface="+mn-lt"/>
-                <a:ea typeface="+mn-ea"/>
-                <a:cs typeface="+mn-cs"/>
-              </a:defRPr>
-            </a:lvl7pPr>
-            <a:lvl8pPr marL="3429000" indent="-228600" algn="l" defTabSz="914400" rtl="0" eaLnBrk="1" latinLnBrk="0" hangingPunct="1">
-              <a:lnSpc>
-                <a:spcPct val="120000"/>
-              </a:lnSpc>
-              <a:spcBef>
-                <a:spcPts val="500"/>
-              </a:spcBef>
-              <a:buSzPct val="125000"/>
-              <a:buFont typeface="Arial" panose="020B0604020202020204" pitchFamily="34" charset="0"/>
-              <a:buChar char="•"/>
-              <a:defRPr sz="1400" kern="1200">
-                <a:solidFill>
-                  <a:schemeClr val="tx1"/>
-                </a:solidFill>
-                <a:latin typeface="+mn-lt"/>
-                <a:ea typeface="+mn-ea"/>
-                <a:cs typeface="+mn-cs"/>
-              </a:defRPr>
-            </a:lvl8pPr>
-            <a:lvl9pPr marL="3886200" indent="-228600" algn="l" defTabSz="914400" rtl="0" eaLnBrk="1" latinLnBrk="0" hangingPunct="1">
-              <a:lnSpc>
-                <a:spcPct val="120000"/>
-              </a:lnSpc>
-              <a:spcBef>
-                <a:spcPts val="500"/>
-              </a:spcBef>
-              <a:buSzPct val="125000"/>
-              <a:buFont typeface="Arial" panose="020B0604020202020204" pitchFamily="34" charset="0"/>
-              <a:buChar char="•"/>
-              <a:defRPr sz="1400" kern="1200">
-                <a:solidFill>
-                  <a:schemeClr val="tx1"/>
-                </a:solidFill>
-                <a:latin typeface="+mn-lt"/>
-                <a:ea typeface="+mn-ea"/>
-                <a:cs typeface="+mn-cs"/>
-              </a:defRPr>
-            </a:lvl9pPr>
-          </a:lstStyle>
-          <a:p>
-            <a:pPr marL="0" indent="0">
-              <a:spcBef>
-                <a:spcPts val="1200"/>
-              </a:spcBef>
-              <a:buFont typeface="Arial" panose="020B0604020202020204" pitchFamily="34" charset="0"/>
-              <a:buNone/>
+              <a:buFont typeface="Wingdings" panose="05000000000000000000" pitchFamily="2" charset="2"/>
+              <a:buChar char="q"/>
             </a:pPr>
             <a:r>
-              <a:rPr lang="en-US" dirty="0" err="1">
-                <a:latin typeface="Consolas" panose="020B0609020204030204" pitchFamily="49" charset="0"/>
-              </a:rPr>
-              <a:t>s</a:t>
-            </a:r>
-            <a:r>
-              <a:rPr lang="en-US" dirty="0" err="1" smtClean="0">
-                <a:latin typeface="Consolas" panose="020B0609020204030204" pitchFamily="49" charset="0"/>
-              </a:rPr>
-              <a:t>truct</a:t>
-            </a:r>
-            <a:r>
-              <a:rPr lang="en-US" dirty="0" smtClean="0">
-                <a:latin typeface="Consolas" panose="020B0609020204030204" pitchFamily="49" charset="0"/>
-              </a:rPr>
-              <a:t> </a:t>
-            </a:r>
-            <a:r>
-              <a:rPr lang="en-US" dirty="0" err="1" smtClean="0">
-                <a:latin typeface="Consolas" panose="020B0609020204030204" pitchFamily="49" charset="0"/>
-              </a:rPr>
-              <a:t>INominative</a:t>
-            </a:r>
-            <a:r>
-              <a:rPr lang="en-US" dirty="0" smtClean="0">
-                <a:latin typeface="Consolas" panose="020B0609020204030204" pitchFamily="49" charset="0"/>
-              </a:rPr>
-              <a:t> {</a:t>
-            </a:r>
-            <a:br>
-              <a:rPr lang="en-US" dirty="0" smtClean="0">
-                <a:latin typeface="Consolas" panose="020B0609020204030204" pitchFamily="49" charset="0"/>
-              </a:rPr>
-            </a:br>
-            <a:r>
-              <a:rPr lang="en-US" dirty="0" smtClean="0">
-                <a:latin typeface="Consolas" panose="020B0609020204030204" pitchFamily="49" charset="0"/>
-              </a:rPr>
-              <a:t>  virtual foo (void(*f)()) = 0;</a:t>
-            </a:r>
-            <a:br>
-              <a:rPr lang="en-US" dirty="0" smtClean="0">
-                <a:latin typeface="Consolas" panose="020B0609020204030204" pitchFamily="49" charset="0"/>
-              </a:rPr>
-            </a:br>
-            <a:r>
-              <a:rPr lang="en-US" dirty="0" smtClean="0">
-                <a:latin typeface="Consolas" panose="020B0609020204030204" pitchFamily="49" charset="0"/>
-              </a:rPr>
-              <a:t>};</a:t>
-            </a:r>
-          </a:p>
-          <a:p>
-            <a:pPr marL="0" indent="0">
-              <a:spcBef>
-                <a:spcPts val="1200"/>
-              </a:spcBef>
-              <a:buFont typeface="Arial" panose="020B0604020202020204" pitchFamily="34" charset="0"/>
-              <a:buNone/>
-            </a:pPr>
-            <a:r>
-              <a:rPr lang="en-US" dirty="0" err="1" smtClean="0">
-                <a:latin typeface="Consolas" panose="020B0609020204030204" pitchFamily="49" charset="0"/>
-              </a:rPr>
-              <a:t>struct</a:t>
-            </a:r>
-            <a:r>
-              <a:rPr lang="en-US" dirty="0" smtClean="0">
-                <a:latin typeface="Consolas" panose="020B0609020204030204" pitchFamily="49" charset="0"/>
-              </a:rPr>
-              <a:t> Nominative : </a:t>
-            </a:r>
-            <a:r>
-              <a:rPr lang="en-US" dirty="0" err="1" smtClean="0">
-                <a:latin typeface="Consolas" panose="020B0609020204030204" pitchFamily="49" charset="0"/>
-              </a:rPr>
-              <a:t>INominative</a:t>
-            </a:r>
-            <a:r>
-              <a:rPr lang="en-US" dirty="0" smtClean="0">
-                <a:latin typeface="Consolas" panose="020B0609020204030204" pitchFamily="49" charset="0"/>
-              </a:rPr>
-              <a:t> {</a:t>
-            </a:r>
-            <a:br>
-              <a:rPr lang="en-US" dirty="0" smtClean="0">
-                <a:latin typeface="Consolas" panose="020B0609020204030204" pitchFamily="49" charset="0"/>
-              </a:rPr>
-            </a:br>
-            <a:r>
-              <a:rPr lang="en-US" dirty="0" smtClean="0">
-                <a:latin typeface="Consolas" panose="020B0609020204030204" pitchFamily="49" charset="0"/>
-              </a:rPr>
-              <a:t>  foo (void(*f)()) override { f(); }</a:t>
-            </a:r>
-            <a:br>
-              <a:rPr lang="en-US" dirty="0" smtClean="0">
-                <a:latin typeface="Consolas" panose="020B0609020204030204" pitchFamily="49" charset="0"/>
-              </a:rPr>
-            </a:br>
-            <a:r>
-              <a:rPr lang="en-US" dirty="0" smtClean="0">
-                <a:latin typeface="Consolas" panose="020B0609020204030204" pitchFamily="49" charset="0"/>
-              </a:rPr>
-              <a:t>};</a:t>
-            </a:r>
-            <a:endParaRPr lang="en-US" dirty="0">
-              <a:latin typeface="Consolas" panose="020B0609020204030204" pitchFamily="49" charset="0"/>
-            </a:endParaRPr>
-          </a:p>
-          <a:p>
-            <a:pPr marL="0" indent="0">
-              <a:spcBef>
-                <a:spcPts val="1200"/>
-              </a:spcBef>
-              <a:buFont typeface="Arial" panose="020B0604020202020204" pitchFamily="34" charset="0"/>
-              <a:buNone/>
-            </a:pPr>
-            <a:r>
-              <a:rPr lang="fr-FR" dirty="0" smtClean="0">
-                <a:latin typeface="Consolas" panose="020B0609020204030204" pitchFamily="49" charset="0"/>
-              </a:rPr>
-              <a:t>Nominative n;</a:t>
-            </a:r>
-            <a:r>
-              <a:rPr lang="fr-FR" dirty="0">
-                <a:latin typeface="Consolas" panose="020B0609020204030204" pitchFamily="49" charset="0"/>
-              </a:rPr>
-              <a:t/>
-            </a:r>
-            <a:br>
-              <a:rPr lang="fr-FR" dirty="0">
-                <a:latin typeface="Consolas" panose="020B0609020204030204" pitchFamily="49" charset="0"/>
-              </a:rPr>
-            </a:br>
-            <a:r>
-              <a:rPr lang="fr-FR" dirty="0" err="1" smtClean="0">
-                <a:latin typeface="Consolas" panose="020B0609020204030204" pitchFamily="49" charset="0"/>
-              </a:rPr>
-              <a:t>n.foo</a:t>
-            </a:r>
-            <a:r>
-              <a:rPr lang="fr-FR" dirty="0" smtClean="0">
-                <a:latin typeface="Consolas" panose="020B0609020204030204" pitchFamily="49" charset="0"/>
-              </a:rPr>
-              <a:t> (</a:t>
-            </a:r>
-            <a:r>
-              <a:rPr lang="fr-FR" dirty="0" err="1" smtClean="0">
-                <a:latin typeface="Consolas" panose="020B0609020204030204" pitchFamily="49" charset="0"/>
-              </a:rPr>
-              <a:t>Duckly</a:t>
-            </a:r>
-            <a:r>
-              <a:rPr lang="fr-FR" dirty="0" smtClean="0">
-                <a:latin typeface="Consolas" panose="020B0609020204030204" pitchFamily="49" charset="0"/>
-              </a:rPr>
-              <a:t> {}); // </a:t>
-            </a:r>
-            <a:r>
-              <a:rPr lang="fr-FR" dirty="0" err="1" smtClean="0">
-                <a:latin typeface="Consolas" panose="020B0609020204030204" pitchFamily="49" charset="0"/>
-              </a:rPr>
-              <a:t>fail</a:t>
-            </a:r>
-            <a:endParaRPr lang="en-US" dirty="0">
-              <a:latin typeface="Consolas" panose="020B0609020204030204" pitchFamily="49" charset="0"/>
-            </a:endParaRPr>
+              <a:rPr lang="ru-RU" sz="3600" dirty="0" smtClean="0"/>
+              <a:t>Управление инстанцированием</a:t>
+            </a:r>
+            <a:endParaRPr lang="en-US" sz="3600" dirty="0"/>
           </a:p>
         </p:txBody>
       </p:sp>
     </p:spTree>
     <p:extLst>
       <p:ext uri="{BB962C8B-B14F-4D97-AF65-F5344CB8AC3E}">
-        <p14:creationId xmlns:p14="http://schemas.microsoft.com/office/powerpoint/2010/main" val="792163467"/>
+        <p14:creationId xmlns:p14="http://schemas.microsoft.com/office/powerpoint/2010/main" val="2370107055"/>
       </p:ext>
     </p:extLst>
   </p:cSld>
@@ -22966,7 +23013,7 @@
           <a:p>
             <a:r>
               <a:rPr lang="ru-RU" dirty="0" smtClean="0"/>
-              <a:t>обсуждение</a:t>
+              <a:t>Полиморфизм</a:t>
             </a:r>
             <a:endParaRPr lang="en-US" dirty="0"/>
           </a:p>
@@ -22982,198 +23029,57 @@
             <p:ph idx="1"/>
           </p:nvPr>
         </p:nvSpPr>
-        <p:spPr/>
+        <p:spPr>
+          <a:xfrm>
+            <a:off x="1141412" y="2249486"/>
+            <a:ext cx="9905999" cy="4398201"/>
+          </a:xfrm>
+        </p:spPr>
         <p:txBody>
-          <a:bodyPr/>
+          <a:bodyPr>
+            <a:normAutofit/>
+          </a:bodyPr>
           <a:lstStyle/>
           <a:p>
-            <a:pPr lvl="0"/>
-            <a:r>
-              <a:rPr lang="en-US" dirty="0" err="1"/>
-              <a:t>Можно</a:t>
-            </a:r>
-            <a:r>
-              <a:rPr lang="en-US" dirty="0"/>
-              <a:t> </a:t>
-            </a:r>
-            <a:r>
-              <a:rPr lang="en-US" dirty="0" err="1"/>
-              <a:t>ли</a:t>
-            </a:r>
-            <a:r>
-              <a:rPr lang="en-US" dirty="0"/>
-              <a:t> </a:t>
-            </a:r>
-            <a:r>
-              <a:rPr lang="en-US" dirty="0" err="1"/>
-              <a:t>привести</a:t>
-            </a:r>
-            <a:r>
-              <a:rPr lang="en-US" dirty="0"/>
-              <a:t> </a:t>
-            </a:r>
-            <a:r>
-              <a:rPr lang="en-US" dirty="0" err="1"/>
-              <a:t>пример</a:t>
-            </a:r>
-            <a:r>
-              <a:rPr lang="en-US" dirty="0"/>
-              <a:t> </a:t>
-            </a:r>
-            <a:r>
-              <a:rPr lang="en-US" dirty="0" err="1"/>
-              <a:t>задачи</a:t>
-            </a:r>
-            <a:r>
-              <a:rPr lang="en-US" dirty="0"/>
-              <a:t>, </a:t>
-            </a:r>
-            <a:r>
-              <a:rPr lang="en-US" dirty="0" err="1"/>
-              <a:t>которая</a:t>
-            </a:r>
-            <a:r>
-              <a:rPr lang="en-US" dirty="0"/>
-              <a:t> </a:t>
-            </a:r>
-            <a:r>
-              <a:rPr lang="en-US" dirty="0" err="1"/>
-              <a:t>предполагает</a:t>
-            </a:r>
-            <a:r>
-              <a:rPr lang="en-US" dirty="0"/>
-              <a:t> </a:t>
-            </a:r>
-            <a:r>
-              <a:rPr lang="en-US" dirty="0" err="1" smtClean="0"/>
-              <a:t>динамический</a:t>
-            </a:r>
-            <a:r>
-              <a:rPr lang="ru-RU" dirty="0"/>
-              <a:t> </a:t>
-            </a:r>
             <a:r>
               <a:rPr lang="ru-RU" dirty="0" smtClean="0"/>
-              <a:t>и</a:t>
+              <a:t>Аргумент, имеющий разный тип в зависимости от контекста вызова функции называется полимфорным аргументом</a:t>
+            </a:r>
+          </a:p>
+          <a:p>
+            <a:r>
+              <a:rPr lang="ru-RU" dirty="0" smtClean="0"/>
+              <a:t>Функция, имеющая хотя бы один полиморфный аргумент это полиморфная функция</a:t>
+            </a:r>
+          </a:p>
+          <a:p>
+            <a:r>
+              <a:rPr lang="ru-RU" dirty="0" smtClean="0"/>
+              <a:t>Каждый аргумент, параметризованный шаблонным типом, является полиморфным в шаблоне функции.</a:t>
+            </a:r>
+          </a:p>
+          <a:p>
+            <a:r>
+              <a:rPr lang="ru-RU" dirty="0" smtClean="0"/>
+              <a:t>Таким образом для шаблонов </a:t>
             </a:r>
             <a:r>
               <a:rPr lang="en-US" dirty="0" smtClean="0"/>
-              <a:t> </a:t>
-            </a:r>
-            <a:r>
-              <a:rPr lang="en-US" dirty="0" err="1"/>
-              <a:t>исключает</a:t>
-            </a:r>
-            <a:r>
-              <a:rPr lang="en-US" dirty="0"/>
-              <a:t> </a:t>
-            </a:r>
-            <a:r>
-              <a:rPr lang="en-US" dirty="0" err="1"/>
-              <a:t>статический</a:t>
-            </a:r>
-            <a:r>
-              <a:rPr lang="en-US" dirty="0"/>
-              <a:t> </a:t>
-            </a:r>
-            <a:r>
-              <a:rPr lang="en-US" dirty="0" err="1"/>
-              <a:t>полиморфизм</a:t>
-            </a:r>
-            <a:r>
-              <a:rPr lang="en-US" dirty="0"/>
-              <a:t>?</a:t>
-            </a:r>
-          </a:p>
-          <a:p>
-            <a:pPr lvl="0"/>
-            <a:r>
-              <a:rPr lang="en-US" dirty="0" err="1"/>
-              <a:t>Можно</a:t>
-            </a:r>
-            <a:r>
-              <a:rPr lang="en-US" dirty="0"/>
-              <a:t> </a:t>
-            </a:r>
-            <a:r>
-              <a:rPr lang="en-US" dirty="0" err="1"/>
-              <a:t>ли</a:t>
-            </a:r>
-            <a:r>
-              <a:rPr lang="en-US" dirty="0"/>
-              <a:t> </a:t>
-            </a:r>
-            <a:r>
-              <a:rPr lang="en-US" dirty="0" err="1"/>
-              <a:t>привести</a:t>
-            </a:r>
-            <a:r>
-              <a:rPr lang="en-US" dirty="0"/>
-              <a:t> </a:t>
-            </a:r>
-            <a:r>
-              <a:rPr lang="en-US" dirty="0" err="1"/>
-              <a:t>пример</a:t>
-            </a:r>
-            <a:r>
-              <a:rPr lang="en-US" dirty="0"/>
-              <a:t> </a:t>
-            </a:r>
-            <a:r>
-              <a:rPr lang="en-US" dirty="0" err="1"/>
-              <a:t>задачи</a:t>
-            </a:r>
-            <a:r>
-              <a:rPr lang="en-US" dirty="0"/>
-              <a:t>, </a:t>
-            </a:r>
-            <a:r>
-              <a:rPr lang="en-US" dirty="0" err="1"/>
-              <a:t>которая</a:t>
-            </a:r>
-            <a:r>
-              <a:rPr lang="en-US" dirty="0"/>
-              <a:t> </a:t>
-            </a:r>
-            <a:r>
-              <a:rPr lang="en-US" dirty="0" err="1"/>
-              <a:t>предполагает</a:t>
-            </a:r>
-            <a:r>
-              <a:rPr lang="en-US" dirty="0"/>
-              <a:t> </a:t>
-            </a:r>
-            <a:r>
-              <a:rPr lang="en-US" dirty="0" err="1" smtClean="0"/>
-              <a:t>утиную</a:t>
+              <a:t>C++</a:t>
             </a:r>
             <a:r>
               <a:rPr lang="ru-RU" dirty="0" smtClean="0"/>
-              <a:t> и </a:t>
-            </a:r>
-            <a:r>
-              <a:rPr lang="en-US" dirty="0" err="1" smtClean="0"/>
-              <a:t>исключает</a:t>
-            </a:r>
-            <a:r>
-              <a:rPr lang="en-US" dirty="0" smtClean="0"/>
-              <a:t> </a:t>
-            </a:r>
-            <a:r>
-              <a:rPr lang="en-US" dirty="0" err="1"/>
-              <a:t>номинативную</a:t>
-            </a:r>
-            <a:r>
-              <a:rPr lang="en-US" dirty="0"/>
-              <a:t> </a:t>
-            </a:r>
-            <a:r>
-              <a:rPr lang="en-US" dirty="0" err="1"/>
-              <a:t>типизацию</a:t>
-            </a:r>
-            <a:r>
-              <a:rPr lang="en-US" dirty="0" smtClean="0"/>
-              <a:t>?</a:t>
+              <a:t> именно шаблон функции полиморфен. Каждый экземляр</a:t>
+            </a:r>
+            <a:r>
+              <a:rPr lang="ru-RU" dirty="0">
+                <a:ea typeface="Cambria Math" panose="02040503050406030204" pitchFamily="18" charset="0"/>
+              </a:rPr>
+              <a:t> ―</a:t>
+            </a:r>
+            <a:r>
+              <a:rPr lang="ru-RU" dirty="0" smtClean="0"/>
+              <a:t> уже нет.  </a:t>
             </a:r>
             <a:endParaRPr lang="en-US" dirty="0"/>
           </a:p>
@@ -23182,7 +23088,7 @@
     </p:spTree>
     <p:extLst>
       <p:ext uri="{BB962C8B-B14F-4D97-AF65-F5344CB8AC3E}">
-        <p14:creationId xmlns:p14="http://schemas.microsoft.com/office/powerpoint/2010/main" val="4242323432"/>
+        <p14:creationId xmlns:p14="http://schemas.microsoft.com/office/powerpoint/2010/main" val="3595013933"/>
       </p:ext>
     </p:extLst>
   </p:cSld>
@@ -23991,6 +23897,1335 @@
       </p:grpSpPr>
       <p:sp>
         <p:nvSpPr>
+          <p:cNvPr id="2" name="Title 1"/>
+          <p:cNvSpPr>
+            <a:spLocks noGrp="1"/>
+          </p:cNvSpPr>
+          <p:nvPr>
+            <p:ph type="title"/>
+          </p:nvPr>
+        </p:nvSpPr>
+        <p:spPr/>
+        <p:txBody>
+          <a:bodyPr/>
+          <a:lstStyle/>
+          <a:p>
+            <a:r>
+              <a:rPr lang="ru-RU" dirty="0" smtClean="0"/>
+              <a:t>Два полиморфизма в </a:t>
+            </a:r>
+            <a:r>
+              <a:rPr lang="en-US" dirty="0" smtClean="0"/>
+              <a:t>C++</a:t>
+            </a:r>
+            <a:endParaRPr lang="en-US" dirty="0"/>
+          </a:p>
+        </p:txBody>
+      </p:sp>
+      <p:sp>
+        <p:nvSpPr>
+          <p:cNvPr id="3" name="Content Placeholder 2"/>
+          <p:cNvSpPr>
+            <a:spLocks noGrp="1"/>
+          </p:cNvSpPr>
+          <p:nvPr>
+            <p:ph idx="1"/>
+          </p:nvPr>
+        </p:nvSpPr>
+        <p:spPr>
+          <a:xfrm>
+            <a:off x="1141412" y="2249486"/>
+            <a:ext cx="9905999" cy="4370770"/>
+          </a:xfrm>
+        </p:spPr>
+        <p:txBody>
+          <a:bodyPr>
+            <a:normAutofit/>
+          </a:bodyPr>
+          <a:lstStyle/>
+          <a:p>
+            <a:r>
+              <a:rPr lang="ru-RU" dirty="0" smtClean="0"/>
+              <a:t>Динамический полиморфизм</a:t>
+            </a:r>
+          </a:p>
+          <a:p>
+            <a:pPr lvl="1"/>
+            <a:r>
+              <a:rPr lang="ru-RU" dirty="0" smtClean="0"/>
+              <a:t>Полиморфны все виртуальные функции</a:t>
+            </a:r>
+          </a:p>
+          <a:p>
+            <a:pPr lvl="1"/>
+            <a:r>
+              <a:rPr lang="ru-RU" dirty="0" smtClean="0"/>
+              <a:t>Один неявный полиморфный аргумент </a:t>
+            </a:r>
+            <a:r>
+              <a:rPr lang="ru-RU" dirty="0">
+                <a:ea typeface="Cambria Math" panose="02040503050406030204" pitchFamily="18" charset="0"/>
+              </a:rPr>
+              <a:t>―</a:t>
+            </a:r>
+            <a:r>
+              <a:rPr lang="en-US" dirty="0"/>
+              <a:t> </a:t>
+            </a:r>
+            <a:r>
+              <a:rPr lang="en-US" dirty="0" smtClean="0"/>
+              <a:t>this pointer</a:t>
+            </a:r>
+          </a:p>
+          <a:p>
+            <a:pPr lvl="1"/>
+            <a:r>
+              <a:rPr lang="ru-RU" dirty="0" smtClean="0"/>
+              <a:t>Явные интерфейсы</a:t>
+            </a:r>
+          </a:p>
+          <a:p>
+            <a:r>
+              <a:rPr lang="ru-RU" dirty="0" smtClean="0"/>
+              <a:t>Статический полиморфизм</a:t>
+            </a:r>
+          </a:p>
+          <a:p>
+            <a:pPr lvl="1"/>
+            <a:r>
+              <a:rPr lang="ru-RU" dirty="0" smtClean="0"/>
+              <a:t>Полиморфны шаблонные функции с параметризованными аргументами</a:t>
+            </a:r>
+          </a:p>
+          <a:p>
+            <a:pPr lvl="1"/>
+            <a:r>
+              <a:rPr lang="ru-RU" dirty="0" smtClean="0"/>
+              <a:t>Сколько угодно полиморфных аргументов</a:t>
+            </a:r>
+          </a:p>
+          <a:p>
+            <a:pPr lvl="1"/>
+            <a:r>
+              <a:rPr lang="ru-RU" dirty="0" smtClean="0"/>
+              <a:t>Неявные интерфейсы (утиная типизация)</a:t>
+            </a:r>
+            <a:endParaRPr lang="en-US" dirty="0"/>
+          </a:p>
+        </p:txBody>
+      </p:sp>
+    </p:spTree>
+    <p:extLst>
+      <p:ext uri="{BB962C8B-B14F-4D97-AF65-F5344CB8AC3E}">
+        <p14:creationId xmlns:p14="http://schemas.microsoft.com/office/powerpoint/2010/main" val="636746954"/>
+      </p:ext>
+    </p:extLst>
+  </p:cSld>
+  <p:clrMapOvr>
+    <a:masterClrMapping/>
+  </p:clrMapOvr>
+</p:sld>
+</file>
+
+<file path=ppt/slides/slide41.xml><?xml version="1.0" encoding="utf-8"?>
+<p:sld xmlns:a="http://schemas.openxmlformats.org/drawingml/2006/main" xmlns:r="http://schemas.openxmlformats.org/officeDocument/2006/relationships" xmlns:p="http://schemas.openxmlformats.org/presentationml/2006/main">
+  <p:cSld>
+    <p:spTree>
+      <p:nvGrpSpPr>
+        <p:cNvPr id="1" name=""/>
+        <p:cNvGrpSpPr/>
+        <p:nvPr/>
+      </p:nvGrpSpPr>
+      <p:grpSpPr>
+        <a:xfrm>
+          <a:off x="0" y="0"/>
+          <a:ext cx="0" cy="0"/>
+          <a:chOff x="0" y="0"/>
+          <a:chExt cx="0" cy="0"/>
+        </a:xfrm>
+      </p:grpSpPr>
+      <p:sp>
+        <p:nvSpPr>
+          <p:cNvPr id="2" name="Title 1"/>
+          <p:cNvSpPr>
+            <a:spLocks noGrp="1"/>
+          </p:cNvSpPr>
+          <p:nvPr>
+            <p:ph type="title"/>
+          </p:nvPr>
+        </p:nvSpPr>
+        <p:spPr/>
+        <p:txBody>
+          <a:bodyPr/>
+          <a:lstStyle/>
+          <a:p>
+            <a:r>
+              <a:rPr lang="ru-RU" dirty="0" smtClean="0"/>
+              <a:t>УТИНАЯ ТИПИЗАЦИЯ (</a:t>
+            </a:r>
+            <a:r>
+              <a:rPr lang="en-US" dirty="0" smtClean="0"/>
+              <a:t>DUCK TYPING</a:t>
+            </a:r>
+            <a:r>
+              <a:rPr lang="ru-RU" dirty="0" smtClean="0"/>
+              <a:t>)</a:t>
+            </a:r>
+            <a:endParaRPr lang="en-US" dirty="0"/>
+          </a:p>
+        </p:txBody>
+      </p:sp>
+      <p:sp>
+        <p:nvSpPr>
+          <p:cNvPr id="3" name="Content Placeholder 2"/>
+          <p:cNvSpPr>
+            <a:spLocks noGrp="1"/>
+          </p:cNvSpPr>
+          <p:nvPr>
+            <p:ph idx="1"/>
+          </p:nvPr>
+        </p:nvSpPr>
+        <p:spPr>
+          <a:xfrm>
+            <a:off x="1507172" y="6272846"/>
+            <a:ext cx="9905999" cy="502858"/>
+          </a:xfrm>
+        </p:spPr>
+        <p:txBody>
+          <a:bodyPr>
+            <a:normAutofit lnSpcReduction="10000"/>
+          </a:bodyPr>
+          <a:lstStyle/>
+          <a:p>
+            <a:pPr marL="0" indent="0">
+              <a:buNone/>
+            </a:pPr>
+            <a:r>
+              <a:rPr lang="ru-RU" dirty="0" smtClean="0"/>
+              <a:t>«Если нечто плавает как утка и крякает как утка, то это утка»</a:t>
+            </a:r>
+          </a:p>
+        </p:txBody>
+      </p:sp>
+      <p:sp>
+        <p:nvSpPr>
+          <p:cNvPr id="4" name="Content Placeholder 2"/>
+          <p:cNvSpPr txBox="1">
+            <a:spLocks/>
+          </p:cNvSpPr>
+          <p:nvPr/>
+        </p:nvSpPr>
+        <p:spPr>
+          <a:xfrm>
+            <a:off x="1278572" y="1847087"/>
+            <a:ext cx="9905999" cy="4190857"/>
+          </a:xfrm>
+          <a:prstGeom prst="rect">
+            <a:avLst/>
+          </a:prstGeom>
+        </p:spPr>
+        <p:txBody>
+          <a:bodyPr vert="horz" lIns="91440" tIns="45720" rIns="91440" bIns="45720" rtlCol="0">
+            <a:normAutofit/>
+          </a:bodyPr>
+          <a:lstStyle>
+            <a:lvl1pPr marL="228600" indent="-228600" algn="l" defTabSz="914400" rtl="0" eaLnBrk="1" latinLnBrk="0" hangingPunct="1">
+              <a:lnSpc>
+                <a:spcPct val="120000"/>
+              </a:lnSpc>
+              <a:spcBef>
+                <a:spcPts val="1000"/>
+              </a:spcBef>
+              <a:buSzPct val="125000"/>
+              <a:buFont typeface="Arial" panose="020B0604020202020204" pitchFamily="34" charset="0"/>
+              <a:buChar char="•"/>
+              <a:defRPr sz="2400" kern="1200">
+                <a:solidFill>
+                  <a:schemeClr val="tx1"/>
+                </a:solidFill>
+                <a:latin typeface="+mn-lt"/>
+                <a:ea typeface="+mn-ea"/>
+                <a:cs typeface="+mn-cs"/>
+              </a:defRPr>
+            </a:lvl1pPr>
+            <a:lvl2pPr marL="685800" indent="-228600" algn="l" defTabSz="914400" rtl="0" eaLnBrk="1" latinLnBrk="0" hangingPunct="1">
+              <a:lnSpc>
+                <a:spcPct val="120000"/>
+              </a:lnSpc>
+              <a:spcBef>
+                <a:spcPts val="500"/>
+              </a:spcBef>
+              <a:buSzPct val="125000"/>
+              <a:buFont typeface="Arial" panose="020B0604020202020204" pitchFamily="34" charset="0"/>
+              <a:buChar char="•"/>
+              <a:defRPr sz="2000" kern="1200">
+                <a:solidFill>
+                  <a:schemeClr val="tx1"/>
+                </a:solidFill>
+                <a:latin typeface="+mn-lt"/>
+                <a:ea typeface="+mn-ea"/>
+                <a:cs typeface="+mn-cs"/>
+              </a:defRPr>
+            </a:lvl2pPr>
+            <a:lvl3pPr marL="1143000" indent="-228600" algn="l" defTabSz="914400" rtl="0" eaLnBrk="1" latinLnBrk="0" hangingPunct="1">
+              <a:lnSpc>
+                <a:spcPct val="120000"/>
+              </a:lnSpc>
+              <a:spcBef>
+                <a:spcPts val="500"/>
+              </a:spcBef>
+              <a:buSzPct val="125000"/>
+              <a:buFont typeface="Arial" panose="020B0604020202020204" pitchFamily="34" charset="0"/>
+              <a:buChar char="•"/>
+              <a:defRPr sz="1800" kern="1200">
+                <a:solidFill>
+                  <a:schemeClr val="tx1"/>
+                </a:solidFill>
+                <a:latin typeface="+mn-lt"/>
+                <a:ea typeface="+mn-ea"/>
+                <a:cs typeface="+mn-cs"/>
+              </a:defRPr>
+            </a:lvl3pPr>
+            <a:lvl4pPr marL="1600200" indent="-228600" algn="l" defTabSz="914400" rtl="0" eaLnBrk="1" latinLnBrk="0" hangingPunct="1">
+              <a:lnSpc>
+                <a:spcPct val="120000"/>
+              </a:lnSpc>
+              <a:spcBef>
+                <a:spcPts val="500"/>
+              </a:spcBef>
+              <a:buSzPct val="125000"/>
+              <a:buFont typeface="Arial" panose="020B0604020202020204" pitchFamily="34" charset="0"/>
+              <a:buChar char="•"/>
+              <a:defRPr sz="1600" kern="1200">
+                <a:solidFill>
+                  <a:schemeClr val="tx1"/>
+                </a:solidFill>
+                <a:latin typeface="+mn-lt"/>
+                <a:ea typeface="+mn-ea"/>
+                <a:cs typeface="+mn-cs"/>
+              </a:defRPr>
+            </a:lvl4pPr>
+            <a:lvl5pPr marL="2057400" indent="-228600" algn="l" defTabSz="914400" rtl="0" eaLnBrk="1" latinLnBrk="0" hangingPunct="1">
+              <a:lnSpc>
+                <a:spcPct val="120000"/>
+              </a:lnSpc>
+              <a:spcBef>
+                <a:spcPts val="500"/>
+              </a:spcBef>
+              <a:buSzPct val="125000"/>
+              <a:buFont typeface="Arial" panose="020B0604020202020204" pitchFamily="34" charset="0"/>
+              <a:buChar char="•"/>
+              <a:defRPr sz="1600" kern="1200">
+                <a:solidFill>
+                  <a:schemeClr val="tx1"/>
+                </a:solidFill>
+                <a:latin typeface="+mn-lt"/>
+                <a:ea typeface="+mn-ea"/>
+                <a:cs typeface="+mn-cs"/>
+              </a:defRPr>
+            </a:lvl5pPr>
+            <a:lvl6pPr marL="2514600" indent="-228600" algn="l" defTabSz="914400" rtl="0" eaLnBrk="1" latinLnBrk="0" hangingPunct="1">
+              <a:lnSpc>
+                <a:spcPct val="120000"/>
+              </a:lnSpc>
+              <a:spcBef>
+                <a:spcPts val="500"/>
+              </a:spcBef>
+              <a:buSzPct val="125000"/>
+              <a:buFont typeface="Arial" panose="020B0604020202020204" pitchFamily="34" charset="0"/>
+              <a:buChar char="•"/>
+              <a:defRPr sz="1400" kern="1200">
+                <a:solidFill>
+                  <a:schemeClr val="tx1"/>
+                </a:solidFill>
+                <a:latin typeface="+mn-lt"/>
+                <a:ea typeface="+mn-ea"/>
+                <a:cs typeface="+mn-cs"/>
+              </a:defRPr>
+            </a:lvl6pPr>
+            <a:lvl7pPr marL="2971800" indent="-228600" algn="l" defTabSz="914400" rtl="0" eaLnBrk="1" latinLnBrk="0" hangingPunct="1">
+              <a:lnSpc>
+                <a:spcPct val="120000"/>
+              </a:lnSpc>
+              <a:spcBef>
+                <a:spcPts val="500"/>
+              </a:spcBef>
+              <a:buSzPct val="125000"/>
+              <a:buFont typeface="Arial" panose="020B0604020202020204" pitchFamily="34" charset="0"/>
+              <a:buChar char="•"/>
+              <a:defRPr sz="1400" kern="1200">
+                <a:solidFill>
+                  <a:schemeClr val="tx1"/>
+                </a:solidFill>
+                <a:latin typeface="+mn-lt"/>
+                <a:ea typeface="+mn-ea"/>
+                <a:cs typeface="+mn-cs"/>
+              </a:defRPr>
+            </a:lvl7pPr>
+            <a:lvl8pPr marL="3429000" indent="-228600" algn="l" defTabSz="914400" rtl="0" eaLnBrk="1" latinLnBrk="0" hangingPunct="1">
+              <a:lnSpc>
+                <a:spcPct val="120000"/>
+              </a:lnSpc>
+              <a:spcBef>
+                <a:spcPts val="500"/>
+              </a:spcBef>
+              <a:buSzPct val="125000"/>
+              <a:buFont typeface="Arial" panose="020B0604020202020204" pitchFamily="34" charset="0"/>
+              <a:buChar char="•"/>
+              <a:defRPr sz="1400" kern="1200">
+                <a:solidFill>
+                  <a:schemeClr val="tx1"/>
+                </a:solidFill>
+                <a:latin typeface="+mn-lt"/>
+                <a:ea typeface="+mn-ea"/>
+                <a:cs typeface="+mn-cs"/>
+              </a:defRPr>
+            </a:lvl8pPr>
+            <a:lvl9pPr marL="3886200" indent="-228600" algn="l" defTabSz="914400" rtl="0" eaLnBrk="1" latinLnBrk="0" hangingPunct="1">
+              <a:lnSpc>
+                <a:spcPct val="120000"/>
+              </a:lnSpc>
+              <a:spcBef>
+                <a:spcPts val="500"/>
+              </a:spcBef>
+              <a:buSzPct val="125000"/>
+              <a:buFont typeface="Arial" panose="020B0604020202020204" pitchFamily="34" charset="0"/>
+              <a:buChar char="•"/>
+              <a:defRPr sz="1400" kern="1200">
+                <a:solidFill>
+                  <a:schemeClr val="tx1"/>
+                </a:solidFill>
+                <a:latin typeface="+mn-lt"/>
+                <a:ea typeface="+mn-ea"/>
+                <a:cs typeface="+mn-cs"/>
+              </a:defRPr>
+            </a:lvl9pPr>
+          </a:lstStyle>
+          <a:p>
+            <a:pPr marL="0" indent="0">
+              <a:spcBef>
+                <a:spcPts val="1200"/>
+              </a:spcBef>
+              <a:buFont typeface="Arial" panose="020B0604020202020204" pitchFamily="34" charset="0"/>
+              <a:buNone/>
+            </a:pPr>
+            <a:r>
+              <a:rPr lang="en-US" dirty="0">
+                <a:latin typeface="Consolas" panose="020B0609020204030204" pitchFamily="49" charset="0"/>
+              </a:rPr>
+              <a:t>t</a:t>
+            </a:r>
+            <a:r>
+              <a:rPr lang="en-US" dirty="0" smtClean="0">
+                <a:latin typeface="Consolas" panose="020B0609020204030204" pitchFamily="49" charset="0"/>
+              </a:rPr>
+              <a:t>emplate &lt;</a:t>
+            </a:r>
+            <a:r>
+              <a:rPr lang="en-US" dirty="0" err="1" smtClean="0">
+                <a:latin typeface="Consolas" panose="020B0609020204030204" pitchFamily="49" charset="0"/>
+              </a:rPr>
+              <a:t>typename</a:t>
+            </a:r>
+            <a:r>
+              <a:rPr lang="en-US" dirty="0" smtClean="0">
+                <a:latin typeface="Consolas" panose="020B0609020204030204" pitchFamily="49" charset="0"/>
+              </a:rPr>
+              <a:t> </a:t>
+            </a:r>
+            <a:r>
+              <a:rPr lang="en-US" dirty="0" err="1" smtClean="0">
+                <a:latin typeface="Consolas" panose="020B0609020204030204" pitchFamily="49" charset="0"/>
+              </a:rPr>
+              <a:t>FuncT</a:t>
+            </a:r>
+            <a:r>
+              <a:rPr lang="en-US" dirty="0" smtClean="0">
+                <a:latin typeface="Consolas" panose="020B0609020204030204" pitchFamily="49" charset="0"/>
+              </a:rPr>
+              <a:t>&gt;</a:t>
+            </a:r>
+            <a:br>
+              <a:rPr lang="en-US" dirty="0" smtClean="0">
+                <a:latin typeface="Consolas" panose="020B0609020204030204" pitchFamily="49" charset="0"/>
+              </a:rPr>
+            </a:br>
+            <a:r>
+              <a:rPr lang="en-US" dirty="0" smtClean="0">
+                <a:latin typeface="Consolas" panose="020B0609020204030204" pitchFamily="49" charset="0"/>
+              </a:rPr>
+              <a:t>foo (</a:t>
+            </a:r>
+            <a:r>
+              <a:rPr lang="en-US" dirty="0" err="1" smtClean="0">
+                <a:latin typeface="Consolas" panose="020B0609020204030204" pitchFamily="49" charset="0"/>
+              </a:rPr>
+              <a:t>FuncT</a:t>
+            </a:r>
+            <a:r>
+              <a:rPr lang="en-US" dirty="0" smtClean="0">
+                <a:latin typeface="Consolas" panose="020B0609020204030204" pitchFamily="49" charset="0"/>
+              </a:rPr>
+              <a:t> f) { f(); } </a:t>
+            </a:r>
+            <a:endParaRPr lang="ru-RU" dirty="0" smtClean="0">
+              <a:latin typeface="Consolas" panose="020B0609020204030204" pitchFamily="49" charset="0"/>
+            </a:endParaRPr>
+          </a:p>
+          <a:p>
+            <a:pPr marL="0" indent="0">
+              <a:spcBef>
+                <a:spcPts val="1200"/>
+              </a:spcBef>
+              <a:buFont typeface="Arial" panose="020B0604020202020204" pitchFamily="34" charset="0"/>
+              <a:buNone/>
+            </a:pPr>
+            <a:r>
+              <a:rPr lang="ru-RU" dirty="0" smtClean="0"/>
+              <a:t>Кажется, что </a:t>
+            </a:r>
+            <a:r>
+              <a:rPr lang="en-US" dirty="0" smtClean="0"/>
+              <a:t>f </a:t>
+            </a:r>
+            <a:r>
+              <a:rPr lang="ru-RU" dirty="0" smtClean="0"/>
+              <a:t>это функция, верно? Но этого не требуется.</a:t>
+            </a:r>
+          </a:p>
+          <a:p>
+            <a:pPr marL="0" indent="0">
+              <a:spcBef>
+                <a:spcPts val="1200"/>
+              </a:spcBef>
+              <a:buFont typeface="Arial" panose="020B0604020202020204" pitchFamily="34" charset="0"/>
+              <a:buNone/>
+            </a:pPr>
+            <a:r>
+              <a:rPr lang="en-US" dirty="0" err="1" smtClean="0">
+                <a:latin typeface="Consolas" panose="020B0609020204030204" pitchFamily="49" charset="0"/>
+              </a:rPr>
+              <a:t>struct</a:t>
+            </a:r>
+            <a:r>
+              <a:rPr lang="en-US" dirty="0" smtClean="0">
+                <a:latin typeface="Consolas" panose="020B0609020204030204" pitchFamily="49" charset="0"/>
+              </a:rPr>
+              <a:t> </a:t>
+            </a:r>
+            <a:r>
+              <a:rPr lang="en-US" dirty="0" err="1" smtClean="0">
+                <a:latin typeface="Consolas" panose="020B0609020204030204" pitchFamily="49" charset="0"/>
+              </a:rPr>
+              <a:t>Duckly</a:t>
+            </a:r>
+            <a:r>
+              <a:rPr lang="en-US" dirty="0" smtClean="0">
+                <a:latin typeface="Consolas" panose="020B0609020204030204" pitchFamily="49" charset="0"/>
+              </a:rPr>
+              <a:t> {</a:t>
+            </a:r>
+            <a:br>
+              <a:rPr lang="en-US" dirty="0" smtClean="0">
+                <a:latin typeface="Consolas" panose="020B0609020204030204" pitchFamily="49" charset="0"/>
+              </a:rPr>
+            </a:br>
+            <a:r>
+              <a:rPr lang="en-US" dirty="0" smtClean="0">
+                <a:latin typeface="Consolas" panose="020B0609020204030204" pitchFamily="49" charset="0"/>
+              </a:rPr>
+              <a:t>  void operator () () {}</a:t>
+            </a:r>
+            <a:br>
+              <a:rPr lang="en-US" dirty="0" smtClean="0">
+                <a:latin typeface="Consolas" panose="020B0609020204030204" pitchFamily="49" charset="0"/>
+              </a:rPr>
+            </a:br>
+            <a:r>
+              <a:rPr lang="en-US" dirty="0" smtClean="0">
+                <a:latin typeface="Consolas" panose="020B0609020204030204" pitchFamily="49" charset="0"/>
+              </a:rPr>
+              <a:t>};</a:t>
+            </a:r>
+            <a:endParaRPr lang="fr-FR" dirty="0">
+              <a:latin typeface="Consolas" panose="020B0609020204030204" pitchFamily="49" charset="0"/>
+            </a:endParaRPr>
+          </a:p>
+          <a:p>
+            <a:pPr marL="0" indent="0">
+              <a:spcBef>
+                <a:spcPts val="1200"/>
+              </a:spcBef>
+              <a:buFont typeface="Arial" panose="020B0604020202020204" pitchFamily="34" charset="0"/>
+              <a:buNone/>
+            </a:pPr>
+            <a:r>
+              <a:rPr lang="fr-FR" dirty="0" err="1">
+                <a:latin typeface="Consolas" panose="020B0609020204030204" pitchFamily="49" charset="0"/>
+              </a:rPr>
+              <a:t>f</a:t>
+            </a:r>
+            <a:r>
+              <a:rPr lang="fr-FR" dirty="0" err="1" smtClean="0">
+                <a:latin typeface="Consolas" panose="020B0609020204030204" pitchFamily="49" charset="0"/>
+              </a:rPr>
+              <a:t>oo</a:t>
+            </a:r>
+            <a:r>
+              <a:rPr lang="fr-FR" dirty="0" smtClean="0">
+                <a:latin typeface="Consolas" panose="020B0609020204030204" pitchFamily="49" charset="0"/>
+              </a:rPr>
+              <a:t> (</a:t>
+            </a:r>
+            <a:r>
+              <a:rPr lang="fr-FR" dirty="0" err="1" smtClean="0">
+                <a:latin typeface="Consolas" panose="020B0609020204030204" pitchFamily="49" charset="0"/>
+              </a:rPr>
+              <a:t>Duckly</a:t>
+            </a:r>
+            <a:r>
+              <a:rPr lang="fr-FR" dirty="0" smtClean="0">
+                <a:latin typeface="Consolas" panose="020B0609020204030204" pitchFamily="49" charset="0"/>
+              </a:rPr>
+              <a:t> {}); // </a:t>
+            </a:r>
+            <a:r>
+              <a:rPr lang="fr-FR" dirty="0" err="1" smtClean="0">
+                <a:latin typeface="Consolas" panose="020B0609020204030204" pitchFamily="49" charset="0"/>
+              </a:rPr>
+              <a:t>works</a:t>
+            </a:r>
+            <a:r>
+              <a:rPr lang="fr-FR" dirty="0" smtClean="0">
+                <a:latin typeface="Consolas" panose="020B0609020204030204" pitchFamily="49" charset="0"/>
+              </a:rPr>
+              <a:t>!</a:t>
+            </a:r>
+            <a:endParaRPr lang="en-US" dirty="0">
+              <a:latin typeface="Consolas" panose="020B0609020204030204" pitchFamily="49" charset="0"/>
+            </a:endParaRPr>
+          </a:p>
+        </p:txBody>
+      </p:sp>
+    </p:spTree>
+    <p:extLst>
+      <p:ext uri="{BB962C8B-B14F-4D97-AF65-F5344CB8AC3E}">
+        <p14:creationId xmlns:p14="http://schemas.microsoft.com/office/powerpoint/2010/main" val="4058954908"/>
+      </p:ext>
+    </p:extLst>
+  </p:cSld>
+  <p:clrMapOvr>
+    <a:masterClrMapping/>
+  </p:clrMapOvr>
+</p:sld>
+</file>
+
+<file path=ppt/slides/slide42.xml><?xml version="1.0" encoding="utf-8"?>
+<p:sld xmlns:a="http://schemas.openxmlformats.org/drawingml/2006/main" xmlns:r="http://schemas.openxmlformats.org/officeDocument/2006/relationships" xmlns:p="http://schemas.openxmlformats.org/presentationml/2006/main">
+  <p:cSld>
+    <p:spTree>
+      <p:nvGrpSpPr>
+        <p:cNvPr id="1" name=""/>
+        <p:cNvGrpSpPr/>
+        <p:nvPr/>
+      </p:nvGrpSpPr>
+      <p:grpSpPr>
+        <a:xfrm>
+          <a:off x="0" y="0"/>
+          <a:ext cx="0" cy="0"/>
+          <a:chOff x="0" y="0"/>
+          <a:chExt cx="0" cy="0"/>
+        </a:xfrm>
+      </p:grpSpPr>
+      <p:sp>
+        <p:nvSpPr>
+          <p:cNvPr id="2" name="Title 1"/>
+          <p:cNvSpPr>
+            <a:spLocks noGrp="1"/>
+          </p:cNvSpPr>
+          <p:nvPr>
+            <p:ph type="title"/>
+          </p:nvPr>
+        </p:nvSpPr>
+        <p:spPr/>
+        <p:txBody>
+          <a:bodyPr/>
+          <a:lstStyle/>
+          <a:p>
+            <a:r>
+              <a:rPr lang="ru-RU" dirty="0" smtClean="0"/>
+              <a:t>Номинативная типизация</a:t>
+            </a:r>
+            <a:endParaRPr lang="en-US" dirty="0"/>
+          </a:p>
+        </p:txBody>
+      </p:sp>
+      <p:sp>
+        <p:nvSpPr>
+          <p:cNvPr id="4" name="Content Placeholder 2"/>
+          <p:cNvSpPr txBox="1">
+            <a:spLocks/>
+          </p:cNvSpPr>
+          <p:nvPr/>
+        </p:nvSpPr>
+        <p:spPr>
+          <a:xfrm>
+            <a:off x="1278572" y="1847087"/>
+            <a:ext cx="9905999" cy="4190857"/>
+          </a:xfrm>
+          <a:prstGeom prst="rect">
+            <a:avLst/>
+          </a:prstGeom>
+        </p:spPr>
+        <p:txBody>
+          <a:bodyPr vert="horz" lIns="91440" tIns="45720" rIns="91440" bIns="45720" rtlCol="0">
+            <a:normAutofit/>
+          </a:bodyPr>
+          <a:lstStyle>
+            <a:lvl1pPr marL="228600" indent="-228600" algn="l" defTabSz="914400" rtl="0" eaLnBrk="1" latinLnBrk="0" hangingPunct="1">
+              <a:lnSpc>
+                <a:spcPct val="120000"/>
+              </a:lnSpc>
+              <a:spcBef>
+                <a:spcPts val="1000"/>
+              </a:spcBef>
+              <a:buSzPct val="125000"/>
+              <a:buFont typeface="Arial" panose="020B0604020202020204" pitchFamily="34" charset="0"/>
+              <a:buChar char="•"/>
+              <a:defRPr sz="2400" kern="1200">
+                <a:solidFill>
+                  <a:schemeClr val="tx1"/>
+                </a:solidFill>
+                <a:latin typeface="+mn-lt"/>
+                <a:ea typeface="+mn-ea"/>
+                <a:cs typeface="+mn-cs"/>
+              </a:defRPr>
+            </a:lvl1pPr>
+            <a:lvl2pPr marL="685800" indent="-228600" algn="l" defTabSz="914400" rtl="0" eaLnBrk="1" latinLnBrk="0" hangingPunct="1">
+              <a:lnSpc>
+                <a:spcPct val="120000"/>
+              </a:lnSpc>
+              <a:spcBef>
+                <a:spcPts val="500"/>
+              </a:spcBef>
+              <a:buSzPct val="125000"/>
+              <a:buFont typeface="Arial" panose="020B0604020202020204" pitchFamily="34" charset="0"/>
+              <a:buChar char="•"/>
+              <a:defRPr sz="2000" kern="1200">
+                <a:solidFill>
+                  <a:schemeClr val="tx1"/>
+                </a:solidFill>
+                <a:latin typeface="+mn-lt"/>
+                <a:ea typeface="+mn-ea"/>
+                <a:cs typeface="+mn-cs"/>
+              </a:defRPr>
+            </a:lvl2pPr>
+            <a:lvl3pPr marL="1143000" indent="-228600" algn="l" defTabSz="914400" rtl="0" eaLnBrk="1" latinLnBrk="0" hangingPunct="1">
+              <a:lnSpc>
+                <a:spcPct val="120000"/>
+              </a:lnSpc>
+              <a:spcBef>
+                <a:spcPts val="500"/>
+              </a:spcBef>
+              <a:buSzPct val="125000"/>
+              <a:buFont typeface="Arial" panose="020B0604020202020204" pitchFamily="34" charset="0"/>
+              <a:buChar char="•"/>
+              <a:defRPr sz="1800" kern="1200">
+                <a:solidFill>
+                  <a:schemeClr val="tx1"/>
+                </a:solidFill>
+                <a:latin typeface="+mn-lt"/>
+                <a:ea typeface="+mn-ea"/>
+                <a:cs typeface="+mn-cs"/>
+              </a:defRPr>
+            </a:lvl3pPr>
+            <a:lvl4pPr marL="1600200" indent="-228600" algn="l" defTabSz="914400" rtl="0" eaLnBrk="1" latinLnBrk="0" hangingPunct="1">
+              <a:lnSpc>
+                <a:spcPct val="120000"/>
+              </a:lnSpc>
+              <a:spcBef>
+                <a:spcPts val="500"/>
+              </a:spcBef>
+              <a:buSzPct val="125000"/>
+              <a:buFont typeface="Arial" panose="020B0604020202020204" pitchFamily="34" charset="0"/>
+              <a:buChar char="•"/>
+              <a:defRPr sz="1600" kern="1200">
+                <a:solidFill>
+                  <a:schemeClr val="tx1"/>
+                </a:solidFill>
+                <a:latin typeface="+mn-lt"/>
+                <a:ea typeface="+mn-ea"/>
+                <a:cs typeface="+mn-cs"/>
+              </a:defRPr>
+            </a:lvl4pPr>
+            <a:lvl5pPr marL="2057400" indent="-228600" algn="l" defTabSz="914400" rtl="0" eaLnBrk="1" latinLnBrk="0" hangingPunct="1">
+              <a:lnSpc>
+                <a:spcPct val="120000"/>
+              </a:lnSpc>
+              <a:spcBef>
+                <a:spcPts val="500"/>
+              </a:spcBef>
+              <a:buSzPct val="125000"/>
+              <a:buFont typeface="Arial" panose="020B0604020202020204" pitchFamily="34" charset="0"/>
+              <a:buChar char="•"/>
+              <a:defRPr sz="1600" kern="1200">
+                <a:solidFill>
+                  <a:schemeClr val="tx1"/>
+                </a:solidFill>
+                <a:latin typeface="+mn-lt"/>
+                <a:ea typeface="+mn-ea"/>
+                <a:cs typeface="+mn-cs"/>
+              </a:defRPr>
+            </a:lvl5pPr>
+            <a:lvl6pPr marL="2514600" indent="-228600" algn="l" defTabSz="914400" rtl="0" eaLnBrk="1" latinLnBrk="0" hangingPunct="1">
+              <a:lnSpc>
+                <a:spcPct val="120000"/>
+              </a:lnSpc>
+              <a:spcBef>
+                <a:spcPts val="500"/>
+              </a:spcBef>
+              <a:buSzPct val="125000"/>
+              <a:buFont typeface="Arial" panose="020B0604020202020204" pitchFamily="34" charset="0"/>
+              <a:buChar char="•"/>
+              <a:defRPr sz="1400" kern="1200">
+                <a:solidFill>
+                  <a:schemeClr val="tx1"/>
+                </a:solidFill>
+                <a:latin typeface="+mn-lt"/>
+                <a:ea typeface="+mn-ea"/>
+                <a:cs typeface="+mn-cs"/>
+              </a:defRPr>
+            </a:lvl6pPr>
+            <a:lvl7pPr marL="2971800" indent="-228600" algn="l" defTabSz="914400" rtl="0" eaLnBrk="1" latinLnBrk="0" hangingPunct="1">
+              <a:lnSpc>
+                <a:spcPct val="120000"/>
+              </a:lnSpc>
+              <a:spcBef>
+                <a:spcPts val="500"/>
+              </a:spcBef>
+              <a:buSzPct val="125000"/>
+              <a:buFont typeface="Arial" panose="020B0604020202020204" pitchFamily="34" charset="0"/>
+              <a:buChar char="•"/>
+              <a:defRPr sz="1400" kern="1200">
+                <a:solidFill>
+                  <a:schemeClr val="tx1"/>
+                </a:solidFill>
+                <a:latin typeface="+mn-lt"/>
+                <a:ea typeface="+mn-ea"/>
+                <a:cs typeface="+mn-cs"/>
+              </a:defRPr>
+            </a:lvl7pPr>
+            <a:lvl8pPr marL="3429000" indent="-228600" algn="l" defTabSz="914400" rtl="0" eaLnBrk="1" latinLnBrk="0" hangingPunct="1">
+              <a:lnSpc>
+                <a:spcPct val="120000"/>
+              </a:lnSpc>
+              <a:spcBef>
+                <a:spcPts val="500"/>
+              </a:spcBef>
+              <a:buSzPct val="125000"/>
+              <a:buFont typeface="Arial" panose="020B0604020202020204" pitchFamily="34" charset="0"/>
+              <a:buChar char="•"/>
+              <a:defRPr sz="1400" kern="1200">
+                <a:solidFill>
+                  <a:schemeClr val="tx1"/>
+                </a:solidFill>
+                <a:latin typeface="+mn-lt"/>
+                <a:ea typeface="+mn-ea"/>
+                <a:cs typeface="+mn-cs"/>
+              </a:defRPr>
+            </a:lvl8pPr>
+            <a:lvl9pPr marL="3886200" indent="-228600" algn="l" defTabSz="914400" rtl="0" eaLnBrk="1" latinLnBrk="0" hangingPunct="1">
+              <a:lnSpc>
+                <a:spcPct val="120000"/>
+              </a:lnSpc>
+              <a:spcBef>
+                <a:spcPts val="500"/>
+              </a:spcBef>
+              <a:buSzPct val="125000"/>
+              <a:buFont typeface="Arial" panose="020B0604020202020204" pitchFamily="34" charset="0"/>
+              <a:buChar char="•"/>
+              <a:defRPr sz="1400" kern="1200">
+                <a:solidFill>
+                  <a:schemeClr val="tx1"/>
+                </a:solidFill>
+                <a:latin typeface="+mn-lt"/>
+                <a:ea typeface="+mn-ea"/>
+                <a:cs typeface="+mn-cs"/>
+              </a:defRPr>
+            </a:lvl9pPr>
+          </a:lstStyle>
+          <a:p>
+            <a:pPr marL="0" indent="0">
+              <a:spcBef>
+                <a:spcPts val="1200"/>
+              </a:spcBef>
+              <a:buFont typeface="Arial" panose="020B0604020202020204" pitchFamily="34" charset="0"/>
+              <a:buNone/>
+            </a:pPr>
+            <a:r>
+              <a:rPr lang="en-US" dirty="0" err="1">
+                <a:latin typeface="Consolas" panose="020B0609020204030204" pitchFamily="49" charset="0"/>
+              </a:rPr>
+              <a:t>s</a:t>
+            </a:r>
+            <a:r>
+              <a:rPr lang="en-US" dirty="0" err="1" smtClean="0">
+                <a:latin typeface="Consolas" panose="020B0609020204030204" pitchFamily="49" charset="0"/>
+              </a:rPr>
+              <a:t>truct</a:t>
+            </a:r>
+            <a:r>
+              <a:rPr lang="en-US" dirty="0" smtClean="0">
+                <a:latin typeface="Consolas" panose="020B0609020204030204" pitchFamily="49" charset="0"/>
+              </a:rPr>
+              <a:t> </a:t>
+            </a:r>
+            <a:r>
+              <a:rPr lang="en-US" dirty="0" err="1" smtClean="0">
+                <a:latin typeface="Consolas" panose="020B0609020204030204" pitchFamily="49" charset="0"/>
+              </a:rPr>
+              <a:t>INominative</a:t>
+            </a:r>
+            <a:r>
+              <a:rPr lang="en-US" dirty="0" smtClean="0">
+                <a:latin typeface="Consolas" panose="020B0609020204030204" pitchFamily="49" charset="0"/>
+              </a:rPr>
+              <a:t> {</a:t>
+            </a:r>
+            <a:br>
+              <a:rPr lang="en-US" dirty="0" smtClean="0">
+                <a:latin typeface="Consolas" panose="020B0609020204030204" pitchFamily="49" charset="0"/>
+              </a:rPr>
+            </a:br>
+            <a:r>
+              <a:rPr lang="en-US" dirty="0" smtClean="0">
+                <a:latin typeface="Consolas" panose="020B0609020204030204" pitchFamily="49" charset="0"/>
+              </a:rPr>
+              <a:t>  virtual foo (void(*f)()) = 0;</a:t>
+            </a:r>
+            <a:br>
+              <a:rPr lang="en-US" dirty="0" smtClean="0">
+                <a:latin typeface="Consolas" panose="020B0609020204030204" pitchFamily="49" charset="0"/>
+              </a:rPr>
+            </a:br>
+            <a:r>
+              <a:rPr lang="en-US" dirty="0" smtClean="0">
+                <a:latin typeface="Consolas" panose="020B0609020204030204" pitchFamily="49" charset="0"/>
+              </a:rPr>
+              <a:t>};</a:t>
+            </a:r>
+          </a:p>
+          <a:p>
+            <a:pPr marL="0" indent="0">
+              <a:spcBef>
+                <a:spcPts val="1200"/>
+              </a:spcBef>
+              <a:buFont typeface="Arial" panose="020B0604020202020204" pitchFamily="34" charset="0"/>
+              <a:buNone/>
+            </a:pPr>
+            <a:r>
+              <a:rPr lang="en-US" dirty="0" err="1" smtClean="0">
+                <a:latin typeface="Consolas" panose="020B0609020204030204" pitchFamily="49" charset="0"/>
+              </a:rPr>
+              <a:t>struct</a:t>
+            </a:r>
+            <a:r>
+              <a:rPr lang="en-US" dirty="0" smtClean="0">
+                <a:latin typeface="Consolas" panose="020B0609020204030204" pitchFamily="49" charset="0"/>
+              </a:rPr>
+              <a:t> Nominative : </a:t>
+            </a:r>
+            <a:r>
+              <a:rPr lang="en-US" dirty="0" err="1" smtClean="0">
+                <a:latin typeface="Consolas" panose="020B0609020204030204" pitchFamily="49" charset="0"/>
+              </a:rPr>
+              <a:t>INominative</a:t>
+            </a:r>
+            <a:r>
+              <a:rPr lang="en-US" dirty="0" smtClean="0">
+                <a:latin typeface="Consolas" panose="020B0609020204030204" pitchFamily="49" charset="0"/>
+              </a:rPr>
+              <a:t> {</a:t>
+            </a:r>
+            <a:br>
+              <a:rPr lang="en-US" dirty="0" smtClean="0">
+                <a:latin typeface="Consolas" panose="020B0609020204030204" pitchFamily="49" charset="0"/>
+              </a:rPr>
+            </a:br>
+            <a:r>
+              <a:rPr lang="en-US" dirty="0" smtClean="0">
+                <a:latin typeface="Consolas" panose="020B0609020204030204" pitchFamily="49" charset="0"/>
+              </a:rPr>
+              <a:t>  foo (void(*f)()) override { f(); }</a:t>
+            </a:r>
+            <a:br>
+              <a:rPr lang="en-US" dirty="0" smtClean="0">
+                <a:latin typeface="Consolas" panose="020B0609020204030204" pitchFamily="49" charset="0"/>
+              </a:rPr>
+            </a:br>
+            <a:r>
+              <a:rPr lang="en-US" dirty="0" smtClean="0">
+                <a:latin typeface="Consolas" panose="020B0609020204030204" pitchFamily="49" charset="0"/>
+              </a:rPr>
+              <a:t>};</a:t>
+            </a:r>
+            <a:endParaRPr lang="en-US" dirty="0">
+              <a:latin typeface="Consolas" panose="020B0609020204030204" pitchFamily="49" charset="0"/>
+            </a:endParaRPr>
+          </a:p>
+          <a:p>
+            <a:pPr marL="0" indent="0">
+              <a:spcBef>
+                <a:spcPts val="1200"/>
+              </a:spcBef>
+              <a:buFont typeface="Arial" panose="020B0604020202020204" pitchFamily="34" charset="0"/>
+              <a:buNone/>
+            </a:pPr>
+            <a:r>
+              <a:rPr lang="fr-FR" dirty="0" smtClean="0">
+                <a:latin typeface="Consolas" panose="020B0609020204030204" pitchFamily="49" charset="0"/>
+              </a:rPr>
+              <a:t>Nominative n;</a:t>
+            </a:r>
+            <a:r>
+              <a:rPr lang="fr-FR" dirty="0">
+                <a:latin typeface="Consolas" panose="020B0609020204030204" pitchFamily="49" charset="0"/>
+              </a:rPr>
+              <a:t/>
+            </a:r>
+            <a:br>
+              <a:rPr lang="fr-FR" dirty="0">
+                <a:latin typeface="Consolas" panose="020B0609020204030204" pitchFamily="49" charset="0"/>
+              </a:rPr>
+            </a:br>
+            <a:r>
+              <a:rPr lang="fr-FR" dirty="0" err="1" smtClean="0">
+                <a:latin typeface="Consolas" panose="020B0609020204030204" pitchFamily="49" charset="0"/>
+              </a:rPr>
+              <a:t>n.foo</a:t>
+            </a:r>
+            <a:r>
+              <a:rPr lang="fr-FR" dirty="0" smtClean="0">
+                <a:latin typeface="Consolas" panose="020B0609020204030204" pitchFamily="49" charset="0"/>
+              </a:rPr>
+              <a:t> (</a:t>
+            </a:r>
+            <a:r>
+              <a:rPr lang="fr-FR" dirty="0" err="1" smtClean="0">
+                <a:latin typeface="Consolas" panose="020B0609020204030204" pitchFamily="49" charset="0"/>
+              </a:rPr>
+              <a:t>Duckly</a:t>
+            </a:r>
+            <a:r>
+              <a:rPr lang="fr-FR" dirty="0" smtClean="0">
+                <a:latin typeface="Consolas" panose="020B0609020204030204" pitchFamily="49" charset="0"/>
+              </a:rPr>
+              <a:t> {}); // </a:t>
+            </a:r>
+            <a:r>
+              <a:rPr lang="fr-FR" dirty="0" err="1" smtClean="0">
+                <a:latin typeface="Consolas" panose="020B0609020204030204" pitchFamily="49" charset="0"/>
+              </a:rPr>
+              <a:t>fail</a:t>
+            </a:r>
+            <a:endParaRPr lang="en-US" dirty="0">
+              <a:latin typeface="Consolas" panose="020B0609020204030204" pitchFamily="49" charset="0"/>
+            </a:endParaRPr>
+          </a:p>
+        </p:txBody>
+      </p:sp>
+    </p:spTree>
+    <p:extLst>
+      <p:ext uri="{BB962C8B-B14F-4D97-AF65-F5344CB8AC3E}">
+        <p14:creationId xmlns:p14="http://schemas.microsoft.com/office/powerpoint/2010/main" val="792163467"/>
+      </p:ext>
+    </p:extLst>
+  </p:cSld>
+  <p:clrMapOvr>
+    <a:masterClrMapping/>
+  </p:clrMapOvr>
+</p:sld>
+</file>
+
+<file path=ppt/slides/slide43.xml><?xml version="1.0" encoding="utf-8"?>
+<p:sld xmlns:a="http://schemas.openxmlformats.org/drawingml/2006/main" xmlns:r="http://schemas.openxmlformats.org/officeDocument/2006/relationships" xmlns:p="http://schemas.openxmlformats.org/presentationml/2006/main">
+  <p:cSld>
+    <p:spTree>
+      <p:nvGrpSpPr>
+        <p:cNvPr id="1" name=""/>
+        <p:cNvGrpSpPr/>
+        <p:nvPr/>
+      </p:nvGrpSpPr>
+      <p:grpSpPr>
+        <a:xfrm>
+          <a:off x="0" y="0"/>
+          <a:ext cx="0" cy="0"/>
+          <a:chOff x="0" y="0"/>
+          <a:chExt cx="0" cy="0"/>
+        </a:xfrm>
+      </p:grpSpPr>
+      <p:sp>
+        <p:nvSpPr>
+          <p:cNvPr id="2" name="Title 1"/>
+          <p:cNvSpPr>
+            <a:spLocks noGrp="1"/>
+          </p:cNvSpPr>
+          <p:nvPr>
+            <p:ph type="title"/>
+          </p:nvPr>
+        </p:nvSpPr>
+        <p:spPr/>
+        <p:txBody>
+          <a:bodyPr/>
+          <a:lstStyle/>
+          <a:p>
+            <a:r>
+              <a:rPr lang="ru-RU" dirty="0" smtClean="0"/>
+              <a:t>обсуждение</a:t>
+            </a:r>
+            <a:endParaRPr lang="en-US" dirty="0"/>
+          </a:p>
+        </p:txBody>
+      </p:sp>
+      <p:sp>
+        <p:nvSpPr>
+          <p:cNvPr id="3" name="Content Placeholder 2"/>
+          <p:cNvSpPr>
+            <a:spLocks noGrp="1"/>
+          </p:cNvSpPr>
+          <p:nvPr>
+            <p:ph idx="1"/>
+          </p:nvPr>
+        </p:nvSpPr>
+        <p:spPr/>
+        <p:txBody>
+          <a:bodyPr/>
+          <a:lstStyle/>
+          <a:p>
+            <a:pPr lvl="0"/>
+            <a:r>
+              <a:rPr lang="en-US" dirty="0" err="1"/>
+              <a:t>Можно</a:t>
+            </a:r>
+            <a:r>
+              <a:rPr lang="en-US" dirty="0"/>
+              <a:t> </a:t>
+            </a:r>
+            <a:r>
+              <a:rPr lang="en-US" dirty="0" err="1"/>
+              <a:t>ли</a:t>
+            </a:r>
+            <a:r>
+              <a:rPr lang="en-US" dirty="0"/>
+              <a:t> </a:t>
+            </a:r>
+            <a:r>
+              <a:rPr lang="en-US" dirty="0" err="1"/>
+              <a:t>привести</a:t>
+            </a:r>
+            <a:r>
+              <a:rPr lang="en-US" dirty="0"/>
+              <a:t> </a:t>
+            </a:r>
+            <a:r>
+              <a:rPr lang="en-US" dirty="0" err="1"/>
+              <a:t>пример</a:t>
+            </a:r>
+            <a:r>
+              <a:rPr lang="en-US" dirty="0"/>
+              <a:t> </a:t>
+            </a:r>
+            <a:r>
+              <a:rPr lang="en-US" dirty="0" err="1"/>
+              <a:t>задачи</a:t>
+            </a:r>
+            <a:r>
+              <a:rPr lang="en-US" dirty="0"/>
+              <a:t>, </a:t>
+            </a:r>
+            <a:r>
+              <a:rPr lang="en-US" dirty="0" err="1"/>
+              <a:t>которая</a:t>
+            </a:r>
+            <a:r>
+              <a:rPr lang="en-US" dirty="0"/>
+              <a:t> </a:t>
+            </a:r>
+            <a:r>
+              <a:rPr lang="en-US" dirty="0" err="1"/>
+              <a:t>предполагает</a:t>
+            </a:r>
+            <a:r>
+              <a:rPr lang="en-US" dirty="0"/>
+              <a:t> </a:t>
+            </a:r>
+            <a:r>
+              <a:rPr lang="en-US" dirty="0" err="1" smtClean="0"/>
+              <a:t>динамический</a:t>
+            </a:r>
+            <a:r>
+              <a:rPr lang="ru-RU" dirty="0"/>
+              <a:t> </a:t>
+            </a:r>
+            <a:r>
+              <a:rPr lang="ru-RU" dirty="0" smtClean="0"/>
+              <a:t>и</a:t>
+            </a:r>
+            <a:r>
+              <a:rPr lang="en-US" dirty="0" smtClean="0"/>
+              <a:t> </a:t>
+            </a:r>
+            <a:r>
+              <a:rPr lang="en-US" dirty="0" err="1"/>
+              <a:t>исключает</a:t>
+            </a:r>
+            <a:r>
+              <a:rPr lang="en-US" dirty="0"/>
+              <a:t> </a:t>
+            </a:r>
+            <a:r>
+              <a:rPr lang="en-US" dirty="0" err="1"/>
+              <a:t>статический</a:t>
+            </a:r>
+            <a:r>
+              <a:rPr lang="en-US" dirty="0"/>
+              <a:t> </a:t>
+            </a:r>
+            <a:r>
+              <a:rPr lang="en-US" dirty="0" err="1"/>
+              <a:t>полиморфизм</a:t>
+            </a:r>
+            <a:r>
+              <a:rPr lang="en-US" dirty="0"/>
+              <a:t>?</a:t>
+            </a:r>
+          </a:p>
+          <a:p>
+            <a:pPr lvl="0"/>
+            <a:r>
+              <a:rPr lang="en-US" dirty="0" err="1"/>
+              <a:t>Можно</a:t>
+            </a:r>
+            <a:r>
+              <a:rPr lang="en-US" dirty="0"/>
+              <a:t> </a:t>
+            </a:r>
+            <a:r>
+              <a:rPr lang="en-US" dirty="0" err="1"/>
+              <a:t>ли</a:t>
+            </a:r>
+            <a:r>
+              <a:rPr lang="en-US" dirty="0"/>
+              <a:t> </a:t>
+            </a:r>
+            <a:r>
+              <a:rPr lang="en-US" dirty="0" err="1"/>
+              <a:t>привести</a:t>
+            </a:r>
+            <a:r>
+              <a:rPr lang="en-US" dirty="0"/>
+              <a:t> </a:t>
+            </a:r>
+            <a:r>
+              <a:rPr lang="en-US" dirty="0" err="1"/>
+              <a:t>пример</a:t>
+            </a:r>
+            <a:r>
+              <a:rPr lang="en-US" dirty="0"/>
+              <a:t> </a:t>
+            </a:r>
+            <a:r>
+              <a:rPr lang="en-US" dirty="0" err="1"/>
+              <a:t>задачи</a:t>
+            </a:r>
+            <a:r>
+              <a:rPr lang="en-US" dirty="0"/>
+              <a:t>, </a:t>
+            </a:r>
+            <a:r>
+              <a:rPr lang="en-US" dirty="0" err="1"/>
+              <a:t>которая</a:t>
+            </a:r>
+            <a:r>
+              <a:rPr lang="en-US" dirty="0"/>
+              <a:t> </a:t>
+            </a:r>
+            <a:r>
+              <a:rPr lang="en-US" dirty="0" err="1"/>
+              <a:t>предполагает</a:t>
+            </a:r>
+            <a:r>
+              <a:rPr lang="en-US" dirty="0"/>
+              <a:t> </a:t>
+            </a:r>
+            <a:r>
+              <a:rPr lang="en-US" dirty="0" err="1" smtClean="0"/>
+              <a:t>утиную</a:t>
+            </a:r>
+            <a:r>
+              <a:rPr lang="ru-RU" dirty="0" smtClean="0"/>
+              <a:t> и </a:t>
+            </a:r>
+            <a:r>
+              <a:rPr lang="en-US" dirty="0" err="1" smtClean="0"/>
+              <a:t>исключает</a:t>
+            </a:r>
+            <a:r>
+              <a:rPr lang="en-US" dirty="0" smtClean="0"/>
+              <a:t> </a:t>
+            </a:r>
+            <a:r>
+              <a:rPr lang="en-US" dirty="0" err="1"/>
+              <a:t>номинативную</a:t>
+            </a:r>
+            <a:r>
+              <a:rPr lang="en-US" dirty="0"/>
+              <a:t> </a:t>
+            </a:r>
+            <a:r>
+              <a:rPr lang="en-US" dirty="0" err="1"/>
+              <a:t>типизацию</a:t>
+            </a:r>
+            <a:r>
+              <a:rPr lang="en-US" dirty="0" smtClean="0"/>
+              <a:t>?</a:t>
+            </a:r>
+            <a:endParaRPr lang="en-US" dirty="0"/>
+          </a:p>
+        </p:txBody>
+      </p:sp>
+    </p:spTree>
+    <p:extLst>
+      <p:ext uri="{BB962C8B-B14F-4D97-AF65-F5344CB8AC3E}">
+        <p14:creationId xmlns:p14="http://schemas.microsoft.com/office/powerpoint/2010/main" val="4242323432"/>
+      </p:ext>
+    </p:extLst>
+  </p:cSld>
+  <p:clrMapOvr>
+    <a:masterClrMapping/>
+  </p:clrMapOvr>
+</p:sld>
+</file>
+
+<file path=ppt/slides/slide44.xml><?xml version="1.0" encoding="utf-8"?>
+<p:sld xmlns:a="http://schemas.openxmlformats.org/drawingml/2006/main" xmlns:r="http://schemas.openxmlformats.org/officeDocument/2006/relationships" xmlns:p="http://schemas.openxmlformats.org/presentationml/2006/main">
+  <p:cSld>
+    <p:spTree>
+      <p:nvGrpSpPr>
+        <p:cNvPr id="1" name=""/>
+        <p:cNvGrpSpPr/>
+        <p:nvPr/>
+      </p:nvGrpSpPr>
+      <p:grpSpPr>
+        <a:xfrm>
+          <a:off x="0" y="0"/>
+          <a:ext cx="0" cy="0"/>
+          <a:chOff x="0" y="0"/>
+          <a:chExt cx="0" cy="0"/>
+        </a:xfrm>
+      </p:grpSpPr>
+      <p:sp>
+        <p:nvSpPr>
           <p:cNvPr id="3" name="Content Placeholder 2"/>
           <p:cNvSpPr>
             <a:spLocks noGrp="1"/>
@@ -24091,7 +25326,7 @@
 </p:sld>
 </file>
 
-<file path=ppt/slides/slide41.xml><?xml version="1.0" encoding="utf-8"?>
+<file path=ppt/slides/slide45.xml><?xml version="1.0" encoding="utf-8"?>
 <p:sld xmlns:a="http://schemas.openxmlformats.org/drawingml/2006/main" xmlns:r="http://schemas.openxmlformats.org/officeDocument/2006/relationships" xmlns:p="http://schemas.openxmlformats.org/presentationml/2006/main">
   <p:cSld>
     <p:spTree>
@@ -24366,7 +25601,7 @@
 </p:sld>
 </file>
 
-<file path=ppt/slides/slide42.xml><?xml version="1.0" encoding="utf-8"?>
+<file path=ppt/slides/slide46.xml><?xml version="1.0" encoding="utf-8"?>
 <p:sld xmlns:a="http://schemas.openxmlformats.org/drawingml/2006/main" xmlns:r="http://schemas.openxmlformats.org/officeDocument/2006/relationships" xmlns:p="http://schemas.openxmlformats.org/presentationml/2006/main">
   <p:cSld>
     <p:spTree>

--- a/slides/lec2-1-function-templates.pptx
+++ b/slides/lec2-1-function-templates.pptx
@@ -50,7 +50,8 @@
     <p:sldId id="291" r:id="rId44"/>
     <p:sldId id="290" r:id="rId45"/>
     <p:sldId id="292" r:id="rId46"/>
-    <p:sldId id="293" r:id="rId47"/>
+    <p:sldId id="302" r:id="rId47"/>
+    <p:sldId id="293" r:id="rId48"/>
   </p:sldIdLst>
   <p:sldSz cx="12192000" cy="6858000"/>
   <p:notesSz cx="6858000" cy="9144000"/>
@@ -214,7 +215,7 @@
           <a:noFill/>
           <a:extLst>
             <a:ext uri="{909E8E84-426E-40dd-AFC4-6F175D3DCCD1}">
-              <a14:hiddenFill xmlns="" xmlns:a14="http://schemas.microsoft.com/office/drawing/2010/main">
+              <a14:hiddenFill xmlns:a14="http://schemas.microsoft.com/office/drawing/2010/main" xmlns="">
                 <a:solidFill>
                   <a:srgbClr val="FFFFFF"/>
                 </a:solidFill>
@@ -273,7 +274,7 @@
             </a:ln>
             <a:extLst>
               <a:ext uri="{91240B29-F687-4f45-9708-019B960494DF}">
-                <a14:hiddenLine xmlns="" xmlns:a14="http://schemas.microsoft.com/office/drawing/2010/main" w="9525">
+                <a14:hiddenLine xmlns:a14="http://schemas.microsoft.com/office/drawing/2010/main" xmlns="" w="9525">
                   <a:solidFill>
                     <a:srgbClr val="000000"/>
                   </a:solidFill>
@@ -363,7 +364,7 @@
             </a:ln>
             <a:extLst>
               <a:ext uri="{91240B29-F687-4f45-9708-019B960494DF}">
-                <a14:hiddenLine xmlns="" xmlns:a14="http://schemas.microsoft.com/office/drawing/2010/main" w="9525">
+                <a14:hiddenLine xmlns:a14="http://schemas.microsoft.com/office/drawing/2010/main" xmlns="" w="9525">
                   <a:solidFill>
                     <a:srgbClr val="000000"/>
                   </a:solidFill>
@@ -453,7 +454,7 @@
             </a:ln>
             <a:extLst>
               <a:ext uri="{91240B29-F687-4f45-9708-019B960494DF}">
-                <a14:hiddenLine xmlns="" xmlns:a14="http://schemas.microsoft.com/office/drawing/2010/main" w="9525">
+                <a14:hiddenLine xmlns:a14="http://schemas.microsoft.com/office/drawing/2010/main" xmlns="" w="9525">
                   <a:solidFill>
                     <a:srgbClr val="000000"/>
                   </a:solidFill>
@@ -487,7 +488,7 @@
             </a:ln>
             <a:extLst>
               <a:ext uri="{91240B29-F687-4f45-9708-019B960494DF}">
-                <a14:hiddenLine xmlns="" xmlns:a14="http://schemas.microsoft.com/office/drawing/2010/main" w="9525">
+                <a14:hiddenLine xmlns:a14="http://schemas.microsoft.com/office/drawing/2010/main" xmlns="" w="9525">
                   <a:solidFill>
                     <a:srgbClr val="000000"/>
                   </a:solidFill>
@@ -577,7 +578,7 @@
             </a:ln>
             <a:extLst>
               <a:ext uri="{91240B29-F687-4f45-9708-019B960494DF}">
-                <a14:hiddenLine xmlns="" xmlns:a14="http://schemas.microsoft.com/office/drawing/2010/main" w="9525">
+                <a14:hiddenLine xmlns:a14="http://schemas.microsoft.com/office/drawing/2010/main" xmlns="" w="9525">
                   <a:solidFill>
                     <a:srgbClr val="000000"/>
                   </a:solidFill>
@@ -639,7 +640,7 @@
             </a:ln>
             <a:extLst>
               <a:ext uri="{91240B29-F687-4f45-9708-019B960494DF}">
-                <a14:hiddenLine xmlns="" xmlns:a14="http://schemas.microsoft.com/office/drawing/2010/main" w="9525">
+                <a14:hiddenLine xmlns:a14="http://schemas.microsoft.com/office/drawing/2010/main" xmlns="" w="9525">
                   <a:solidFill>
                     <a:srgbClr val="000000"/>
                   </a:solidFill>
@@ -701,7 +702,7 @@
             </a:ln>
             <a:extLst>
               <a:ext uri="{91240B29-F687-4f45-9708-019B960494DF}">
-                <a14:hiddenLine xmlns="" xmlns:a14="http://schemas.microsoft.com/office/drawing/2010/main" w="9525">
+                <a14:hiddenLine xmlns:a14="http://schemas.microsoft.com/office/drawing/2010/main" xmlns="" w="9525">
                   <a:solidFill>
                     <a:srgbClr val="000000"/>
                   </a:solidFill>
@@ -791,7 +792,7 @@
             </a:ln>
             <a:extLst>
               <a:ext uri="{91240B29-F687-4f45-9708-019B960494DF}">
-                <a14:hiddenLine xmlns="" xmlns:a14="http://schemas.microsoft.com/office/drawing/2010/main" w="9525">
+                <a14:hiddenLine xmlns:a14="http://schemas.microsoft.com/office/drawing/2010/main" xmlns="" w="9525">
                   <a:solidFill>
                     <a:srgbClr val="000000"/>
                   </a:solidFill>
@@ -853,7 +854,7 @@
             </a:ln>
             <a:extLst>
               <a:ext uri="{91240B29-F687-4f45-9708-019B960494DF}">
-                <a14:hiddenLine xmlns="" xmlns:a14="http://schemas.microsoft.com/office/drawing/2010/main" w="9525">
+                <a14:hiddenLine xmlns:a14="http://schemas.microsoft.com/office/drawing/2010/main" xmlns="" w="9525">
                   <a:solidFill>
                     <a:srgbClr val="000000"/>
                   </a:solidFill>
@@ -915,7 +916,7 @@
             </a:ln>
             <a:extLst>
               <a:ext uri="{91240B29-F687-4f45-9708-019B960494DF}">
-                <a14:hiddenLine xmlns="" xmlns:a14="http://schemas.microsoft.com/office/drawing/2010/main" w="9525">
+                <a14:hiddenLine xmlns:a14="http://schemas.microsoft.com/office/drawing/2010/main" xmlns="" w="9525">
                   <a:solidFill>
                     <a:srgbClr val="000000"/>
                   </a:solidFill>
@@ -1005,7 +1006,7 @@
             </a:ln>
             <a:extLst>
               <a:ext uri="{91240B29-F687-4f45-9708-019B960494DF}">
-                <a14:hiddenLine xmlns="" xmlns:a14="http://schemas.microsoft.com/office/drawing/2010/main" w="9525">
+                <a14:hiddenLine xmlns:a14="http://schemas.microsoft.com/office/drawing/2010/main" xmlns="" w="9525">
                   <a:solidFill>
                     <a:srgbClr val="000000"/>
                   </a:solidFill>
@@ -1095,7 +1096,7 @@
             </a:ln>
             <a:extLst>
               <a:ext uri="{91240B29-F687-4f45-9708-019B960494DF}">
-                <a14:hiddenLine xmlns="" xmlns:a14="http://schemas.microsoft.com/office/drawing/2010/main" w="9525">
+                <a14:hiddenLine xmlns:a14="http://schemas.microsoft.com/office/drawing/2010/main" xmlns="" w="9525">
                   <a:solidFill>
                     <a:srgbClr val="000000"/>
                   </a:solidFill>
@@ -1157,7 +1158,7 @@
             </a:ln>
             <a:extLst>
               <a:ext uri="{91240B29-F687-4f45-9708-019B960494DF}">
-                <a14:hiddenLine xmlns="" xmlns:a14="http://schemas.microsoft.com/office/drawing/2010/main" w="9525">
+                <a14:hiddenLine xmlns:a14="http://schemas.microsoft.com/office/drawing/2010/main" xmlns="" w="9525">
                   <a:solidFill>
                     <a:srgbClr val="000000"/>
                   </a:solidFill>
@@ -1267,7 +1268,7 @@
             </a:ln>
             <a:extLst>
               <a:ext uri="{91240B29-F687-4f45-9708-019B960494DF}">
-                <a14:hiddenLine xmlns="" xmlns:a14="http://schemas.microsoft.com/office/drawing/2010/main" w="9525">
+                <a14:hiddenLine xmlns:a14="http://schemas.microsoft.com/office/drawing/2010/main" xmlns="" w="9525">
                   <a:solidFill>
                     <a:srgbClr val="000000"/>
                   </a:solidFill>
@@ -1329,7 +1330,7 @@
             </a:ln>
             <a:extLst>
               <a:ext uri="{91240B29-F687-4f45-9708-019B960494DF}">
-                <a14:hiddenLine xmlns="" xmlns:a14="http://schemas.microsoft.com/office/drawing/2010/main" w="9525">
+                <a14:hiddenLine xmlns:a14="http://schemas.microsoft.com/office/drawing/2010/main" xmlns="" w="9525">
                   <a:solidFill>
                     <a:srgbClr val="000000"/>
                   </a:solidFill>
@@ -1419,7 +1420,7 @@
             </a:ln>
             <a:extLst>
               <a:ext uri="{91240B29-F687-4f45-9708-019B960494DF}">
-                <a14:hiddenLine xmlns="" xmlns:a14="http://schemas.microsoft.com/office/drawing/2010/main" w="9525">
+                <a14:hiddenLine xmlns:a14="http://schemas.microsoft.com/office/drawing/2010/main" xmlns="" w="9525">
                   <a:solidFill>
                     <a:srgbClr val="000000"/>
                   </a:solidFill>
@@ -1509,7 +1510,7 @@
             </a:ln>
             <a:extLst>
               <a:ext uri="{91240B29-F687-4f45-9708-019B960494DF}">
-                <a14:hiddenLine xmlns="" xmlns:a14="http://schemas.microsoft.com/office/drawing/2010/main" w="9525">
+                <a14:hiddenLine xmlns:a14="http://schemas.microsoft.com/office/drawing/2010/main" xmlns="" w="9525">
                   <a:solidFill>
                     <a:srgbClr val="000000"/>
                   </a:solidFill>
@@ -1571,7 +1572,7 @@
             </a:ln>
             <a:extLst>
               <a:ext uri="{91240B29-F687-4f45-9708-019B960494DF}">
-                <a14:hiddenLine xmlns="" xmlns:a14="http://schemas.microsoft.com/office/drawing/2010/main" w="9525">
+                <a14:hiddenLine xmlns:a14="http://schemas.microsoft.com/office/drawing/2010/main" xmlns="" w="9525">
                   <a:solidFill>
                     <a:srgbClr val="000000"/>
                   </a:solidFill>
@@ -1661,7 +1662,7 @@
             </a:ln>
             <a:extLst>
               <a:ext uri="{91240B29-F687-4f45-9708-019B960494DF}">
-                <a14:hiddenLine xmlns="" xmlns:a14="http://schemas.microsoft.com/office/drawing/2010/main" w="9525">
+                <a14:hiddenLine xmlns:a14="http://schemas.microsoft.com/office/drawing/2010/main" xmlns="" w="9525">
                   <a:solidFill>
                     <a:srgbClr val="000000"/>
                   </a:solidFill>
@@ -1751,7 +1752,7 @@
             </a:ln>
             <a:extLst>
               <a:ext uri="{91240B29-F687-4f45-9708-019B960494DF}">
-                <a14:hiddenLine xmlns="" xmlns:a14="http://schemas.microsoft.com/office/drawing/2010/main" w="9525">
+                <a14:hiddenLine xmlns:a14="http://schemas.microsoft.com/office/drawing/2010/main" xmlns="" w="9525">
                   <a:solidFill>
                     <a:srgbClr val="000000"/>
                   </a:solidFill>
@@ -1807,7 +1808,7 @@
             </a:ln>
             <a:extLst>
               <a:ext uri="{91240B29-F687-4f45-9708-019B960494DF}">
-                <a14:hiddenLine xmlns="" xmlns:a14="http://schemas.microsoft.com/office/drawing/2010/main" w="9525">
+                <a14:hiddenLine xmlns:a14="http://schemas.microsoft.com/office/drawing/2010/main" xmlns="" w="9525">
                   <a:solidFill>
                     <a:srgbClr val="000000"/>
                   </a:solidFill>
@@ -1897,7 +1898,7 @@
             </a:ln>
             <a:extLst>
               <a:ext uri="{91240B29-F687-4f45-9708-019B960494DF}">
-                <a14:hiddenLine xmlns="" xmlns:a14="http://schemas.microsoft.com/office/drawing/2010/main" w="9525">
+                <a14:hiddenLine xmlns:a14="http://schemas.microsoft.com/office/drawing/2010/main" xmlns="" w="9525">
                   <a:solidFill>
                     <a:srgbClr val="000000"/>
                   </a:solidFill>
@@ -1953,7 +1954,7 @@
             </a:ln>
             <a:extLst>
               <a:ext uri="{91240B29-F687-4f45-9708-019B960494DF}">
-                <a14:hiddenLine xmlns="" xmlns:a14="http://schemas.microsoft.com/office/drawing/2010/main" w="9525">
+                <a14:hiddenLine xmlns:a14="http://schemas.microsoft.com/office/drawing/2010/main" xmlns="" w="9525">
                   <a:solidFill>
                     <a:srgbClr val="000000"/>
                   </a:solidFill>
@@ -2043,7 +2044,7 @@
             </a:ln>
             <a:extLst>
               <a:ext uri="{91240B29-F687-4f45-9708-019B960494DF}">
-                <a14:hiddenLine xmlns="" xmlns:a14="http://schemas.microsoft.com/office/drawing/2010/main" w="9525">
+                <a14:hiddenLine xmlns:a14="http://schemas.microsoft.com/office/drawing/2010/main" xmlns="" w="9525">
                   <a:solidFill>
                     <a:srgbClr val="000000"/>
                   </a:solidFill>
@@ -2111,7 +2112,7 @@
             </a:ln>
             <a:extLst>
               <a:ext uri="{91240B29-F687-4f45-9708-019B960494DF}">
-                <a14:hiddenLine xmlns="" xmlns:a14="http://schemas.microsoft.com/office/drawing/2010/main" w="9525">
+                <a14:hiddenLine xmlns:a14="http://schemas.microsoft.com/office/drawing/2010/main" xmlns="" w="9525">
                   <a:solidFill>
                     <a:srgbClr val="000000"/>
                   </a:solidFill>
@@ -2201,7 +2202,7 @@
             </a:ln>
             <a:extLst>
               <a:ext uri="{91240B29-F687-4f45-9708-019B960494DF}">
-                <a14:hiddenLine xmlns="" xmlns:a14="http://schemas.microsoft.com/office/drawing/2010/main" w="9525">
+                <a14:hiddenLine xmlns:a14="http://schemas.microsoft.com/office/drawing/2010/main" xmlns="" w="9525">
                   <a:solidFill>
                     <a:srgbClr val="000000"/>
                   </a:solidFill>
@@ -2269,7 +2270,7 @@
             </a:ln>
             <a:extLst>
               <a:ext uri="{91240B29-F687-4f45-9708-019B960494DF}">
-                <a14:hiddenLine xmlns="" xmlns:a14="http://schemas.microsoft.com/office/drawing/2010/main" w="9525">
+                <a14:hiddenLine xmlns:a14="http://schemas.microsoft.com/office/drawing/2010/main" xmlns="" w="9525">
                   <a:solidFill>
                     <a:srgbClr val="000000"/>
                   </a:solidFill>
@@ -2359,7 +2360,7 @@
             </a:ln>
             <a:extLst>
               <a:ext uri="{91240B29-F687-4f45-9708-019B960494DF}">
-                <a14:hiddenLine xmlns="" xmlns:a14="http://schemas.microsoft.com/office/drawing/2010/main" w="9525">
+                <a14:hiddenLine xmlns:a14="http://schemas.microsoft.com/office/drawing/2010/main" xmlns="" w="9525">
                   <a:solidFill>
                     <a:srgbClr val="000000"/>
                   </a:solidFill>
@@ -2393,7 +2394,7 @@
             </a:ln>
             <a:extLst>
               <a:ext uri="{91240B29-F687-4f45-9708-019B960494DF}">
-                <a14:hiddenLine xmlns="" xmlns:a14="http://schemas.microsoft.com/office/drawing/2010/main" w="9525">
+                <a14:hiddenLine xmlns:a14="http://schemas.microsoft.com/office/drawing/2010/main" xmlns="" w="9525">
                   <a:solidFill>
                     <a:srgbClr val="000000"/>
                   </a:solidFill>
@@ -2483,7 +2484,7 @@
             </a:ln>
             <a:extLst>
               <a:ext uri="{91240B29-F687-4f45-9708-019B960494DF}">
-                <a14:hiddenLine xmlns="" xmlns:a14="http://schemas.microsoft.com/office/drawing/2010/main" w="9525">
+                <a14:hiddenLine xmlns:a14="http://schemas.microsoft.com/office/drawing/2010/main" xmlns="" w="9525">
                   <a:solidFill>
                     <a:srgbClr val="000000"/>
                   </a:solidFill>
@@ -2545,7 +2546,7 @@
             </a:ln>
             <a:extLst>
               <a:ext uri="{91240B29-F687-4f45-9708-019B960494DF}">
-                <a14:hiddenLine xmlns="" xmlns:a14="http://schemas.microsoft.com/office/drawing/2010/main" w="9525">
+                <a14:hiddenLine xmlns:a14="http://schemas.microsoft.com/office/drawing/2010/main" xmlns="" w="9525">
                   <a:solidFill>
                     <a:srgbClr val="000000"/>
                   </a:solidFill>
@@ -2607,7 +2608,7 @@
             </a:ln>
             <a:extLst>
               <a:ext uri="{91240B29-F687-4f45-9708-019B960494DF}">
-                <a14:hiddenLine xmlns="" xmlns:a14="http://schemas.microsoft.com/office/drawing/2010/main" w="9525">
+                <a14:hiddenLine xmlns:a14="http://schemas.microsoft.com/office/drawing/2010/main" xmlns="" w="9525">
                   <a:solidFill>
                     <a:srgbClr val="000000"/>
                   </a:solidFill>
@@ -2697,7 +2698,7 @@
             </a:ln>
             <a:extLst>
               <a:ext uri="{91240B29-F687-4f45-9708-019B960494DF}">
-                <a14:hiddenLine xmlns="" xmlns:a14="http://schemas.microsoft.com/office/drawing/2010/main" w="9525">
+                <a14:hiddenLine xmlns:a14="http://schemas.microsoft.com/office/drawing/2010/main" xmlns="" w="9525">
                   <a:solidFill>
                     <a:srgbClr val="000000"/>
                   </a:solidFill>
@@ -2765,7 +2766,7 @@
             </a:ln>
             <a:extLst>
               <a:ext uri="{91240B29-F687-4f45-9708-019B960494DF}">
-                <a14:hiddenLine xmlns="" xmlns:a14="http://schemas.microsoft.com/office/drawing/2010/main" w="9525">
+                <a14:hiddenLine xmlns:a14="http://schemas.microsoft.com/office/drawing/2010/main" xmlns="" w="9525">
                   <a:solidFill>
                     <a:srgbClr val="000000"/>
                   </a:solidFill>
@@ -2827,7 +2828,7 @@
             </a:ln>
             <a:extLst>
               <a:ext uri="{91240B29-F687-4f45-9708-019B960494DF}">
-                <a14:hiddenLine xmlns="" xmlns:a14="http://schemas.microsoft.com/office/drawing/2010/main" w="9525">
+                <a14:hiddenLine xmlns:a14="http://schemas.microsoft.com/office/drawing/2010/main" xmlns="" w="9525">
                   <a:solidFill>
                     <a:srgbClr val="000000"/>
                   </a:solidFill>
@@ -2917,7 +2918,7 @@
             </a:ln>
             <a:extLst>
               <a:ext uri="{91240B29-F687-4f45-9708-019B960494DF}">
-                <a14:hiddenLine xmlns="" xmlns:a14="http://schemas.microsoft.com/office/drawing/2010/main" w="9525">
+                <a14:hiddenLine xmlns:a14="http://schemas.microsoft.com/office/drawing/2010/main" xmlns="" w="9525">
                   <a:solidFill>
                     <a:srgbClr val="000000"/>
                   </a:solidFill>
@@ -2979,7 +2980,7 @@
             </a:ln>
             <a:extLst>
               <a:ext uri="{91240B29-F687-4f45-9708-019B960494DF}">
-                <a14:hiddenLine xmlns="" xmlns:a14="http://schemas.microsoft.com/office/drawing/2010/main" w="9525">
+                <a14:hiddenLine xmlns:a14="http://schemas.microsoft.com/office/drawing/2010/main" xmlns="" w="9525">
                   <a:solidFill>
                     <a:srgbClr val="000000"/>
                   </a:solidFill>
@@ -3069,7 +3070,7 @@
             </a:ln>
             <a:extLst>
               <a:ext uri="{91240B29-F687-4f45-9708-019B960494DF}">
-                <a14:hiddenLine xmlns="" xmlns:a14="http://schemas.microsoft.com/office/drawing/2010/main" w="9525">
+                <a14:hiddenLine xmlns:a14="http://schemas.microsoft.com/office/drawing/2010/main" xmlns="" w="9525">
                   <a:solidFill>
                     <a:srgbClr val="000000"/>
                   </a:solidFill>
@@ -3131,7 +3132,7 @@
             </a:ln>
             <a:extLst>
               <a:ext uri="{91240B29-F687-4f45-9708-019B960494DF}">
-                <a14:hiddenLine xmlns="" xmlns:a14="http://schemas.microsoft.com/office/drawing/2010/main" w="9525">
+                <a14:hiddenLine xmlns:a14="http://schemas.microsoft.com/office/drawing/2010/main" xmlns="" w="9525">
                   <a:solidFill>
                     <a:srgbClr val="000000"/>
                   </a:solidFill>
@@ -3221,7 +3222,7 @@
             </a:ln>
             <a:extLst>
               <a:ext uri="{91240B29-F687-4f45-9708-019B960494DF}">
-                <a14:hiddenLine xmlns="" xmlns:a14="http://schemas.microsoft.com/office/drawing/2010/main" w="9525">
+                <a14:hiddenLine xmlns:a14="http://schemas.microsoft.com/office/drawing/2010/main" xmlns="" w="9525">
                   <a:solidFill>
                     <a:srgbClr val="000000"/>
                   </a:solidFill>
@@ -3255,7 +3256,7 @@
             </a:ln>
             <a:extLst>
               <a:ext uri="{91240B29-F687-4f45-9708-019B960494DF}">
-                <a14:hiddenLine xmlns="" xmlns:a14="http://schemas.microsoft.com/office/drawing/2010/main" w="9525">
+                <a14:hiddenLine xmlns:a14="http://schemas.microsoft.com/office/drawing/2010/main" xmlns="" w="9525">
                   <a:solidFill>
                     <a:srgbClr val="000000"/>
                   </a:solidFill>
@@ -3320,7 +3321,7 @@
             </a:ln>
             <a:extLst>
               <a:ext uri="{91240B29-F687-4f45-9708-019B960494DF}">
-                <a14:hiddenLine xmlns="" xmlns:a14="http://schemas.microsoft.com/office/drawing/2010/main" w="9525">
+                <a14:hiddenLine xmlns:a14="http://schemas.microsoft.com/office/drawing/2010/main" xmlns="" w="9525">
                   <a:solidFill>
                     <a:srgbClr val="000000"/>
                   </a:solidFill>
@@ -3410,7 +3411,7 @@
             </a:ln>
             <a:extLst>
               <a:ext uri="{91240B29-F687-4f45-9708-019B960494DF}">
-                <a14:hiddenLine xmlns="" xmlns:a14="http://schemas.microsoft.com/office/drawing/2010/main" w="9525">
+                <a14:hiddenLine xmlns:a14="http://schemas.microsoft.com/office/drawing/2010/main" xmlns="" w="9525">
                   <a:solidFill>
                     <a:srgbClr val="000000"/>
                   </a:solidFill>
@@ -3472,7 +3473,7 @@
             </a:ln>
             <a:extLst>
               <a:ext uri="{91240B29-F687-4f45-9708-019B960494DF}">
-                <a14:hiddenLine xmlns="" xmlns:a14="http://schemas.microsoft.com/office/drawing/2010/main" w="9525">
+                <a14:hiddenLine xmlns:a14="http://schemas.microsoft.com/office/drawing/2010/main" xmlns="" w="9525">
                   <a:solidFill>
                     <a:srgbClr val="000000"/>
                   </a:solidFill>
@@ -3562,7 +3563,7 @@
             </a:ln>
             <a:extLst>
               <a:ext uri="{91240B29-F687-4f45-9708-019B960494DF}">
-                <a14:hiddenLine xmlns="" xmlns:a14="http://schemas.microsoft.com/office/drawing/2010/main" w="9525">
+                <a14:hiddenLine xmlns:a14="http://schemas.microsoft.com/office/drawing/2010/main" xmlns="" w="9525">
                   <a:solidFill>
                     <a:srgbClr val="000000"/>
                   </a:solidFill>
@@ -3652,7 +3653,7 @@
             </a:ln>
             <a:extLst>
               <a:ext uri="{91240B29-F687-4f45-9708-019B960494DF}">
-                <a14:hiddenLine xmlns="" xmlns:a14="http://schemas.microsoft.com/office/drawing/2010/main" w="9525">
+                <a14:hiddenLine xmlns:a14="http://schemas.microsoft.com/office/drawing/2010/main" xmlns="" w="9525">
                   <a:solidFill>
                     <a:srgbClr val="000000"/>
                   </a:solidFill>
@@ -3717,7 +3718,7 @@
             </a:ln>
             <a:extLst>
               <a:ext uri="{91240B29-F687-4f45-9708-019B960494DF}">
-                <a14:hiddenLine xmlns="" xmlns:a14="http://schemas.microsoft.com/office/drawing/2010/main" w="9525">
+                <a14:hiddenLine xmlns:a14="http://schemas.microsoft.com/office/drawing/2010/main" xmlns="" w="9525">
                   <a:solidFill>
                     <a:srgbClr val="000000"/>
                   </a:solidFill>
@@ -3779,7 +3780,7 @@
             </a:ln>
             <a:extLst>
               <a:ext uri="{91240B29-F687-4f45-9708-019B960494DF}">
-                <a14:hiddenLine xmlns="" xmlns:a14="http://schemas.microsoft.com/office/drawing/2010/main" w="9525">
+                <a14:hiddenLine xmlns:a14="http://schemas.microsoft.com/office/drawing/2010/main" xmlns="" w="9525">
                   <a:solidFill>
                     <a:srgbClr val="000000"/>
                   </a:solidFill>
@@ -3869,7 +3870,7 @@
             </a:ln>
             <a:extLst>
               <a:ext uri="{91240B29-F687-4f45-9708-019B960494DF}">
-                <a14:hiddenLine xmlns="" xmlns:a14="http://schemas.microsoft.com/office/drawing/2010/main" w="9525">
+                <a14:hiddenLine xmlns:a14="http://schemas.microsoft.com/office/drawing/2010/main" xmlns="" w="9525">
                   <a:solidFill>
                     <a:srgbClr val="000000"/>
                   </a:solidFill>
@@ -3959,7 +3960,7 @@
             </a:ln>
             <a:extLst>
               <a:ext uri="{91240B29-F687-4f45-9708-019B960494DF}">
-                <a14:hiddenLine xmlns="" xmlns:a14="http://schemas.microsoft.com/office/drawing/2010/main" w="9525">
+                <a14:hiddenLine xmlns:a14="http://schemas.microsoft.com/office/drawing/2010/main" xmlns="" w="9525">
                   <a:solidFill>
                     <a:srgbClr val="000000"/>
                   </a:solidFill>
@@ -4021,7 +4022,7 @@
             </a:ln>
             <a:extLst>
               <a:ext uri="{91240B29-F687-4f45-9708-019B960494DF}">
-                <a14:hiddenLine xmlns="" xmlns:a14="http://schemas.microsoft.com/office/drawing/2010/main" w="9525">
+                <a14:hiddenLine xmlns:a14="http://schemas.microsoft.com/office/drawing/2010/main" xmlns="" w="9525">
                   <a:solidFill>
                     <a:srgbClr val="000000"/>
                   </a:solidFill>
@@ -4141,7 +4142,7 @@
             </a:ln>
             <a:extLst>
               <a:ext uri="{91240B29-F687-4f45-9708-019B960494DF}">
-                <a14:hiddenLine xmlns="" xmlns:a14="http://schemas.microsoft.com/office/drawing/2010/main" w="9525">
+                <a14:hiddenLine xmlns:a14="http://schemas.microsoft.com/office/drawing/2010/main" xmlns="" w="9525">
                   <a:solidFill>
                     <a:srgbClr val="000000"/>
                   </a:solidFill>
@@ -4209,7 +4210,7 @@
             </a:ln>
             <a:extLst>
               <a:ext uri="{91240B29-F687-4f45-9708-019B960494DF}">
-                <a14:hiddenLine xmlns="" xmlns:a14="http://schemas.microsoft.com/office/drawing/2010/main" w="9525">
+                <a14:hiddenLine xmlns:a14="http://schemas.microsoft.com/office/drawing/2010/main" xmlns="" w="9525">
                   <a:solidFill>
                     <a:srgbClr val="000000"/>
                   </a:solidFill>
@@ -4299,7 +4300,7 @@
             </a:ln>
             <a:extLst>
               <a:ext uri="{91240B29-F687-4f45-9708-019B960494DF}">
-                <a14:hiddenLine xmlns="" xmlns:a14="http://schemas.microsoft.com/office/drawing/2010/main" w="9525">
+                <a14:hiddenLine xmlns:a14="http://schemas.microsoft.com/office/drawing/2010/main" xmlns="" w="9525">
                   <a:solidFill>
                     <a:srgbClr val="000000"/>
                   </a:solidFill>
@@ -4439,7 +4440,7 @@
           <a:p>
             <a:fld id="{48A87A34-81AB-432B-8DAE-1953F412C126}" type="datetimeFigureOut">
               <a:rPr lang="en-US" dirty="0"/>
-              <a:t>2/7/2017</a:t>
+              <a:t>2/14/2017</a:t>
             </a:fld>
             <a:endParaRPr lang="en-US" dirty="0"/>
           </a:p>
@@ -4701,7 +4702,7 @@
           <a:p>
             <a:fld id="{48A87A34-81AB-432B-8DAE-1953F412C126}" type="datetimeFigureOut">
               <a:rPr lang="en-US" dirty="0"/>
-              <a:t>2/7/2017</a:t>
+              <a:t>2/14/2017</a:t>
             </a:fld>
             <a:endParaRPr lang="en-US" dirty="0"/>
           </a:p>
@@ -4892,7 +4893,7 @@
           <a:p>
             <a:fld id="{48A87A34-81AB-432B-8DAE-1953F412C126}" type="datetimeFigureOut">
               <a:rPr lang="en-US" dirty="0"/>
-              <a:t>2/7/2017</a:t>
+              <a:t>2/14/2017</a:t>
             </a:fld>
             <a:endParaRPr lang="en-US" dirty="0"/>
           </a:p>
@@ -5150,7 +5151,7 @@
           <a:p>
             <a:fld id="{48A87A34-81AB-432B-8DAE-1953F412C126}" type="datetimeFigureOut">
               <a:rPr lang="en-US" dirty="0"/>
-              <a:t>2/7/2017</a:t>
+              <a:t>2/14/2017</a:t>
             </a:fld>
             <a:endParaRPr lang="en-US" dirty="0"/>
           </a:p>
@@ -5579,7 +5580,7 @@
           <a:p>
             <a:fld id="{48A87A34-81AB-432B-8DAE-1953F412C126}" type="datetimeFigureOut">
               <a:rPr lang="en-US" dirty="0"/>
-              <a:t>2/7/2017</a:t>
+              <a:t>2/14/2017</a:t>
             </a:fld>
             <a:endParaRPr lang="en-US" dirty="0"/>
           </a:p>
@@ -6120,7 +6121,7 @@
           <a:p>
             <a:fld id="{48A87A34-81AB-432B-8DAE-1953F412C126}" type="datetimeFigureOut">
               <a:rPr lang="en-US" dirty="0"/>
-              <a:t>2/7/2017</a:t>
+              <a:t>2/14/2017</a:t>
             </a:fld>
             <a:endParaRPr lang="en-US" dirty="0"/>
           </a:p>
@@ -6835,7 +6836,7 @@
           <a:p>
             <a:fld id="{48A87A34-81AB-432B-8DAE-1953F412C126}" type="datetimeFigureOut">
               <a:rPr lang="en-US" dirty="0"/>
-              <a:t>2/7/2017</a:t>
+              <a:t>2/14/2017</a:t>
             </a:fld>
             <a:endParaRPr lang="en-US" dirty="0"/>
           </a:p>
@@ -7000,7 +7001,7 @@
           <a:p>
             <a:fld id="{48A87A34-81AB-432B-8DAE-1953F412C126}" type="datetimeFigureOut">
               <a:rPr lang="en-US" dirty="0"/>
-              <a:t>2/7/2017</a:t>
+              <a:t>2/14/2017</a:t>
             </a:fld>
             <a:endParaRPr lang="en-US" dirty="0"/>
           </a:p>
@@ -7175,7 +7176,7 @@
           <a:p>
             <a:fld id="{48A87A34-81AB-432B-8DAE-1953F412C126}" type="datetimeFigureOut">
               <a:rPr lang="en-US" dirty="0"/>
-              <a:t>2/7/2017</a:t>
+              <a:t>2/14/2017</a:t>
             </a:fld>
             <a:endParaRPr lang="en-US" dirty="0"/>
           </a:p>
@@ -7340,7 +7341,7 @@
           <a:p>
             <a:fld id="{48A87A34-81AB-432B-8DAE-1953F412C126}" type="datetimeFigureOut">
               <a:rPr lang="en-US" dirty="0"/>
-              <a:t>2/7/2017</a:t>
+              <a:t>2/14/2017</a:t>
             </a:fld>
             <a:endParaRPr lang="en-US" dirty="0"/>
           </a:p>
@@ -7585,7 +7586,7 @@
           <a:p>
             <a:fld id="{48A87A34-81AB-432B-8DAE-1953F412C126}" type="datetimeFigureOut">
               <a:rPr lang="en-US" dirty="0"/>
-              <a:t>2/7/2017</a:t>
+              <a:t>2/14/2017</a:t>
             </a:fld>
             <a:endParaRPr lang="en-US" dirty="0"/>
           </a:p>
@@ -7812,7 +7813,7 @@
           <a:p>
             <a:fld id="{48A87A34-81AB-432B-8DAE-1953F412C126}" type="datetimeFigureOut">
               <a:rPr lang="en-US" dirty="0"/>
-              <a:t>2/7/2017</a:t>
+              <a:t>2/14/2017</a:t>
             </a:fld>
             <a:endParaRPr lang="en-US" dirty="0"/>
           </a:p>
@@ -8188,7 +8189,7 @@
           <a:p>
             <a:fld id="{48A87A34-81AB-432B-8DAE-1953F412C126}" type="datetimeFigureOut">
               <a:rPr lang="en-US" dirty="0"/>
-              <a:t>2/7/2017</a:t>
+              <a:t>2/14/2017</a:t>
             </a:fld>
             <a:endParaRPr lang="en-US" dirty="0"/>
           </a:p>
@@ -8301,7 +8302,7 @@
           <a:p>
             <a:fld id="{48A87A34-81AB-432B-8DAE-1953F412C126}" type="datetimeFigureOut">
               <a:rPr lang="en-US" dirty="0"/>
-              <a:t>2/7/2017</a:t>
+              <a:t>2/14/2017</a:t>
             </a:fld>
             <a:endParaRPr lang="en-US" dirty="0"/>
           </a:p>
@@ -8391,7 +8392,7 @@
           <a:p>
             <a:fld id="{48A87A34-81AB-432B-8DAE-1953F412C126}" type="datetimeFigureOut">
               <a:rPr lang="en-US" dirty="0"/>
-              <a:t>2/7/2017</a:t>
+              <a:t>2/14/2017</a:t>
             </a:fld>
             <a:endParaRPr lang="en-US" dirty="0"/>
           </a:p>
@@ -8635,7 +8636,7 @@
           <a:p>
             <a:fld id="{48A87A34-81AB-432B-8DAE-1953F412C126}" type="datetimeFigureOut">
               <a:rPr lang="en-US" dirty="0"/>
-              <a:t>2/7/2017</a:t>
+              <a:t>2/14/2017</a:t>
             </a:fld>
             <a:endParaRPr lang="en-US" dirty="0"/>
           </a:p>
@@ -8910,7 +8911,7 @@
           <a:p>
             <a:fld id="{48A87A34-81AB-432B-8DAE-1953F412C126}" type="datetimeFigureOut">
               <a:rPr lang="en-US" dirty="0"/>
-              <a:t>2/7/2017</a:t>
+              <a:t>2/14/2017</a:t>
             </a:fld>
             <a:endParaRPr lang="en-US" dirty="0"/>
           </a:p>
@@ -9028,7 +9029,7 @@
           <a:noFill/>
           <a:extLst>
             <a:ext uri="{909E8E84-426E-40dd-AFC4-6F175D3DCCD1}">
-              <a14:hiddenFill xmlns="" xmlns:a14="http://schemas.microsoft.com/office/drawing/2010/main">
+              <a14:hiddenFill xmlns:a14="http://schemas.microsoft.com/office/drawing/2010/main" xmlns="">
                 <a:solidFill>
                   <a:srgbClr val="FFFFFF"/>
                 </a:solidFill>
@@ -9102,7 +9103,7 @@
               </a:ln>
               <a:extLst>
                 <a:ext uri="{91240B29-F687-4f45-9708-019B960494DF}">
-                  <a14:hiddenLine xmlns="" xmlns:a14="http://schemas.microsoft.com/office/drawing/2010/main" w="9525">
+                  <a14:hiddenLine xmlns:a14="http://schemas.microsoft.com/office/drawing/2010/main" xmlns="" w="9525">
                     <a:solidFill>
                       <a:srgbClr val="000000"/>
                     </a:solidFill>
@@ -9192,7 +9193,7 @@
               </a:ln>
               <a:extLst>
                 <a:ext uri="{91240B29-F687-4f45-9708-019B960494DF}">
-                  <a14:hiddenLine xmlns="" xmlns:a14="http://schemas.microsoft.com/office/drawing/2010/main" w="9525">
+                  <a14:hiddenLine xmlns:a14="http://schemas.microsoft.com/office/drawing/2010/main" xmlns="" w="9525">
                     <a:solidFill>
                       <a:srgbClr val="000000"/>
                     </a:solidFill>
@@ -9282,7 +9283,7 @@
               </a:ln>
               <a:extLst>
                 <a:ext uri="{91240B29-F687-4f45-9708-019B960494DF}">
-                  <a14:hiddenLine xmlns="" xmlns:a14="http://schemas.microsoft.com/office/drawing/2010/main" w="9525">
+                  <a14:hiddenLine xmlns:a14="http://schemas.microsoft.com/office/drawing/2010/main" xmlns="" w="9525">
                     <a:solidFill>
                       <a:srgbClr val="000000"/>
                     </a:solidFill>
@@ -9344,7 +9345,7 @@
               </a:ln>
               <a:extLst>
                 <a:ext uri="{91240B29-F687-4f45-9708-019B960494DF}">
-                  <a14:hiddenLine xmlns="" xmlns:a14="http://schemas.microsoft.com/office/drawing/2010/main" w="9525">
+                  <a14:hiddenLine xmlns:a14="http://schemas.microsoft.com/office/drawing/2010/main" xmlns="" w="9525">
                     <a:solidFill>
                       <a:srgbClr val="000000"/>
                     </a:solidFill>
@@ -9434,7 +9435,7 @@
               </a:ln>
               <a:extLst>
                 <a:ext uri="{91240B29-F687-4f45-9708-019B960494DF}">
-                  <a14:hiddenLine xmlns="" xmlns:a14="http://schemas.microsoft.com/office/drawing/2010/main" w="9525">
+                  <a14:hiddenLine xmlns:a14="http://schemas.microsoft.com/office/drawing/2010/main" xmlns="" w="9525">
                     <a:solidFill>
                       <a:srgbClr val="000000"/>
                     </a:solidFill>
@@ -9496,7 +9497,7 @@
               </a:ln>
               <a:extLst>
                 <a:ext uri="{91240B29-F687-4f45-9708-019B960494DF}">
-                  <a14:hiddenLine xmlns="" xmlns:a14="http://schemas.microsoft.com/office/drawing/2010/main" w="9525">
+                  <a14:hiddenLine xmlns:a14="http://schemas.microsoft.com/office/drawing/2010/main" xmlns="" w="9525">
                     <a:solidFill>
                       <a:srgbClr val="000000"/>
                     </a:solidFill>
@@ -9558,7 +9559,7 @@
               </a:ln>
               <a:extLst>
                 <a:ext uri="{91240B29-F687-4f45-9708-019B960494DF}">
-                  <a14:hiddenLine xmlns="" xmlns:a14="http://schemas.microsoft.com/office/drawing/2010/main" w="9525">
+                  <a14:hiddenLine xmlns:a14="http://schemas.microsoft.com/office/drawing/2010/main" xmlns="" w="9525">
                     <a:solidFill>
                       <a:srgbClr val="000000"/>
                     </a:solidFill>
@@ -9648,7 +9649,7 @@
               </a:ln>
               <a:extLst>
                 <a:ext uri="{91240B29-F687-4f45-9708-019B960494DF}">
-                  <a14:hiddenLine xmlns="" xmlns:a14="http://schemas.microsoft.com/office/drawing/2010/main" w="9525">
+                  <a14:hiddenLine xmlns:a14="http://schemas.microsoft.com/office/drawing/2010/main" xmlns="" w="9525">
                     <a:solidFill>
                       <a:srgbClr val="000000"/>
                     </a:solidFill>
@@ -9738,7 +9739,7 @@
               </a:ln>
               <a:extLst>
                 <a:ext uri="{91240B29-F687-4f45-9708-019B960494DF}">
-                  <a14:hiddenLine xmlns="" xmlns:a14="http://schemas.microsoft.com/office/drawing/2010/main" w="9525">
+                  <a14:hiddenLine xmlns:a14="http://schemas.microsoft.com/office/drawing/2010/main" xmlns="" w="9525">
                     <a:solidFill>
                       <a:srgbClr val="000000"/>
                     </a:solidFill>
@@ -9800,7 +9801,7 @@
               </a:ln>
               <a:extLst>
                 <a:ext uri="{91240B29-F687-4f45-9708-019B960494DF}">
-                  <a14:hiddenLine xmlns="" xmlns:a14="http://schemas.microsoft.com/office/drawing/2010/main" w="9525">
+                  <a14:hiddenLine xmlns:a14="http://schemas.microsoft.com/office/drawing/2010/main" xmlns="" w="9525">
                     <a:solidFill>
                       <a:srgbClr val="000000"/>
                     </a:solidFill>
@@ -9910,7 +9911,7 @@
               </a:ln>
               <a:extLst>
                 <a:ext uri="{91240B29-F687-4f45-9708-019B960494DF}">
-                  <a14:hiddenLine xmlns="" xmlns:a14="http://schemas.microsoft.com/office/drawing/2010/main" w="9525">
+                  <a14:hiddenLine xmlns:a14="http://schemas.microsoft.com/office/drawing/2010/main" xmlns="" w="9525">
                     <a:solidFill>
                       <a:srgbClr val="000000"/>
                     </a:solidFill>
@@ -9994,7 +9995,7 @@
               </a:ln>
               <a:extLst>
                 <a:ext uri="{91240B29-F687-4f45-9708-019B960494DF}">
-                  <a14:hiddenLine xmlns="" xmlns:a14="http://schemas.microsoft.com/office/drawing/2010/main" w="9525">
+                  <a14:hiddenLine xmlns:a14="http://schemas.microsoft.com/office/drawing/2010/main" xmlns="" w="9525">
                     <a:solidFill>
                       <a:srgbClr val="000000"/>
                     </a:solidFill>
@@ -10056,7 +10057,7 @@
               </a:ln>
               <a:extLst>
                 <a:ext uri="{91240B29-F687-4f45-9708-019B960494DF}">
-                  <a14:hiddenLine xmlns="" xmlns:a14="http://schemas.microsoft.com/office/drawing/2010/main" w="9525">
+                  <a14:hiddenLine xmlns:a14="http://schemas.microsoft.com/office/drawing/2010/main" xmlns="" w="9525">
                     <a:solidFill>
                       <a:srgbClr val="000000"/>
                     </a:solidFill>
@@ -10118,7 +10119,7 @@
               </a:ln>
               <a:extLst>
                 <a:ext uri="{91240B29-F687-4f45-9708-019B960494DF}">
-                  <a14:hiddenLine xmlns="" xmlns:a14="http://schemas.microsoft.com/office/drawing/2010/main" w="9525">
+                  <a14:hiddenLine xmlns:a14="http://schemas.microsoft.com/office/drawing/2010/main" xmlns="" w="9525">
                     <a:solidFill>
                       <a:srgbClr val="000000"/>
                     </a:solidFill>
@@ -10208,7 +10209,7 @@
               </a:ln>
               <a:extLst>
                 <a:ext uri="{91240B29-F687-4f45-9708-019B960494DF}">
-                  <a14:hiddenLine xmlns="" xmlns:a14="http://schemas.microsoft.com/office/drawing/2010/main" w="9525">
+                  <a14:hiddenLine xmlns:a14="http://schemas.microsoft.com/office/drawing/2010/main" xmlns="" w="9525">
                     <a:solidFill>
                       <a:srgbClr val="000000"/>
                     </a:solidFill>
@@ -10242,7 +10243,7 @@
               </a:ln>
               <a:extLst>
                 <a:ext uri="{91240B29-F687-4f45-9708-019B960494DF}">
-                  <a14:hiddenLine xmlns="" xmlns:a14="http://schemas.microsoft.com/office/drawing/2010/main" w="9525">
+                  <a14:hiddenLine xmlns:a14="http://schemas.microsoft.com/office/drawing/2010/main" xmlns="" w="9525">
                     <a:solidFill>
                       <a:srgbClr val="000000"/>
                     </a:solidFill>
@@ -10307,7 +10308,7 @@
               </a:ln>
               <a:extLst>
                 <a:ext uri="{91240B29-F687-4f45-9708-019B960494DF}">
-                  <a14:hiddenLine xmlns="" xmlns:a14="http://schemas.microsoft.com/office/drawing/2010/main" w="9525">
+                  <a14:hiddenLine xmlns:a14="http://schemas.microsoft.com/office/drawing/2010/main" xmlns="" w="9525">
                     <a:solidFill>
                       <a:srgbClr val="000000"/>
                     </a:solidFill>
@@ -10397,7 +10398,7 @@
               </a:ln>
               <a:extLst>
                 <a:ext uri="{91240B29-F687-4f45-9708-019B960494DF}">
-                  <a14:hiddenLine xmlns="" xmlns:a14="http://schemas.microsoft.com/office/drawing/2010/main" w="9525">
+                  <a14:hiddenLine xmlns:a14="http://schemas.microsoft.com/office/drawing/2010/main" xmlns="" w="9525">
                     <a:solidFill>
                       <a:srgbClr val="000000"/>
                     </a:solidFill>
@@ -10459,7 +10460,7 @@
               </a:ln>
               <a:extLst>
                 <a:ext uri="{91240B29-F687-4f45-9708-019B960494DF}">
-                  <a14:hiddenLine xmlns="" xmlns:a14="http://schemas.microsoft.com/office/drawing/2010/main" w="9525">
+                  <a14:hiddenLine xmlns:a14="http://schemas.microsoft.com/office/drawing/2010/main" xmlns="" w="9525">
                     <a:solidFill>
                       <a:srgbClr val="000000"/>
                     </a:solidFill>
@@ -10549,7 +10550,7 @@
               </a:ln>
               <a:extLst>
                 <a:ext uri="{91240B29-F687-4f45-9708-019B960494DF}">
-                  <a14:hiddenLine xmlns="" xmlns:a14="http://schemas.microsoft.com/office/drawing/2010/main" w="9525">
+                  <a14:hiddenLine xmlns:a14="http://schemas.microsoft.com/office/drawing/2010/main" xmlns="" w="9525">
                     <a:solidFill>
                       <a:srgbClr val="000000"/>
                     </a:solidFill>
@@ -10614,7 +10615,7 @@
               </a:ln>
               <a:extLst>
                 <a:ext uri="{91240B29-F687-4f45-9708-019B960494DF}">
-                  <a14:hiddenLine xmlns="" xmlns:a14="http://schemas.microsoft.com/office/drawing/2010/main" w="9525">
+                  <a14:hiddenLine xmlns:a14="http://schemas.microsoft.com/office/drawing/2010/main" xmlns="" w="9525">
                     <a:solidFill>
                       <a:srgbClr val="000000"/>
                     </a:solidFill>
@@ -10676,7 +10677,7 @@
               </a:ln>
               <a:extLst>
                 <a:ext uri="{91240B29-F687-4f45-9708-019B960494DF}">
-                  <a14:hiddenLine xmlns="" xmlns:a14="http://schemas.microsoft.com/office/drawing/2010/main" w="9525">
+                  <a14:hiddenLine xmlns:a14="http://schemas.microsoft.com/office/drawing/2010/main" xmlns="" w="9525">
                     <a:solidFill>
                       <a:srgbClr val="000000"/>
                     </a:solidFill>
@@ -10766,7 +10767,7 @@
               </a:ln>
               <a:extLst>
                 <a:ext uri="{91240B29-F687-4f45-9708-019B960494DF}">
-                  <a14:hiddenLine xmlns="" xmlns:a14="http://schemas.microsoft.com/office/drawing/2010/main" w="9525">
+                  <a14:hiddenLine xmlns:a14="http://schemas.microsoft.com/office/drawing/2010/main" xmlns="" w="9525">
                     <a:solidFill>
                       <a:srgbClr val="000000"/>
                     </a:solidFill>
@@ -10856,7 +10857,7 @@
               </a:ln>
               <a:extLst>
                 <a:ext uri="{91240B29-F687-4f45-9708-019B960494DF}">
-                  <a14:hiddenLine xmlns="" xmlns:a14="http://schemas.microsoft.com/office/drawing/2010/main" w="9525">
+                  <a14:hiddenLine xmlns:a14="http://schemas.microsoft.com/office/drawing/2010/main" xmlns="" w="9525">
                     <a:solidFill>
                       <a:srgbClr val="000000"/>
                     </a:solidFill>
@@ -10921,7 +10922,7 @@
               </a:ln>
               <a:extLst>
                 <a:ext uri="{91240B29-F687-4f45-9708-019B960494DF}">
-                  <a14:hiddenLine xmlns="" xmlns:a14="http://schemas.microsoft.com/office/drawing/2010/main" w="9525">
+                  <a14:hiddenLine xmlns:a14="http://schemas.microsoft.com/office/drawing/2010/main" xmlns="" w="9525">
                     <a:solidFill>
                       <a:srgbClr val="000000"/>
                     </a:solidFill>
@@ -11041,7 +11042,7 @@
               </a:ln>
               <a:extLst>
                 <a:ext uri="{91240B29-F687-4f45-9708-019B960494DF}">
-                  <a14:hiddenLine xmlns="" xmlns:a14="http://schemas.microsoft.com/office/drawing/2010/main" w="9525">
+                  <a14:hiddenLine xmlns:a14="http://schemas.microsoft.com/office/drawing/2010/main" xmlns="" w="9525">
                     <a:solidFill>
                       <a:srgbClr val="000000"/>
                     </a:solidFill>
@@ -11122,7 +11123,7 @@
               </a:ln>
               <a:extLst>
                 <a:ext uri="{91240B29-F687-4f45-9708-019B960494DF}">
-                  <a14:hiddenLine xmlns="" xmlns:a14="http://schemas.microsoft.com/office/drawing/2010/main" w="9525">
+                  <a14:hiddenLine xmlns:a14="http://schemas.microsoft.com/office/drawing/2010/main" xmlns="" w="9525">
                     <a:solidFill>
                       <a:srgbClr val="000000"/>
                     </a:solidFill>
@@ -11237,7 +11238,7 @@
               </a:ln>
               <a:extLst>
                 <a:ext uri="{91240B29-F687-4f45-9708-019B960494DF}">
-                  <a14:hiddenLine xmlns="" xmlns:a14="http://schemas.microsoft.com/office/drawing/2010/main" w="9525">
+                  <a14:hiddenLine xmlns:a14="http://schemas.microsoft.com/office/drawing/2010/main" xmlns="" w="9525">
                     <a:solidFill>
                       <a:srgbClr val="000000"/>
                     </a:solidFill>
@@ -11327,7 +11328,7 @@
               </a:ln>
               <a:extLst>
                 <a:ext uri="{91240B29-F687-4f45-9708-019B960494DF}">
-                  <a14:hiddenLine xmlns="" xmlns:a14="http://schemas.microsoft.com/office/drawing/2010/main" w="9525">
+                  <a14:hiddenLine xmlns:a14="http://schemas.microsoft.com/office/drawing/2010/main" xmlns="" w="9525">
                     <a:solidFill>
                       <a:srgbClr val="000000"/>
                     </a:solidFill>
@@ -11392,7 +11393,7 @@
               </a:ln>
               <a:extLst>
                 <a:ext uri="{91240B29-F687-4f45-9708-019B960494DF}">
-                  <a14:hiddenLine xmlns="" xmlns:a14="http://schemas.microsoft.com/office/drawing/2010/main" w="9525">
+                  <a14:hiddenLine xmlns:a14="http://schemas.microsoft.com/office/drawing/2010/main" xmlns="" w="9525">
                     <a:solidFill>
                       <a:srgbClr val="000000"/>
                     </a:solidFill>
@@ -11482,7 +11483,7 @@
               </a:ln>
               <a:extLst>
                 <a:ext uri="{91240B29-F687-4f45-9708-019B960494DF}">
-                  <a14:hiddenLine xmlns="" xmlns:a14="http://schemas.microsoft.com/office/drawing/2010/main" w="9525">
+                  <a14:hiddenLine xmlns:a14="http://schemas.microsoft.com/office/drawing/2010/main" xmlns="" w="9525">
                     <a:solidFill>
                       <a:srgbClr val="000000"/>
                     </a:solidFill>
@@ -11550,7 +11551,7 @@
               </a:ln>
               <a:extLst>
                 <a:ext uri="{91240B29-F687-4f45-9708-019B960494DF}">
-                  <a14:hiddenLine xmlns="" xmlns:a14="http://schemas.microsoft.com/office/drawing/2010/main" w="9525">
+                  <a14:hiddenLine xmlns:a14="http://schemas.microsoft.com/office/drawing/2010/main" xmlns="" w="9525">
                     <a:solidFill>
                       <a:srgbClr val="000000"/>
                     </a:solidFill>
@@ -11640,7 +11641,7 @@
               </a:ln>
               <a:extLst>
                 <a:ext uri="{91240B29-F687-4f45-9708-019B960494DF}">
-                  <a14:hiddenLine xmlns="" xmlns:a14="http://schemas.microsoft.com/office/drawing/2010/main" w="9525">
+                  <a14:hiddenLine xmlns:a14="http://schemas.microsoft.com/office/drawing/2010/main" xmlns="" w="9525">
                     <a:solidFill>
                       <a:srgbClr val="000000"/>
                     </a:solidFill>
@@ -11708,7 +11709,7 @@
               </a:ln>
               <a:extLst>
                 <a:ext uri="{91240B29-F687-4f45-9708-019B960494DF}">
-                  <a14:hiddenLine xmlns="" xmlns:a14="http://schemas.microsoft.com/office/drawing/2010/main" w="9525">
+                  <a14:hiddenLine xmlns:a14="http://schemas.microsoft.com/office/drawing/2010/main" xmlns="" w="9525">
                     <a:solidFill>
                       <a:srgbClr val="000000"/>
                     </a:solidFill>
@@ -11798,7 +11799,7 @@
               </a:ln>
               <a:extLst>
                 <a:ext uri="{91240B29-F687-4f45-9708-019B960494DF}">
-                  <a14:hiddenLine xmlns="" xmlns:a14="http://schemas.microsoft.com/office/drawing/2010/main" w="9525">
+                  <a14:hiddenLine xmlns:a14="http://schemas.microsoft.com/office/drawing/2010/main" xmlns="" w="9525">
                     <a:solidFill>
                       <a:srgbClr val="000000"/>
                     </a:solidFill>
@@ -11832,7 +11833,7 @@
               </a:ln>
               <a:extLst>
                 <a:ext uri="{91240B29-F687-4f45-9708-019B960494DF}">
-                  <a14:hiddenLine xmlns="" xmlns:a14="http://schemas.microsoft.com/office/drawing/2010/main" w="9525">
+                  <a14:hiddenLine xmlns:a14="http://schemas.microsoft.com/office/drawing/2010/main" xmlns="" w="9525">
                     <a:solidFill>
                       <a:srgbClr val="000000"/>
                     </a:solidFill>
@@ -11973,7 +11974,7 @@
             <a:fld id="{48A87A34-81AB-432B-8DAE-1953F412C126}" type="datetimeFigureOut">
               <a:rPr lang="en-US" dirty="0"/>
               <a:pPr/>
-              <a:t>2/7/2017</a:t>
+              <a:t>2/14/2017</a:t>
             </a:fld>
             <a:endParaRPr lang="en-US" dirty="0"/>
           </a:p>
@@ -14589,8 +14590,8 @@
           </a:p>
         </p:txBody>
       </p:sp>
-      <mc:AlternateContent xmlns:mc="http://schemas.openxmlformats.org/markup-compatibility/2006">
-        <mc:Choice xmlns:a14="http://schemas.microsoft.com/office/drawing/2010/main" Requires="a14">
+      <mc:AlternateContent xmlns:mc="http://schemas.openxmlformats.org/markup-compatibility/2006" xmlns:a14="http://schemas.microsoft.com/office/drawing/2010/main">
+        <mc:Choice Requires="a14">
           <p:sp>
             <p:nvSpPr>
               <p:cNvPr id="4" name="Content Placeholder 2"/>
@@ -14978,7 +14979,7 @@
             </p:txBody>
           </p:sp>
         </mc:Choice>
-        <mc:Fallback>
+        <mc:Fallback xmlns="">
           <p:sp>
             <p:nvSpPr>
               <p:cNvPr id="4" name="Content Placeholder 2"/>
@@ -17809,7 +17810,7 @@
               <a:rPr lang="en-US" dirty="0" smtClean="0">
                 <a:latin typeface="Consolas" panose="020B0609020204030204" pitchFamily="49" charset="0"/>
               </a:rPr>
-              <a:t>&gt; </a:t>
+              <a:t>&gt; auto</a:t>
             </a:r>
             <a:r>
               <a:rPr lang="ru-RU" dirty="0" smtClean="0">
@@ -21309,13 +21310,7 @@
               <a:rPr lang="en-US" dirty="0" smtClean="0">
                 <a:latin typeface="Consolas" panose="020B0609020204030204" pitchFamily="49" charset="0"/>
               </a:rPr>
-              <a:t> </a:t>
-            </a:r>
-            <a:r>
-              <a:rPr lang="en-US" dirty="0" smtClean="0">
-                <a:latin typeface="Consolas" panose="020B0609020204030204" pitchFamily="49" charset="0"/>
-              </a:rPr>
-              <a:t>ref</a:t>
+              <a:t> ref</a:t>
             </a:r>
             <a:endParaRPr lang="ru-RU" dirty="0">
               <a:latin typeface="Consolas" panose="020B0609020204030204" pitchFamily="49" charset="0"/>
@@ -21571,12 +21566,6 @@
               </a:rPr>
               <a:t>;</a:t>
             </a:r>
-            <a:r>
-              <a:rPr lang="en-US" dirty="0" smtClean="0">
-                <a:latin typeface="Consolas" panose="020B0609020204030204" pitchFamily="49" charset="0"/>
-              </a:rPr>
-              <a:t/>
-            </a:r>
             <a:br>
               <a:rPr lang="en-US" dirty="0" smtClean="0">
                 <a:latin typeface="Consolas" panose="020B0609020204030204" pitchFamily="49" charset="0"/>
@@ -21664,9 +21653,6 @@
               </a:rPr>
               <a:t>конструктор сгенерирован</a:t>
             </a:r>
-            <a:endParaRPr lang="ru-RU" dirty="0" smtClean="0">
-              <a:latin typeface="Consolas" panose="020B0609020204030204" pitchFamily="49" charset="0"/>
-            </a:endParaRPr>
           </a:p>
         </p:txBody>
       </p:sp>
@@ -21892,12 +21878,6 @@
               </a:rPr>
               <a:t>;</a:t>
             </a:r>
-            <a:r>
-              <a:rPr lang="en-US" dirty="0" smtClean="0">
-                <a:latin typeface="Consolas" panose="020B0609020204030204" pitchFamily="49" charset="0"/>
-              </a:rPr>
-              <a:t/>
-            </a:r>
             <a:br>
               <a:rPr lang="en-US" dirty="0" smtClean="0">
                 <a:latin typeface="Consolas" panose="020B0609020204030204" pitchFamily="49" charset="0"/>
@@ -22146,13 +22126,7 @@
               <a:rPr lang="en-US" dirty="0" smtClean="0">
                 <a:latin typeface="Consolas" panose="020B0609020204030204" pitchFamily="49" charset="0"/>
               </a:rPr>
-              <a:t> T&gt; Person (T &amp;&amp;</a:t>
-            </a:r>
-            <a:r>
-              <a:rPr lang="en-US" dirty="0" smtClean="0">
-                <a:latin typeface="Consolas" panose="020B0609020204030204" pitchFamily="49" charset="0"/>
-              </a:rPr>
-              <a:t>name) :</a:t>
+              <a:t> T&gt; Person (T &amp;&amp;name) :</a:t>
             </a:r>
             <a:br>
               <a:rPr lang="en-US" dirty="0" smtClean="0">
@@ -22175,7 +22149,7 @@
               <a:rPr lang="en-US" dirty="0" smtClean="0">
                 <a:latin typeface="Consolas" panose="020B0609020204030204" pitchFamily="49" charset="0"/>
               </a:rPr>
-              <a:t>::forward(name)) {}</a:t>
+              <a:t>::forward&lt;T&gt;(name)) {}</a:t>
             </a:r>
             <a:br>
               <a:rPr lang="en-US" dirty="0" smtClean="0">
@@ -22287,15 +22261,6 @@
               </a:rPr>
               <a:t>увы, теперь это не работает</a:t>
             </a:r>
-            <a:endParaRPr lang="ru-RU" dirty="0" smtClean="0">
-              <a:solidFill>
-                <a:schemeClr val="accent3">
-                  <a:lumMod val="60000"/>
-                  <a:lumOff val="40000"/>
-                </a:schemeClr>
-              </a:solidFill>
-              <a:latin typeface="Consolas" panose="020B0609020204030204" pitchFamily="49" charset="0"/>
-            </a:endParaRPr>
           </a:p>
           <a:p>
             <a:pPr marL="0" lvl="0" indent="0" algn="ctr">
@@ -22310,12 +22275,6 @@
               </a:rPr>
               <a:t>Но прошлый вариант ТОЖЕ плох. Что же делать?</a:t>
             </a:r>
-            <a:endParaRPr lang="ru-RU" dirty="0" smtClean="0">
-              <a:solidFill>
-                <a:srgbClr val="FFFF00"/>
-              </a:solidFill>
-              <a:latin typeface="Consolas" panose="020B0609020204030204" pitchFamily="49" charset="0"/>
-            </a:endParaRPr>
           </a:p>
         </p:txBody>
       </p:sp>
@@ -22445,13 +22404,7 @@
               <a:rPr lang="en-US" dirty="0" smtClean="0">
                 <a:latin typeface="Consolas" panose="020B0609020204030204" pitchFamily="49" charset="0"/>
               </a:rPr>
-              <a:t>Person (</a:t>
-            </a:r>
-            <a:r>
-              <a:rPr lang="en-US" dirty="0" smtClean="0">
-                <a:latin typeface="Consolas" panose="020B0609020204030204" pitchFamily="49" charset="0"/>
-              </a:rPr>
-              <a:t>string name) : name_(</a:t>
+              <a:t>Person (string name) : name_(</a:t>
             </a:r>
             <a:r>
               <a:rPr lang="en-US" dirty="0" err="1" smtClean="0">
@@ -22829,19 +22782,7 @@
               <a:rPr lang="ru-RU" dirty="0" smtClean="0">
                 <a:latin typeface="Consolas" panose="020B0609020204030204" pitchFamily="49" charset="0"/>
               </a:rPr>
-              <a:t> (и почему ее следует избегать) </a:t>
-            </a:r>
-            <a:r>
-              <a:rPr lang="ru-RU" dirty="0" smtClean="0">
-                <a:latin typeface="Consolas" panose="020B0609020204030204" pitchFamily="49" charset="0"/>
-              </a:rPr>
-              <a:t>более подробно описана </a:t>
-            </a:r>
-            <a:r>
-              <a:rPr lang="ru-RU" dirty="0" smtClean="0">
-                <a:latin typeface="Consolas" panose="020B0609020204030204" pitchFamily="49" charset="0"/>
-              </a:rPr>
-              <a:t>у Майерса</a:t>
+              <a:t> (и почему ее следует избегать) более подробно описана у Майерса</a:t>
             </a:r>
             <a:endParaRPr lang="en-US" dirty="0"/>
           </a:p>
@@ -25581,8 +25522,8 @@
               <a:t>cpp_code</a:t>
             </a:r>
             <a:r>
-              <a:rPr lang="en-US" dirty="0" smtClean="0"/>
-              <a:t>/lect2-01-talk</a:t>
+              <a:rPr lang="en-US" smtClean="0"/>
+              <a:t>/lect2-1-talk/</a:t>
             </a:r>
             <a:endParaRPr lang="ru-RU" dirty="0" smtClean="0"/>
           </a:p>
@@ -25602,6 +25543,183 @@
 </file>
 
 <file path=ppt/slides/slide46.xml><?xml version="1.0" encoding="utf-8"?>
+<p:sld xmlns:a="http://schemas.openxmlformats.org/drawingml/2006/main" xmlns:r="http://schemas.openxmlformats.org/officeDocument/2006/relationships" xmlns:p="http://schemas.openxmlformats.org/presentationml/2006/main">
+  <p:cSld>
+    <p:spTree>
+      <p:nvGrpSpPr>
+        <p:cNvPr id="1" name=""/>
+        <p:cNvGrpSpPr/>
+        <p:nvPr/>
+      </p:nvGrpSpPr>
+      <p:grpSpPr>
+        <a:xfrm>
+          <a:off x="0" y="0"/>
+          <a:ext cx="0" cy="0"/>
+          <a:chOff x="0" y="0"/>
+          <a:chExt cx="0" cy="0"/>
+        </a:xfrm>
+      </p:grpSpPr>
+      <p:sp>
+        <p:nvSpPr>
+          <p:cNvPr id="4" name="Title 3"/>
+          <p:cNvSpPr>
+            <a:spLocks noGrp="1"/>
+          </p:cNvSpPr>
+          <p:nvPr>
+            <p:ph type="title"/>
+          </p:nvPr>
+        </p:nvSpPr>
+        <p:spPr/>
+        <p:txBody>
+          <a:bodyPr>
+            <a:normAutofit/>
+          </a:bodyPr>
+          <a:lstStyle/>
+          <a:p>
+            <a:r>
+              <a:rPr lang="ru-RU" dirty="0" smtClean="0"/>
+              <a:t>демонстрация инстанцирования</a:t>
+            </a:r>
+            <a:endParaRPr lang="en-US" dirty="0"/>
+          </a:p>
+        </p:txBody>
+      </p:sp>
+      <p:sp>
+        <p:nvSpPr>
+          <p:cNvPr id="2" name="Content Placeholder 1"/>
+          <p:cNvSpPr>
+            <a:spLocks noGrp="1"/>
+          </p:cNvSpPr>
+          <p:nvPr>
+            <p:ph idx="1"/>
+          </p:nvPr>
+        </p:nvSpPr>
+        <p:spPr/>
+        <p:txBody>
+          <a:bodyPr/>
+          <a:lstStyle/>
+          <a:p>
+            <a:pPr marL="0" indent="0">
+              <a:buNone/>
+            </a:pPr>
+            <a:r>
+              <a:rPr lang="ru-RU" dirty="0" smtClean="0"/>
+              <a:t>Основная идея в том, что инстанцирование можно как явно запретить:</a:t>
+            </a:r>
+          </a:p>
+          <a:p>
+            <a:pPr marL="0" indent="0">
+              <a:buNone/>
+            </a:pPr>
+            <a:r>
+              <a:rPr lang="en-US" dirty="0"/>
+              <a:t>extern template </a:t>
+            </a:r>
+            <a:r>
+              <a:rPr lang="en-US" dirty="0" err="1"/>
+              <a:t>int</a:t>
+            </a:r>
+            <a:r>
+              <a:rPr lang="en-US" dirty="0"/>
+              <a:t> max&lt;</a:t>
+            </a:r>
+            <a:r>
+              <a:rPr lang="en-US" dirty="0" err="1"/>
+              <a:t>int</a:t>
+            </a:r>
+            <a:r>
+              <a:rPr lang="en-US" dirty="0"/>
+              <a:t>&gt; (</a:t>
+            </a:r>
+            <a:r>
+              <a:rPr lang="en-US" dirty="0" err="1"/>
+              <a:t>int</a:t>
+            </a:r>
+            <a:r>
+              <a:rPr lang="en-US" dirty="0"/>
+              <a:t>, </a:t>
+            </a:r>
+            <a:r>
+              <a:rPr lang="en-US" dirty="0" err="1"/>
+              <a:t>int</a:t>
+            </a:r>
+            <a:r>
+              <a:rPr lang="en-US" dirty="0" smtClean="0"/>
+              <a:t>);</a:t>
+            </a:r>
+            <a:endParaRPr lang="ru-RU" dirty="0" smtClean="0"/>
+          </a:p>
+          <a:p>
+            <a:pPr marL="0" indent="0">
+              <a:buNone/>
+            </a:pPr>
+            <a:r>
+              <a:rPr lang="ru-RU" dirty="0" smtClean="0"/>
+              <a:t>так и явно задать:</a:t>
+            </a:r>
+          </a:p>
+          <a:p>
+            <a:pPr marL="0" indent="0">
+              <a:buNone/>
+            </a:pPr>
+            <a:r>
+              <a:rPr lang="fr-FR" dirty="0" err="1"/>
+              <a:t>template</a:t>
+            </a:r>
+            <a:r>
+              <a:rPr lang="fr-FR" dirty="0"/>
+              <a:t> </a:t>
+            </a:r>
+            <a:r>
+              <a:rPr lang="fr-FR" dirty="0" err="1"/>
+              <a:t>int</a:t>
+            </a:r>
+            <a:r>
+              <a:rPr lang="fr-FR" dirty="0"/>
+              <a:t> max&lt;</a:t>
+            </a:r>
+            <a:r>
+              <a:rPr lang="fr-FR" dirty="0" err="1"/>
+              <a:t>int</a:t>
+            </a:r>
+            <a:r>
+              <a:rPr lang="fr-FR" dirty="0"/>
+              <a:t>&gt;(</a:t>
+            </a:r>
+            <a:r>
+              <a:rPr lang="fr-FR" dirty="0" err="1"/>
+              <a:t>int</a:t>
+            </a:r>
+            <a:r>
+              <a:rPr lang="fr-FR" dirty="0"/>
+              <a:t>, </a:t>
+            </a:r>
+            <a:r>
+              <a:rPr lang="fr-FR" dirty="0" err="1"/>
+              <a:t>int</a:t>
+            </a:r>
+            <a:r>
+              <a:rPr lang="fr-FR" dirty="0"/>
+              <a:t>);</a:t>
+            </a:r>
+            <a:endParaRPr lang="en-US" dirty="0"/>
+          </a:p>
+        </p:txBody>
+      </p:sp>
+    </p:spTree>
+    <p:extLst>
+      <p:ext uri="{BB962C8B-B14F-4D97-AF65-F5344CB8AC3E}">
+        <p14:creationId xmlns:p14="http://schemas.microsoft.com/office/powerpoint/2010/main" val="3421192955"/>
+      </p:ext>
+    </p:extLst>
+  </p:cSld>
+  <p:clrMapOvr>
+    <a:masterClrMapping/>
+  </p:clrMapOvr>
+</p:sld>
+</file>
+
+<file path=ppt/slides/slide47.xml><?xml version="1.0" encoding="utf-8"?>
 <p:sld xmlns:a="http://schemas.openxmlformats.org/drawingml/2006/main" xmlns:r="http://schemas.openxmlformats.org/officeDocument/2006/relationships" xmlns:p="http://schemas.openxmlformats.org/presentationml/2006/main">
   <p:cSld>
     <p:spTree>

--- a/slides/lec2-1-function-templates.pptx
+++ b/slides/lec2-1-function-templates.pptx
@@ -215,7 +215,7 @@
           <a:noFill/>
           <a:extLst>
             <a:ext uri="{909E8E84-426E-40dd-AFC4-6F175D3DCCD1}">
-              <a14:hiddenFill xmlns:a14="http://schemas.microsoft.com/office/drawing/2010/main" xmlns="">
+              <a14:hiddenFill xmlns="" xmlns:a14="http://schemas.microsoft.com/office/drawing/2010/main">
                 <a:solidFill>
                   <a:srgbClr val="FFFFFF"/>
                 </a:solidFill>
@@ -274,7 +274,7 @@
             </a:ln>
             <a:extLst>
               <a:ext uri="{91240B29-F687-4f45-9708-019B960494DF}">
-                <a14:hiddenLine xmlns:a14="http://schemas.microsoft.com/office/drawing/2010/main" xmlns="" w="9525">
+                <a14:hiddenLine xmlns="" xmlns:a14="http://schemas.microsoft.com/office/drawing/2010/main" w="9525">
                   <a:solidFill>
                     <a:srgbClr val="000000"/>
                   </a:solidFill>
@@ -364,7 +364,7 @@
             </a:ln>
             <a:extLst>
               <a:ext uri="{91240B29-F687-4f45-9708-019B960494DF}">
-                <a14:hiddenLine xmlns:a14="http://schemas.microsoft.com/office/drawing/2010/main" xmlns="" w="9525">
+                <a14:hiddenLine xmlns="" xmlns:a14="http://schemas.microsoft.com/office/drawing/2010/main" w="9525">
                   <a:solidFill>
                     <a:srgbClr val="000000"/>
                   </a:solidFill>
@@ -454,7 +454,7 @@
             </a:ln>
             <a:extLst>
               <a:ext uri="{91240B29-F687-4f45-9708-019B960494DF}">
-                <a14:hiddenLine xmlns:a14="http://schemas.microsoft.com/office/drawing/2010/main" xmlns="" w="9525">
+                <a14:hiddenLine xmlns="" xmlns:a14="http://schemas.microsoft.com/office/drawing/2010/main" w="9525">
                   <a:solidFill>
                     <a:srgbClr val="000000"/>
                   </a:solidFill>
@@ -488,7 +488,7 @@
             </a:ln>
             <a:extLst>
               <a:ext uri="{91240B29-F687-4f45-9708-019B960494DF}">
-                <a14:hiddenLine xmlns:a14="http://schemas.microsoft.com/office/drawing/2010/main" xmlns="" w="9525">
+                <a14:hiddenLine xmlns="" xmlns:a14="http://schemas.microsoft.com/office/drawing/2010/main" w="9525">
                   <a:solidFill>
                     <a:srgbClr val="000000"/>
                   </a:solidFill>
@@ -578,7 +578,7 @@
             </a:ln>
             <a:extLst>
               <a:ext uri="{91240B29-F687-4f45-9708-019B960494DF}">
-                <a14:hiddenLine xmlns:a14="http://schemas.microsoft.com/office/drawing/2010/main" xmlns="" w="9525">
+                <a14:hiddenLine xmlns="" xmlns:a14="http://schemas.microsoft.com/office/drawing/2010/main" w="9525">
                   <a:solidFill>
                     <a:srgbClr val="000000"/>
                   </a:solidFill>
@@ -640,7 +640,7 @@
             </a:ln>
             <a:extLst>
               <a:ext uri="{91240B29-F687-4f45-9708-019B960494DF}">
-                <a14:hiddenLine xmlns:a14="http://schemas.microsoft.com/office/drawing/2010/main" xmlns="" w="9525">
+                <a14:hiddenLine xmlns="" xmlns:a14="http://schemas.microsoft.com/office/drawing/2010/main" w="9525">
                   <a:solidFill>
                     <a:srgbClr val="000000"/>
                   </a:solidFill>
@@ -702,7 +702,7 @@
             </a:ln>
             <a:extLst>
               <a:ext uri="{91240B29-F687-4f45-9708-019B960494DF}">
-                <a14:hiddenLine xmlns:a14="http://schemas.microsoft.com/office/drawing/2010/main" xmlns="" w="9525">
+                <a14:hiddenLine xmlns="" xmlns:a14="http://schemas.microsoft.com/office/drawing/2010/main" w="9525">
                   <a:solidFill>
                     <a:srgbClr val="000000"/>
                   </a:solidFill>
@@ -792,7 +792,7 @@
             </a:ln>
             <a:extLst>
               <a:ext uri="{91240B29-F687-4f45-9708-019B960494DF}">
-                <a14:hiddenLine xmlns:a14="http://schemas.microsoft.com/office/drawing/2010/main" xmlns="" w="9525">
+                <a14:hiddenLine xmlns="" xmlns:a14="http://schemas.microsoft.com/office/drawing/2010/main" w="9525">
                   <a:solidFill>
                     <a:srgbClr val="000000"/>
                   </a:solidFill>
@@ -854,7 +854,7 @@
             </a:ln>
             <a:extLst>
               <a:ext uri="{91240B29-F687-4f45-9708-019B960494DF}">
-                <a14:hiddenLine xmlns:a14="http://schemas.microsoft.com/office/drawing/2010/main" xmlns="" w="9525">
+                <a14:hiddenLine xmlns="" xmlns:a14="http://schemas.microsoft.com/office/drawing/2010/main" w="9525">
                   <a:solidFill>
                     <a:srgbClr val="000000"/>
                   </a:solidFill>
@@ -916,7 +916,7 @@
             </a:ln>
             <a:extLst>
               <a:ext uri="{91240B29-F687-4f45-9708-019B960494DF}">
-                <a14:hiddenLine xmlns:a14="http://schemas.microsoft.com/office/drawing/2010/main" xmlns="" w="9525">
+                <a14:hiddenLine xmlns="" xmlns:a14="http://schemas.microsoft.com/office/drawing/2010/main" w="9525">
                   <a:solidFill>
                     <a:srgbClr val="000000"/>
                   </a:solidFill>
@@ -1006,7 +1006,7 @@
             </a:ln>
             <a:extLst>
               <a:ext uri="{91240B29-F687-4f45-9708-019B960494DF}">
-                <a14:hiddenLine xmlns:a14="http://schemas.microsoft.com/office/drawing/2010/main" xmlns="" w="9525">
+                <a14:hiddenLine xmlns="" xmlns:a14="http://schemas.microsoft.com/office/drawing/2010/main" w="9525">
                   <a:solidFill>
                     <a:srgbClr val="000000"/>
                   </a:solidFill>
@@ -1096,7 +1096,7 @@
             </a:ln>
             <a:extLst>
               <a:ext uri="{91240B29-F687-4f45-9708-019B960494DF}">
-                <a14:hiddenLine xmlns:a14="http://schemas.microsoft.com/office/drawing/2010/main" xmlns="" w="9525">
+                <a14:hiddenLine xmlns="" xmlns:a14="http://schemas.microsoft.com/office/drawing/2010/main" w="9525">
                   <a:solidFill>
                     <a:srgbClr val="000000"/>
                   </a:solidFill>
@@ -1158,7 +1158,7 @@
             </a:ln>
             <a:extLst>
               <a:ext uri="{91240B29-F687-4f45-9708-019B960494DF}">
-                <a14:hiddenLine xmlns:a14="http://schemas.microsoft.com/office/drawing/2010/main" xmlns="" w="9525">
+                <a14:hiddenLine xmlns="" xmlns:a14="http://schemas.microsoft.com/office/drawing/2010/main" w="9525">
                   <a:solidFill>
                     <a:srgbClr val="000000"/>
                   </a:solidFill>
@@ -1268,7 +1268,7 @@
             </a:ln>
             <a:extLst>
               <a:ext uri="{91240B29-F687-4f45-9708-019B960494DF}">
-                <a14:hiddenLine xmlns:a14="http://schemas.microsoft.com/office/drawing/2010/main" xmlns="" w="9525">
+                <a14:hiddenLine xmlns="" xmlns:a14="http://schemas.microsoft.com/office/drawing/2010/main" w="9525">
                   <a:solidFill>
                     <a:srgbClr val="000000"/>
                   </a:solidFill>
@@ -1330,7 +1330,7 @@
             </a:ln>
             <a:extLst>
               <a:ext uri="{91240B29-F687-4f45-9708-019B960494DF}">
-                <a14:hiddenLine xmlns:a14="http://schemas.microsoft.com/office/drawing/2010/main" xmlns="" w="9525">
+                <a14:hiddenLine xmlns="" xmlns:a14="http://schemas.microsoft.com/office/drawing/2010/main" w="9525">
                   <a:solidFill>
                     <a:srgbClr val="000000"/>
                   </a:solidFill>
@@ -1420,7 +1420,7 @@
             </a:ln>
             <a:extLst>
               <a:ext uri="{91240B29-F687-4f45-9708-019B960494DF}">
-                <a14:hiddenLine xmlns:a14="http://schemas.microsoft.com/office/drawing/2010/main" xmlns="" w="9525">
+                <a14:hiddenLine xmlns="" xmlns:a14="http://schemas.microsoft.com/office/drawing/2010/main" w="9525">
                   <a:solidFill>
                     <a:srgbClr val="000000"/>
                   </a:solidFill>
@@ -1510,7 +1510,7 @@
             </a:ln>
             <a:extLst>
               <a:ext uri="{91240B29-F687-4f45-9708-019B960494DF}">
-                <a14:hiddenLine xmlns:a14="http://schemas.microsoft.com/office/drawing/2010/main" xmlns="" w="9525">
+                <a14:hiddenLine xmlns="" xmlns:a14="http://schemas.microsoft.com/office/drawing/2010/main" w="9525">
                   <a:solidFill>
                     <a:srgbClr val="000000"/>
                   </a:solidFill>
@@ -1572,7 +1572,7 @@
             </a:ln>
             <a:extLst>
               <a:ext uri="{91240B29-F687-4f45-9708-019B960494DF}">
-                <a14:hiddenLine xmlns:a14="http://schemas.microsoft.com/office/drawing/2010/main" xmlns="" w="9525">
+                <a14:hiddenLine xmlns="" xmlns:a14="http://schemas.microsoft.com/office/drawing/2010/main" w="9525">
                   <a:solidFill>
                     <a:srgbClr val="000000"/>
                   </a:solidFill>
@@ -1662,7 +1662,7 @@
             </a:ln>
             <a:extLst>
               <a:ext uri="{91240B29-F687-4f45-9708-019B960494DF}">
-                <a14:hiddenLine xmlns:a14="http://schemas.microsoft.com/office/drawing/2010/main" xmlns="" w="9525">
+                <a14:hiddenLine xmlns="" xmlns:a14="http://schemas.microsoft.com/office/drawing/2010/main" w="9525">
                   <a:solidFill>
                     <a:srgbClr val="000000"/>
                   </a:solidFill>
@@ -1752,7 +1752,7 @@
             </a:ln>
             <a:extLst>
               <a:ext uri="{91240B29-F687-4f45-9708-019B960494DF}">
-                <a14:hiddenLine xmlns:a14="http://schemas.microsoft.com/office/drawing/2010/main" xmlns="" w="9525">
+                <a14:hiddenLine xmlns="" xmlns:a14="http://schemas.microsoft.com/office/drawing/2010/main" w="9525">
                   <a:solidFill>
                     <a:srgbClr val="000000"/>
                   </a:solidFill>
@@ -1808,7 +1808,7 @@
             </a:ln>
             <a:extLst>
               <a:ext uri="{91240B29-F687-4f45-9708-019B960494DF}">
-                <a14:hiddenLine xmlns:a14="http://schemas.microsoft.com/office/drawing/2010/main" xmlns="" w="9525">
+                <a14:hiddenLine xmlns="" xmlns:a14="http://schemas.microsoft.com/office/drawing/2010/main" w="9525">
                   <a:solidFill>
                     <a:srgbClr val="000000"/>
                   </a:solidFill>
@@ -1898,7 +1898,7 @@
             </a:ln>
             <a:extLst>
               <a:ext uri="{91240B29-F687-4f45-9708-019B960494DF}">
-                <a14:hiddenLine xmlns:a14="http://schemas.microsoft.com/office/drawing/2010/main" xmlns="" w="9525">
+                <a14:hiddenLine xmlns="" xmlns:a14="http://schemas.microsoft.com/office/drawing/2010/main" w="9525">
                   <a:solidFill>
                     <a:srgbClr val="000000"/>
                   </a:solidFill>
@@ -1954,7 +1954,7 @@
             </a:ln>
             <a:extLst>
               <a:ext uri="{91240B29-F687-4f45-9708-019B960494DF}">
-                <a14:hiddenLine xmlns:a14="http://schemas.microsoft.com/office/drawing/2010/main" xmlns="" w="9525">
+                <a14:hiddenLine xmlns="" xmlns:a14="http://schemas.microsoft.com/office/drawing/2010/main" w="9525">
                   <a:solidFill>
                     <a:srgbClr val="000000"/>
                   </a:solidFill>
@@ -2044,7 +2044,7 @@
             </a:ln>
             <a:extLst>
               <a:ext uri="{91240B29-F687-4f45-9708-019B960494DF}">
-                <a14:hiddenLine xmlns:a14="http://schemas.microsoft.com/office/drawing/2010/main" xmlns="" w="9525">
+                <a14:hiddenLine xmlns="" xmlns:a14="http://schemas.microsoft.com/office/drawing/2010/main" w="9525">
                   <a:solidFill>
                     <a:srgbClr val="000000"/>
                   </a:solidFill>
@@ -2112,7 +2112,7 @@
             </a:ln>
             <a:extLst>
               <a:ext uri="{91240B29-F687-4f45-9708-019B960494DF}">
-                <a14:hiddenLine xmlns:a14="http://schemas.microsoft.com/office/drawing/2010/main" xmlns="" w="9525">
+                <a14:hiddenLine xmlns="" xmlns:a14="http://schemas.microsoft.com/office/drawing/2010/main" w="9525">
                   <a:solidFill>
                     <a:srgbClr val="000000"/>
                   </a:solidFill>
@@ -2202,7 +2202,7 @@
             </a:ln>
             <a:extLst>
               <a:ext uri="{91240B29-F687-4f45-9708-019B960494DF}">
-                <a14:hiddenLine xmlns:a14="http://schemas.microsoft.com/office/drawing/2010/main" xmlns="" w="9525">
+                <a14:hiddenLine xmlns="" xmlns:a14="http://schemas.microsoft.com/office/drawing/2010/main" w="9525">
                   <a:solidFill>
                     <a:srgbClr val="000000"/>
                   </a:solidFill>
@@ -2270,7 +2270,7 @@
             </a:ln>
             <a:extLst>
               <a:ext uri="{91240B29-F687-4f45-9708-019B960494DF}">
-                <a14:hiddenLine xmlns:a14="http://schemas.microsoft.com/office/drawing/2010/main" xmlns="" w="9525">
+                <a14:hiddenLine xmlns="" xmlns:a14="http://schemas.microsoft.com/office/drawing/2010/main" w="9525">
                   <a:solidFill>
                     <a:srgbClr val="000000"/>
                   </a:solidFill>
@@ -2360,7 +2360,7 @@
             </a:ln>
             <a:extLst>
               <a:ext uri="{91240B29-F687-4f45-9708-019B960494DF}">
-                <a14:hiddenLine xmlns:a14="http://schemas.microsoft.com/office/drawing/2010/main" xmlns="" w="9525">
+                <a14:hiddenLine xmlns="" xmlns:a14="http://schemas.microsoft.com/office/drawing/2010/main" w="9525">
                   <a:solidFill>
                     <a:srgbClr val="000000"/>
                   </a:solidFill>
@@ -2394,7 +2394,7 @@
             </a:ln>
             <a:extLst>
               <a:ext uri="{91240B29-F687-4f45-9708-019B960494DF}">
-                <a14:hiddenLine xmlns:a14="http://schemas.microsoft.com/office/drawing/2010/main" xmlns="" w="9525">
+                <a14:hiddenLine xmlns="" xmlns:a14="http://schemas.microsoft.com/office/drawing/2010/main" w="9525">
                   <a:solidFill>
                     <a:srgbClr val="000000"/>
                   </a:solidFill>
@@ -2484,7 +2484,7 @@
             </a:ln>
             <a:extLst>
               <a:ext uri="{91240B29-F687-4f45-9708-019B960494DF}">
-                <a14:hiddenLine xmlns:a14="http://schemas.microsoft.com/office/drawing/2010/main" xmlns="" w="9525">
+                <a14:hiddenLine xmlns="" xmlns:a14="http://schemas.microsoft.com/office/drawing/2010/main" w="9525">
                   <a:solidFill>
                     <a:srgbClr val="000000"/>
                   </a:solidFill>
@@ -2546,7 +2546,7 @@
             </a:ln>
             <a:extLst>
               <a:ext uri="{91240B29-F687-4f45-9708-019B960494DF}">
-                <a14:hiddenLine xmlns:a14="http://schemas.microsoft.com/office/drawing/2010/main" xmlns="" w="9525">
+                <a14:hiddenLine xmlns="" xmlns:a14="http://schemas.microsoft.com/office/drawing/2010/main" w="9525">
                   <a:solidFill>
                     <a:srgbClr val="000000"/>
                   </a:solidFill>
@@ -2608,7 +2608,7 @@
             </a:ln>
             <a:extLst>
               <a:ext uri="{91240B29-F687-4f45-9708-019B960494DF}">
-                <a14:hiddenLine xmlns:a14="http://schemas.microsoft.com/office/drawing/2010/main" xmlns="" w="9525">
+                <a14:hiddenLine xmlns="" xmlns:a14="http://schemas.microsoft.com/office/drawing/2010/main" w="9525">
                   <a:solidFill>
                     <a:srgbClr val="000000"/>
                   </a:solidFill>
@@ -2698,7 +2698,7 @@
             </a:ln>
             <a:extLst>
               <a:ext uri="{91240B29-F687-4f45-9708-019B960494DF}">
-                <a14:hiddenLine xmlns:a14="http://schemas.microsoft.com/office/drawing/2010/main" xmlns="" w="9525">
+                <a14:hiddenLine xmlns="" xmlns:a14="http://schemas.microsoft.com/office/drawing/2010/main" w="9525">
                   <a:solidFill>
                     <a:srgbClr val="000000"/>
                   </a:solidFill>
@@ -2766,7 +2766,7 @@
             </a:ln>
             <a:extLst>
               <a:ext uri="{91240B29-F687-4f45-9708-019B960494DF}">
-                <a14:hiddenLine xmlns:a14="http://schemas.microsoft.com/office/drawing/2010/main" xmlns="" w="9525">
+                <a14:hiddenLine xmlns="" xmlns:a14="http://schemas.microsoft.com/office/drawing/2010/main" w="9525">
                   <a:solidFill>
                     <a:srgbClr val="000000"/>
                   </a:solidFill>
@@ -2828,7 +2828,7 @@
             </a:ln>
             <a:extLst>
               <a:ext uri="{91240B29-F687-4f45-9708-019B960494DF}">
-                <a14:hiddenLine xmlns:a14="http://schemas.microsoft.com/office/drawing/2010/main" xmlns="" w="9525">
+                <a14:hiddenLine xmlns="" xmlns:a14="http://schemas.microsoft.com/office/drawing/2010/main" w="9525">
                   <a:solidFill>
                     <a:srgbClr val="000000"/>
                   </a:solidFill>
@@ -2918,7 +2918,7 @@
             </a:ln>
             <a:extLst>
               <a:ext uri="{91240B29-F687-4f45-9708-019B960494DF}">
-                <a14:hiddenLine xmlns:a14="http://schemas.microsoft.com/office/drawing/2010/main" xmlns="" w="9525">
+                <a14:hiddenLine xmlns="" xmlns:a14="http://schemas.microsoft.com/office/drawing/2010/main" w="9525">
                   <a:solidFill>
                     <a:srgbClr val="000000"/>
                   </a:solidFill>
@@ -2980,7 +2980,7 @@
             </a:ln>
             <a:extLst>
               <a:ext uri="{91240B29-F687-4f45-9708-019B960494DF}">
-                <a14:hiddenLine xmlns:a14="http://schemas.microsoft.com/office/drawing/2010/main" xmlns="" w="9525">
+                <a14:hiddenLine xmlns="" xmlns:a14="http://schemas.microsoft.com/office/drawing/2010/main" w="9525">
                   <a:solidFill>
                     <a:srgbClr val="000000"/>
                   </a:solidFill>
@@ -3070,7 +3070,7 @@
             </a:ln>
             <a:extLst>
               <a:ext uri="{91240B29-F687-4f45-9708-019B960494DF}">
-                <a14:hiddenLine xmlns:a14="http://schemas.microsoft.com/office/drawing/2010/main" xmlns="" w="9525">
+                <a14:hiddenLine xmlns="" xmlns:a14="http://schemas.microsoft.com/office/drawing/2010/main" w="9525">
                   <a:solidFill>
                     <a:srgbClr val="000000"/>
                   </a:solidFill>
@@ -3132,7 +3132,7 @@
             </a:ln>
             <a:extLst>
               <a:ext uri="{91240B29-F687-4f45-9708-019B960494DF}">
-                <a14:hiddenLine xmlns:a14="http://schemas.microsoft.com/office/drawing/2010/main" xmlns="" w="9525">
+                <a14:hiddenLine xmlns="" xmlns:a14="http://schemas.microsoft.com/office/drawing/2010/main" w="9525">
                   <a:solidFill>
                     <a:srgbClr val="000000"/>
                   </a:solidFill>
@@ -3222,7 +3222,7 @@
             </a:ln>
             <a:extLst>
               <a:ext uri="{91240B29-F687-4f45-9708-019B960494DF}">
-                <a14:hiddenLine xmlns:a14="http://schemas.microsoft.com/office/drawing/2010/main" xmlns="" w="9525">
+                <a14:hiddenLine xmlns="" xmlns:a14="http://schemas.microsoft.com/office/drawing/2010/main" w="9525">
                   <a:solidFill>
                     <a:srgbClr val="000000"/>
                   </a:solidFill>
@@ -3256,7 +3256,7 @@
             </a:ln>
             <a:extLst>
               <a:ext uri="{91240B29-F687-4f45-9708-019B960494DF}">
-                <a14:hiddenLine xmlns:a14="http://schemas.microsoft.com/office/drawing/2010/main" xmlns="" w="9525">
+                <a14:hiddenLine xmlns="" xmlns:a14="http://schemas.microsoft.com/office/drawing/2010/main" w="9525">
                   <a:solidFill>
                     <a:srgbClr val="000000"/>
                   </a:solidFill>
@@ -3321,7 +3321,7 @@
             </a:ln>
             <a:extLst>
               <a:ext uri="{91240B29-F687-4f45-9708-019B960494DF}">
-                <a14:hiddenLine xmlns:a14="http://schemas.microsoft.com/office/drawing/2010/main" xmlns="" w="9525">
+                <a14:hiddenLine xmlns="" xmlns:a14="http://schemas.microsoft.com/office/drawing/2010/main" w="9525">
                   <a:solidFill>
                     <a:srgbClr val="000000"/>
                   </a:solidFill>
@@ -3411,7 +3411,7 @@
             </a:ln>
             <a:extLst>
               <a:ext uri="{91240B29-F687-4f45-9708-019B960494DF}">
-                <a14:hiddenLine xmlns:a14="http://schemas.microsoft.com/office/drawing/2010/main" xmlns="" w="9525">
+                <a14:hiddenLine xmlns="" xmlns:a14="http://schemas.microsoft.com/office/drawing/2010/main" w="9525">
                   <a:solidFill>
                     <a:srgbClr val="000000"/>
                   </a:solidFill>
@@ -3473,7 +3473,7 @@
             </a:ln>
             <a:extLst>
               <a:ext uri="{91240B29-F687-4f45-9708-019B960494DF}">
-                <a14:hiddenLine xmlns:a14="http://schemas.microsoft.com/office/drawing/2010/main" xmlns="" w="9525">
+                <a14:hiddenLine xmlns="" xmlns:a14="http://schemas.microsoft.com/office/drawing/2010/main" w="9525">
                   <a:solidFill>
                     <a:srgbClr val="000000"/>
                   </a:solidFill>
@@ -3563,7 +3563,7 @@
             </a:ln>
             <a:extLst>
               <a:ext uri="{91240B29-F687-4f45-9708-019B960494DF}">
-                <a14:hiddenLine xmlns:a14="http://schemas.microsoft.com/office/drawing/2010/main" xmlns="" w="9525">
+                <a14:hiddenLine xmlns="" xmlns:a14="http://schemas.microsoft.com/office/drawing/2010/main" w="9525">
                   <a:solidFill>
                     <a:srgbClr val="000000"/>
                   </a:solidFill>
@@ -3653,7 +3653,7 @@
             </a:ln>
             <a:extLst>
               <a:ext uri="{91240B29-F687-4f45-9708-019B960494DF}">
-                <a14:hiddenLine xmlns:a14="http://schemas.microsoft.com/office/drawing/2010/main" xmlns="" w="9525">
+                <a14:hiddenLine xmlns="" xmlns:a14="http://schemas.microsoft.com/office/drawing/2010/main" w="9525">
                   <a:solidFill>
                     <a:srgbClr val="000000"/>
                   </a:solidFill>
@@ -3718,7 +3718,7 @@
             </a:ln>
             <a:extLst>
               <a:ext uri="{91240B29-F687-4f45-9708-019B960494DF}">
-                <a14:hiddenLine xmlns:a14="http://schemas.microsoft.com/office/drawing/2010/main" xmlns="" w="9525">
+                <a14:hiddenLine xmlns="" xmlns:a14="http://schemas.microsoft.com/office/drawing/2010/main" w="9525">
                   <a:solidFill>
                     <a:srgbClr val="000000"/>
                   </a:solidFill>
@@ -3780,7 +3780,7 @@
             </a:ln>
             <a:extLst>
               <a:ext uri="{91240B29-F687-4f45-9708-019B960494DF}">
-                <a14:hiddenLine xmlns:a14="http://schemas.microsoft.com/office/drawing/2010/main" xmlns="" w="9525">
+                <a14:hiddenLine xmlns="" xmlns:a14="http://schemas.microsoft.com/office/drawing/2010/main" w="9525">
                   <a:solidFill>
                     <a:srgbClr val="000000"/>
                   </a:solidFill>
@@ -3870,7 +3870,7 @@
             </a:ln>
             <a:extLst>
               <a:ext uri="{91240B29-F687-4f45-9708-019B960494DF}">
-                <a14:hiddenLine xmlns:a14="http://schemas.microsoft.com/office/drawing/2010/main" xmlns="" w="9525">
+                <a14:hiddenLine xmlns="" xmlns:a14="http://schemas.microsoft.com/office/drawing/2010/main" w="9525">
                   <a:solidFill>
                     <a:srgbClr val="000000"/>
                   </a:solidFill>
@@ -3960,7 +3960,7 @@
             </a:ln>
             <a:extLst>
               <a:ext uri="{91240B29-F687-4f45-9708-019B960494DF}">
-                <a14:hiddenLine xmlns:a14="http://schemas.microsoft.com/office/drawing/2010/main" xmlns="" w="9525">
+                <a14:hiddenLine xmlns="" xmlns:a14="http://schemas.microsoft.com/office/drawing/2010/main" w="9525">
                   <a:solidFill>
                     <a:srgbClr val="000000"/>
                   </a:solidFill>
@@ -4022,7 +4022,7 @@
             </a:ln>
             <a:extLst>
               <a:ext uri="{91240B29-F687-4f45-9708-019B960494DF}">
-                <a14:hiddenLine xmlns:a14="http://schemas.microsoft.com/office/drawing/2010/main" xmlns="" w="9525">
+                <a14:hiddenLine xmlns="" xmlns:a14="http://schemas.microsoft.com/office/drawing/2010/main" w="9525">
                   <a:solidFill>
                     <a:srgbClr val="000000"/>
                   </a:solidFill>
@@ -4142,7 +4142,7 @@
             </a:ln>
             <a:extLst>
               <a:ext uri="{91240B29-F687-4f45-9708-019B960494DF}">
-                <a14:hiddenLine xmlns:a14="http://schemas.microsoft.com/office/drawing/2010/main" xmlns="" w="9525">
+                <a14:hiddenLine xmlns="" xmlns:a14="http://schemas.microsoft.com/office/drawing/2010/main" w="9525">
                   <a:solidFill>
                     <a:srgbClr val="000000"/>
                   </a:solidFill>
@@ -4210,7 +4210,7 @@
             </a:ln>
             <a:extLst>
               <a:ext uri="{91240B29-F687-4f45-9708-019B960494DF}">
-                <a14:hiddenLine xmlns:a14="http://schemas.microsoft.com/office/drawing/2010/main" xmlns="" w="9525">
+                <a14:hiddenLine xmlns="" xmlns:a14="http://schemas.microsoft.com/office/drawing/2010/main" w="9525">
                   <a:solidFill>
                     <a:srgbClr val="000000"/>
                   </a:solidFill>
@@ -4300,7 +4300,7 @@
             </a:ln>
             <a:extLst>
               <a:ext uri="{91240B29-F687-4f45-9708-019B960494DF}">
-                <a14:hiddenLine xmlns:a14="http://schemas.microsoft.com/office/drawing/2010/main" xmlns="" w="9525">
+                <a14:hiddenLine xmlns="" xmlns:a14="http://schemas.microsoft.com/office/drawing/2010/main" w="9525">
                   <a:solidFill>
                     <a:srgbClr val="000000"/>
                   </a:solidFill>
@@ -4440,7 +4440,7 @@
           <a:p>
             <a:fld id="{48A87A34-81AB-432B-8DAE-1953F412C126}" type="datetimeFigureOut">
               <a:rPr lang="en-US" dirty="0"/>
-              <a:t>2/14/2017</a:t>
+              <a:t>4/10/2017</a:t>
             </a:fld>
             <a:endParaRPr lang="en-US" dirty="0"/>
           </a:p>
@@ -4702,7 +4702,7 @@
           <a:p>
             <a:fld id="{48A87A34-81AB-432B-8DAE-1953F412C126}" type="datetimeFigureOut">
               <a:rPr lang="en-US" dirty="0"/>
-              <a:t>2/14/2017</a:t>
+              <a:t>4/10/2017</a:t>
             </a:fld>
             <a:endParaRPr lang="en-US" dirty="0"/>
           </a:p>
@@ -4893,7 +4893,7 @@
           <a:p>
             <a:fld id="{48A87A34-81AB-432B-8DAE-1953F412C126}" type="datetimeFigureOut">
               <a:rPr lang="en-US" dirty="0"/>
-              <a:t>2/14/2017</a:t>
+              <a:t>4/10/2017</a:t>
             </a:fld>
             <a:endParaRPr lang="en-US" dirty="0"/>
           </a:p>
@@ -5151,7 +5151,7 @@
           <a:p>
             <a:fld id="{48A87A34-81AB-432B-8DAE-1953F412C126}" type="datetimeFigureOut">
               <a:rPr lang="en-US" dirty="0"/>
-              <a:t>2/14/2017</a:t>
+              <a:t>4/10/2017</a:t>
             </a:fld>
             <a:endParaRPr lang="en-US" dirty="0"/>
           </a:p>
@@ -5580,7 +5580,7 @@
           <a:p>
             <a:fld id="{48A87A34-81AB-432B-8DAE-1953F412C126}" type="datetimeFigureOut">
               <a:rPr lang="en-US" dirty="0"/>
-              <a:t>2/14/2017</a:t>
+              <a:t>4/10/2017</a:t>
             </a:fld>
             <a:endParaRPr lang="en-US" dirty="0"/>
           </a:p>
@@ -6121,7 +6121,7 @@
           <a:p>
             <a:fld id="{48A87A34-81AB-432B-8DAE-1953F412C126}" type="datetimeFigureOut">
               <a:rPr lang="en-US" dirty="0"/>
-              <a:t>2/14/2017</a:t>
+              <a:t>4/10/2017</a:t>
             </a:fld>
             <a:endParaRPr lang="en-US" dirty="0"/>
           </a:p>
@@ -6836,7 +6836,7 @@
           <a:p>
             <a:fld id="{48A87A34-81AB-432B-8DAE-1953F412C126}" type="datetimeFigureOut">
               <a:rPr lang="en-US" dirty="0"/>
-              <a:t>2/14/2017</a:t>
+              <a:t>4/10/2017</a:t>
             </a:fld>
             <a:endParaRPr lang="en-US" dirty="0"/>
           </a:p>
@@ -7001,7 +7001,7 @@
           <a:p>
             <a:fld id="{48A87A34-81AB-432B-8DAE-1953F412C126}" type="datetimeFigureOut">
               <a:rPr lang="en-US" dirty="0"/>
-              <a:t>2/14/2017</a:t>
+              <a:t>4/10/2017</a:t>
             </a:fld>
             <a:endParaRPr lang="en-US" dirty="0"/>
           </a:p>
@@ -7176,7 +7176,7 @@
           <a:p>
             <a:fld id="{48A87A34-81AB-432B-8DAE-1953F412C126}" type="datetimeFigureOut">
               <a:rPr lang="en-US" dirty="0"/>
-              <a:t>2/14/2017</a:t>
+              <a:t>4/10/2017</a:t>
             </a:fld>
             <a:endParaRPr lang="en-US" dirty="0"/>
           </a:p>
@@ -7341,7 +7341,7 @@
           <a:p>
             <a:fld id="{48A87A34-81AB-432B-8DAE-1953F412C126}" type="datetimeFigureOut">
               <a:rPr lang="en-US" dirty="0"/>
-              <a:t>2/14/2017</a:t>
+              <a:t>4/10/2017</a:t>
             </a:fld>
             <a:endParaRPr lang="en-US" dirty="0"/>
           </a:p>
@@ -7586,7 +7586,7 @@
           <a:p>
             <a:fld id="{48A87A34-81AB-432B-8DAE-1953F412C126}" type="datetimeFigureOut">
               <a:rPr lang="en-US" dirty="0"/>
-              <a:t>2/14/2017</a:t>
+              <a:t>4/10/2017</a:t>
             </a:fld>
             <a:endParaRPr lang="en-US" dirty="0"/>
           </a:p>
@@ -7813,7 +7813,7 @@
           <a:p>
             <a:fld id="{48A87A34-81AB-432B-8DAE-1953F412C126}" type="datetimeFigureOut">
               <a:rPr lang="en-US" dirty="0"/>
-              <a:t>2/14/2017</a:t>
+              <a:t>4/10/2017</a:t>
             </a:fld>
             <a:endParaRPr lang="en-US" dirty="0"/>
           </a:p>
@@ -8189,7 +8189,7 @@
           <a:p>
             <a:fld id="{48A87A34-81AB-432B-8DAE-1953F412C126}" type="datetimeFigureOut">
               <a:rPr lang="en-US" dirty="0"/>
-              <a:t>2/14/2017</a:t>
+              <a:t>4/10/2017</a:t>
             </a:fld>
             <a:endParaRPr lang="en-US" dirty="0"/>
           </a:p>
@@ -8302,7 +8302,7 @@
           <a:p>
             <a:fld id="{48A87A34-81AB-432B-8DAE-1953F412C126}" type="datetimeFigureOut">
               <a:rPr lang="en-US" dirty="0"/>
-              <a:t>2/14/2017</a:t>
+              <a:t>4/10/2017</a:t>
             </a:fld>
             <a:endParaRPr lang="en-US" dirty="0"/>
           </a:p>
@@ -8392,7 +8392,7 @@
           <a:p>
             <a:fld id="{48A87A34-81AB-432B-8DAE-1953F412C126}" type="datetimeFigureOut">
               <a:rPr lang="en-US" dirty="0"/>
-              <a:t>2/14/2017</a:t>
+              <a:t>4/10/2017</a:t>
             </a:fld>
             <a:endParaRPr lang="en-US" dirty="0"/>
           </a:p>
@@ -8636,7 +8636,7 @@
           <a:p>
             <a:fld id="{48A87A34-81AB-432B-8DAE-1953F412C126}" type="datetimeFigureOut">
               <a:rPr lang="en-US" dirty="0"/>
-              <a:t>2/14/2017</a:t>
+              <a:t>4/10/2017</a:t>
             </a:fld>
             <a:endParaRPr lang="en-US" dirty="0"/>
           </a:p>
@@ -8911,7 +8911,7 @@
           <a:p>
             <a:fld id="{48A87A34-81AB-432B-8DAE-1953F412C126}" type="datetimeFigureOut">
               <a:rPr lang="en-US" dirty="0"/>
-              <a:t>2/14/2017</a:t>
+              <a:t>4/10/2017</a:t>
             </a:fld>
             <a:endParaRPr lang="en-US" dirty="0"/>
           </a:p>
@@ -9029,7 +9029,7 @@
           <a:noFill/>
           <a:extLst>
             <a:ext uri="{909E8E84-426E-40dd-AFC4-6F175D3DCCD1}">
-              <a14:hiddenFill xmlns:a14="http://schemas.microsoft.com/office/drawing/2010/main" xmlns="">
+              <a14:hiddenFill xmlns="" xmlns:a14="http://schemas.microsoft.com/office/drawing/2010/main">
                 <a:solidFill>
                   <a:srgbClr val="FFFFFF"/>
                 </a:solidFill>
@@ -9103,7 +9103,7 @@
               </a:ln>
               <a:extLst>
                 <a:ext uri="{91240B29-F687-4f45-9708-019B960494DF}">
-                  <a14:hiddenLine xmlns:a14="http://schemas.microsoft.com/office/drawing/2010/main" xmlns="" w="9525">
+                  <a14:hiddenLine xmlns="" xmlns:a14="http://schemas.microsoft.com/office/drawing/2010/main" w="9525">
                     <a:solidFill>
                       <a:srgbClr val="000000"/>
                     </a:solidFill>
@@ -9193,7 +9193,7 @@
               </a:ln>
               <a:extLst>
                 <a:ext uri="{91240B29-F687-4f45-9708-019B960494DF}">
-                  <a14:hiddenLine xmlns:a14="http://schemas.microsoft.com/office/drawing/2010/main" xmlns="" w="9525">
+                  <a14:hiddenLine xmlns="" xmlns:a14="http://schemas.microsoft.com/office/drawing/2010/main" w="9525">
                     <a:solidFill>
                       <a:srgbClr val="000000"/>
                     </a:solidFill>
@@ -9283,7 +9283,7 @@
               </a:ln>
               <a:extLst>
                 <a:ext uri="{91240B29-F687-4f45-9708-019B960494DF}">
-                  <a14:hiddenLine xmlns:a14="http://schemas.microsoft.com/office/drawing/2010/main" xmlns="" w="9525">
+                  <a14:hiddenLine xmlns="" xmlns:a14="http://schemas.microsoft.com/office/drawing/2010/main" w="9525">
                     <a:solidFill>
                       <a:srgbClr val="000000"/>
                     </a:solidFill>
@@ -9345,7 +9345,7 @@
               </a:ln>
               <a:extLst>
                 <a:ext uri="{91240B29-F687-4f45-9708-019B960494DF}">
-                  <a14:hiddenLine xmlns:a14="http://schemas.microsoft.com/office/drawing/2010/main" xmlns="" w="9525">
+                  <a14:hiddenLine xmlns="" xmlns:a14="http://schemas.microsoft.com/office/drawing/2010/main" w="9525">
                     <a:solidFill>
                       <a:srgbClr val="000000"/>
                     </a:solidFill>
@@ -9435,7 +9435,7 @@
               </a:ln>
               <a:extLst>
                 <a:ext uri="{91240B29-F687-4f45-9708-019B960494DF}">
-                  <a14:hiddenLine xmlns:a14="http://schemas.microsoft.com/office/drawing/2010/main" xmlns="" w="9525">
+                  <a14:hiddenLine xmlns="" xmlns:a14="http://schemas.microsoft.com/office/drawing/2010/main" w="9525">
                     <a:solidFill>
                       <a:srgbClr val="000000"/>
                     </a:solidFill>
@@ -9497,7 +9497,7 @@
               </a:ln>
               <a:extLst>
                 <a:ext uri="{91240B29-F687-4f45-9708-019B960494DF}">
-                  <a14:hiddenLine xmlns:a14="http://schemas.microsoft.com/office/drawing/2010/main" xmlns="" w="9525">
+                  <a14:hiddenLine xmlns="" xmlns:a14="http://schemas.microsoft.com/office/drawing/2010/main" w="9525">
                     <a:solidFill>
                       <a:srgbClr val="000000"/>
                     </a:solidFill>
@@ -9559,7 +9559,7 @@
               </a:ln>
               <a:extLst>
                 <a:ext uri="{91240B29-F687-4f45-9708-019B960494DF}">
-                  <a14:hiddenLine xmlns:a14="http://schemas.microsoft.com/office/drawing/2010/main" xmlns="" w="9525">
+                  <a14:hiddenLine xmlns="" xmlns:a14="http://schemas.microsoft.com/office/drawing/2010/main" w="9525">
                     <a:solidFill>
                       <a:srgbClr val="000000"/>
                     </a:solidFill>
@@ -9649,7 +9649,7 @@
               </a:ln>
               <a:extLst>
                 <a:ext uri="{91240B29-F687-4f45-9708-019B960494DF}">
-                  <a14:hiddenLine xmlns:a14="http://schemas.microsoft.com/office/drawing/2010/main" xmlns="" w="9525">
+                  <a14:hiddenLine xmlns="" xmlns:a14="http://schemas.microsoft.com/office/drawing/2010/main" w="9525">
                     <a:solidFill>
                       <a:srgbClr val="000000"/>
                     </a:solidFill>
@@ -9739,7 +9739,7 @@
               </a:ln>
               <a:extLst>
                 <a:ext uri="{91240B29-F687-4f45-9708-019B960494DF}">
-                  <a14:hiddenLine xmlns:a14="http://schemas.microsoft.com/office/drawing/2010/main" xmlns="" w="9525">
+                  <a14:hiddenLine xmlns="" xmlns:a14="http://schemas.microsoft.com/office/drawing/2010/main" w="9525">
                     <a:solidFill>
                       <a:srgbClr val="000000"/>
                     </a:solidFill>
@@ -9801,7 +9801,7 @@
               </a:ln>
               <a:extLst>
                 <a:ext uri="{91240B29-F687-4f45-9708-019B960494DF}">
-                  <a14:hiddenLine xmlns:a14="http://schemas.microsoft.com/office/drawing/2010/main" xmlns="" w="9525">
+                  <a14:hiddenLine xmlns="" xmlns:a14="http://schemas.microsoft.com/office/drawing/2010/main" w="9525">
                     <a:solidFill>
                       <a:srgbClr val="000000"/>
                     </a:solidFill>
@@ -9911,7 +9911,7 @@
               </a:ln>
               <a:extLst>
                 <a:ext uri="{91240B29-F687-4f45-9708-019B960494DF}">
-                  <a14:hiddenLine xmlns:a14="http://schemas.microsoft.com/office/drawing/2010/main" xmlns="" w="9525">
+                  <a14:hiddenLine xmlns="" xmlns:a14="http://schemas.microsoft.com/office/drawing/2010/main" w="9525">
                     <a:solidFill>
                       <a:srgbClr val="000000"/>
                     </a:solidFill>
@@ -9995,7 +9995,7 @@
               </a:ln>
               <a:extLst>
                 <a:ext uri="{91240B29-F687-4f45-9708-019B960494DF}">
-                  <a14:hiddenLine xmlns:a14="http://schemas.microsoft.com/office/drawing/2010/main" xmlns="" w="9525">
+                  <a14:hiddenLine xmlns="" xmlns:a14="http://schemas.microsoft.com/office/drawing/2010/main" w="9525">
                     <a:solidFill>
                       <a:srgbClr val="000000"/>
                     </a:solidFill>
@@ -10057,7 +10057,7 @@
               </a:ln>
               <a:extLst>
                 <a:ext uri="{91240B29-F687-4f45-9708-019B960494DF}">
-                  <a14:hiddenLine xmlns:a14="http://schemas.microsoft.com/office/drawing/2010/main" xmlns="" w="9525">
+                  <a14:hiddenLine xmlns="" xmlns:a14="http://schemas.microsoft.com/office/drawing/2010/main" w="9525">
                     <a:solidFill>
                       <a:srgbClr val="000000"/>
                     </a:solidFill>
@@ -10119,7 +10119,7 @@
               </a:ln>
               <a:extLst>
                 <a:ext uri="{91240B29-F687-4f45-9708-019B960494DF}">
-                  <a14:hiddenLine xmlns:a14="http://schemas.microsoft.com/office/drawing/2010/main" xmlns="" w="9525">
+                  <a14:hiddenLine xmlns="" xmlns:a14="http://schemas.microsoft.com/office/drawing/2010/main" w="9525">
                     <a:solidFill>
                       <a:srgbClr val="000000"/>
                     </a:solidFill>
@@ -10209,7 +10209,7 @@
               </a:ln>
               <a:extLst>
                 <a:ext uri="{91240B29-F687-4f45-9708-019B960494DF}">
-                  <a14:hiddenLine xmlns:a14="http://schemas.microsoft.com/office/drawing/2010/main" xmlns="" w="9525">
+                  <a14:hiddenLine xmlns="" xmlns:a14="http://schemas.microsoft.com/office/drawing/2010/main" w="9525">
                     <a:solidFill>
                       <a:srgbClr val="000000"/>
                     </a:solidFill>
@@ -10243,7 +10243,7 @@
               </a:ln>
               <a:extLst>
                 <a:ext uri="{91240B29-F687-4f45-9708-019B960494DF}">
-                  <a14:hiddenLine xmlns:a14="http://schemas.microsoft.com/office/drawing/2010/main" xmlns="" w="9525">
+                  <a14:hiddenLine xmlns="" xmlns:a14="http://schemas.microsoft.com/office/drawing/2010/main" w="9525">
                     <a:solidFill>
                       <a:srgbClr val="000000"/>
                     </a:solidFill>
@@ -10308,7 +10308,7 @@
               </a:ln>
               <a:extLst>
                 <a:ext uri="{91240B29-F687-4f45-9708-019B960494DF}">
-                  <a14:hiddenLine xmlns:a14="http://schemas.microsoft.com/office/drawing/2010/main" xmlns="" w="9525">
+                  <a14:hiddenLine xmlns="" xmlns:a14="http://schemas.microsoft.com/office/drawing/2010/main" w="9525">
                     <a:solidFill>
                       <a:srgbClr val="000000"/>
                     </a:solidFill>
@@ -10398,7 +10398,7 @@
               </a:ln>
               <a:extLst>
                 <a:ext uri="{91240B29-F687-4f45-9708-019B960494DF}">
-                  <a14:hiddenLine xmlns:a14="http://schemas.microsoft.com/office/drawing/2010/main" xmlns="" w="9525">
+                  <a14:hiddenLine xmlns="" xmlns:a14="http://schemas.microsoft.com/office/drawing/2010/main" w="9525">
                     <a:solidFill>
                       <a:srgbClr val="000000"/>
                     </a:solidFill>
@@ -10460,7 +10460,7 @@
               </a:ln>
               <a:extLst>
                 <a:ext uri="{91240B29-F687-4f45-9708-019B960494DF}">
-                  <a14:hiddenLine xmlns:a14="http://schemas.microsoft.com/office/drawing/2010/main" xmlns="" w="9525">
+                  <a14:hiddenLine xmlns="" xmlns:a14="http://schemas.microsoft.com/office/drawing/2010/main" w="9525">
                     <a:solidFill>
                       <a:srgbClr val="000000"/>
                     </a:solidFill>
@@ -10550,7 +10550,7 @@
               </a:ln>
               <a:extLst>
                 <a:ext uri="{91240B29-F687-4f45-9708-019B960494DF}">
-                  <a14:hiddenLine xmlns:a14="http://schemas.microsoft.com/office/drawing/2010/main" xmlns="" w="9525">
+                  <a14:hiddenLine xmlns="" xmlns:a14="http://schemas.microsoft.com/office/drawing/2010/main" w="9525">
                     <a:solidFill>
                       <a:srgbClr val="000000"/>
                     </a:solidFill>
@@ -10615,7 +10615,7 @@
               </a:ln>
               <a:extLst>
                 <a:ext uri="{91240B29-F687-4f45-9708-019B960494DF}">
-                  <a14:hiddenLine xmlns:a14="http://schemas.microsoft.com/office/drawing/2010/main" xmlns="" w="9525">
+                  <a14:hiddenLine xmlns="" xmlns:a14="http://schemas.microsoft.com/office/drawing/2010/main" w="9525">
                     <a:solidFill>
                       <a:srgbClr val="000000"/>
                     </a:solidFill>
@@ -10677,7 +10677,7 @@
               </a:ln>
               <a:extLst>
                 <a:ext uri="{91240B29-F687-4f45-9708-019B960494DF}">
-                  <a14:hiddenLine xmlns:a14="http://schemas.microsoft.com/office/drawing/2010/main" xmlns="" w="9525">
+                  <a14:hiddenLine xmlns="" xmlns:a14="http://schemas.microsoft.com/office/drawing/2010/main" w="9525">
                     <a:solidFill>
                       <a:srgbClr val="000000"/>
                     </a:solidFill>
@@ -10767,7 +10767,7 @@
               </a:ln>
               <a:extLst>
                 <a:ext uri="{91240B29-F687-4f45-9708-019B960494DF}">
-                  <a14:hiddenLine xmlns:a14="http://schemas.microsoft.com/office/drawing/2010/main" xmlns="" w="9525">
+                  <a14:hiddenLine xmlns="" xmlns:a14="http://schemas.microsoft.com/office/drawing/2010/main" w="9525">
                     <a:solidFill>
                       <a:srgbClr val="000000"/>
                     </a:solidFill>
@@ -10857,7 +10857,7 @@
               </a:ln>
               <a:extLst>
                 <a:ext uri="{91240B29-F687-4f45-9708-019B960494DF}">
-                  <a14:hiddenLine xmlns:a14="http://schemas.microsoft.com/office/drawing/2010/main" xmlns="" w="9525">
+                  <a14:hiddenLine xmlns="" xmlns:a14="http://schemas.microsoft.com/office/drawing/2010/main" w="9525">
                     <a:solidFill>
                       <a:srgbClr val="000000"/>
                     </a:solidFill>
@@ -10922,7 +10922,7 @@
               </a:ln>
               <a:extLst>
                 <a:ext uri="{91240B29-F687-4f45-9708-019B960494DF}">
-                  <a14:hiddenLine xmlns:a14="http://schemas.microsoft.com/office/drawing/2010/main" xmlns="" w="9525">
+                  <a14:hiddenLine xmlns="" xmlns:a14="http://schemas.microsoft.com/office/drawing/2010/main" w="9525">
                     <a:solidFill>
                       <a:srgbClr val="000000"/>
                     </a:solidFill>
@@ -11042,7 +11042,7 @@
               </a:ln>
               <a:extLst>
                 <a:ext uri="{91240B29-F687-4f45-9708-019B960494DF}">
-                  <a14:hiddenLine xmlns:a14="http://schemas.microsoft.com/office/drawing/2010/main" xmlns="" w="9525">
+                  <a14:hiddenLine xmlns="" xmlns:a14="http://schemas.microsoft.com/office/drawing/2010/main" w="9525">
                     <a:solidFill>
                       <a:srgbClr val="000000"/>
                     </a:solidFill>
@@ -11123,7 +11123,7 @@
               </a:ln>
               <a:extLst>
                 <a:ext uri="{91240B29-F687-4f45-9708-019B960494DF}">
-                  <a14:hiddenLine xmlns:a14="http://schemas.microsoft.com/office/drawing/2010/main" xmlns="" w="9525">
+                  <a14:hiddenLine xmlns="" xmlns:a14="http://schemas.microsoft.com/office/drawing/2010/main" w="9525">
                     <a:solidFill>
                       <a:srgbClr val="000000"/>
                     </a:solidFill>
@@ -11238,7 +11238,7 @@
               </a:ln>
               <a:extLst>
                 <a:ext uri="{91240B29-F687-4f45-9708-019B960494DF}">
-                  <a14:hiddenLine xmlns:a14="http://schemas.microsoft.com/office/drawing/2010/main" xmlns="" w="9525">
+                  <a14:hiddenLine xmlns="" xmlns:a14="http://schemas.microsoft.com/office/drawing/2010/main" w="9525">
                     <a:solidFill>
                       <a:srgbClr val="000000"/>
                     </a:solidFill>
@@ -11328,7 +11328,7 @@
               </a:ln>
               <a:extLst>
                 <a:ext uri="{91240B29-F687-4f45-9708-019B960494DF}">
-                  <a14:hiddenLine xmlns:a14="http://schemas.microsoft.com/office/drawing/2010/main" xmlns="" w="9525">
+                  <a14:hiddenLine xmlns="" xmlns:a14="http://schemas.microsoft.com/office/drawing/2010/main" w="9525">
                     <a:solidFill>
                       <a:srgbClr val="000000"/>
                     </a:solidFill>
@@ -11393,7 +11393,7 @@
               </a:ln>
               <a:extLst>
                 <a:ext uri="{91240B29-F687-4f45-9708-019B960494DF}">
-                  <a14:hiddenLine xmlns:a14="http://schemas.microsoft.com/office/drawing/2010/main" xmlns="" w="9525">
+                  <a14:hiddenLine xmlns="" xmlns:a14="http://schemas.microsoft.com/office/drawing/2010/main" w="9525">
                     <a:solidFill>
                       <a:srgbClr val="000000"/>
                     </a:solidFill>
@@ -11483,7 +11483,7 @@
               </a:ln>
               <a:extLst>
                 <a:ext uri="{91240B29-F687-4f45-9708-019B960494DF}">
-                  <a14:hiddenLine xmlns:a14="http://schemas.microsoft.com/office/drawing/2010/main" xmlns="" w="9525">
+                  <a14:hiddenLine xmlns="" xmlns:a14="http://schemas.microsoft.com/office/drawing/2010/main" w="9525">
                     <a:solidFill>
                       <a:srgbClr val="000000"/>
                     </a:solidFill>
@@ -11551,7 +11551,7 @@
               </a:ln>
               <a:extLst>
                 <a:ext uri="{91240B29-F687-4f45-9708-019B960494DF}">
-                  <a14:hiddenLine xmlns:a14="http://schemas.microsoft.com/office/drawing/2010/main" xmlns="" w="9525">
+                  <a14:hiddenLine xmlns="" xmlns:a14="http://schemas.microsoft.com/office/drawing/2010/main" w="9525">
                     <a:solidFill>
                       <a:srgbClr val="000000"/>
                     </a:solidFill>
@@ -11641,7 +11641,7 @@
               </a:ln>
               <a:extLst>
                 <a:ext uri="{91240B29-F687-4f45-9708-019B960494DF}">
-                  <a14:hiddenLine xmlns:a14="http://schemas.microsoft.com/office/drawing/2010/main" xmlns="" w="9525">
+                  <a14:hiddenLine xmlns="" xmlns:a14="http://schemas.microsoft.com/office/drawing/2010/main" w="9525">
                     <a:solidFill>
                       <a:srgbClr val="000000"/>
                     </a:solidFill>
@@ -11709,7 +11709,7 @@
               </a:ln>
               <a:extLst>
                 <a:ext uri="{91240B29-F687-4f45-9708-019B960494DF}">
-                  <a14:hiddenLine xmlns:a14="http://schemas.microsoft.com/office/drawing/2010/main" xmlns="" w="9525">
+                  <a14:hiddenLine xmlns="" xmlns:a14="http://schemas.microsoft.com/office/drawing/2010/main" w="9525">
                     <a:solidFill>
                       <a:srgbClr val="000000"/>
                     </a:solidFill>
@@ -11799,7 +11799,7 @@
               </a:ln>
               <a:extLst>
                 <a:ext uri="{91240B29-F687-4f45-9708-019B960494DF}">
-                  <a14:hiddenLine xmlns:a14="http://schemas.microsoft.com/office/drawing/2010/main" xmlns="" w="9525">
+                  <a14:hiddenLine xmlns="" xmlns:a14="http://schemas.microsoft.com/office/drawing/2010/main" w="9525">
                     <a:solidFill>
                       <a:srgbClr val="000000"/>
                     </a:solidFill>
@@ -11833,7 +11833,7 @@
               </a:ln>
               <a:extLst>
                 <a:ext uri="{91240B29-F687-4f45-9708-019B960494DF}">
-                  <a14:hiddenLine xmlns:a14="http://schemas.microsoft.com/office/drawing/2010/main" xmlns="" w="9525">
+                  <a14:hiddenLine xmlns="" xmlns:a14="http://schemas.microsoft.com/office/drawing/2010/main" w="9525">
                     <a:solidFill>
                       <a:srgbClr val="000000"/>
                     </a:solidFill>
@@ -11974,7 +11974,7 @@
             <a:fld id="{48A87A34-81AB-432B-8DAE-1953F412C126}" type="datetimeFigureOut">
               <a:rPr lang="en-US" dirty="0"/>
               <a:pPr/>
-              <a:t>2/14/2017</a:t>
+              <a:t>4/10/2017</a:t>
             </a:fld>
             <a:endParaRPr lang="en-US" dirty="0"/>
           </a:p>
@@ -25612,42 +25612,62 @@
               <a:buNone/>
             </a:pPr>
             <a:r>
-              <a:rPr lang="en-US" dirty="0"/>
+              <a:rPr lang="en-US" dirty="0">
+                <a:latin typeface="Consolas" panose="020B0609020204030204" pitchFamily="49" charset="0"/>
+              </a:rPr>
               <a:t>extern template </a:t>
             </a:r>
             <a:r>
-              <a:rPr lang="en-US" dirty="0" err="1"/>
+              <a:rPr lang="en-US" dirty="0" err="1">
+                <a:latin typeface="Consolas" panose="020B0609020204030204" pitchFamily="49" charset="0"/>
+              </a:rPr>
               <a:t>int</a:t>
             </a:r>
             <a:r>
-              <a:rPr lang="en-US" dirty="0"/>
+              <a:rPr lang="en-US" dirty="0">
+                <a:latin typeface="Consolas" panose="020B0609020204030204" pitchFamily="49" charset="0"/>
+              </a:rPr>
               <a:t> max&lt;</a:t>
             </a:r>
             <a:r>
-              <a:rPr lang="en-US" dirty="0" err="1"/>
+              <a:rPr lang="en-US" dirty="0" err="1">
+                <a:latin typeface="Consolas" panose="020B0609020204030204" pitchFamily="49" charset="0"/>
+              </a:rPr>
               <a:t>int</a:t>
             </a:r>
             <a:r>
-              <a:rPr lang="en-US" dirty="0"/>
+              <a:rPr lang="en-US" dirty="0">
+                <a:latin typeface="Consolas" panose="020B0609020204030204" pitchFamily="49" charset="0"/>
+              </a:rPr>
               <a:t>&gt; (</a:t>
             </a:r>
             <a:r>
-              <a:rPr lang="en-US" dirty="0" err="1"/>
+              <a:rPr lang="en-US" dirty="0" err="1">
+                <a:latin typeface="Consolas" panose="020B0609020204030204" pitchFamily="49" charset="0"/>
+              </a:rPr>
               <a:t>int</a:t>
             </a:r>
             <a:r>
-              <a:rPr lang="en-US" dirty="0"/>
+              <a:rPr lang="en-US" dirty="0">
+                <a:latin typeface="Consolas" panose="020B0609020204030204" pitchFamily="49" charset="0"/>
+              </a:rPr>
               <a:t>, </a:t>
             </a:r>
             <a:r>
-              <a:rPr lang="en-US" dirty="0" err="1"/>
+              <a:rPr lang="en-US" dirty="0" err="1">
+                <a:latin typeface="Consolas" panose="020B0609020204030204" pitchFamily="49" charset="0"/>
+              </a:rPr>
               <a:t>int</a:t>
             </a:r>
             <a:r>
-              <a:rPr lang="en-US" dirty="0" smtClean="0"/>
+              <a:rPr lang="en-US" dirty="0" smtClean="0">
+                <a:latin typeface="Consolas" panose="020B0609020204030204" pitchFamily="49" charset="0"/>
+              </a:rPr>
               <a:t>);</a:t>
             </a:r>
-            <a:endParaRPr lang="ru-RU" dirty="0" smtClean="0"/>
+            <a:endParaRPr lang="ru-RU" dirty="0" smtClean="0">
+              <a:latin typeface="Consolas" panose="020B0609020204030204" pitchFamily="49" charset="0"/>
+            </a:endParaRPr>
           </a:p>
           <a:p>
             <a:pPr marL="0" indent="0">
@@ -25663,46 +25683,68 @@
               <a:buNone/>
             </a:pPr>
             <a:r>
-              <a:rPr lang="fr-FR" dirty="0" err="1"/>
+              <a:rPr lang="fr-FR" dirty="0" err="1">
+                <a:latin typeface="Consolas" panose="020B0609020204030204" pitchFamily="49" charset="0"/>
+              </a:rPr>
               <a:t>template</a:t>
             </a:r>
             <a:r>
-              <a:rPr lang="fr-FR" dirty="0"/>
+              <a:rPr lang="fr-FR" dirty="0">
+                <a:latin typeface="Consolas" panose="020B0609020204030204" pitchFamily="49" charset="0"/>
+              </a:rPr>
               <a:t> </a:t>
             </a:r>
             <a:r>
-              <a:rPr lang="fr-FR" dirty="0" err="1"/>
+              <a:rPr lang="fr-FR" dirty="0" err="1">
+                <a:latin typeface="Consolas" panose="020B0609020204030204" pitchFamily="49" charset="0"/>
+              </a:rPr>
               <a:t>int</a:t>
             </a:r>
             <a:r>
-              <a:rPr lang="fr-FR" dirty="0"/>
+              <a:rPr lang="fr-FR" dirty="0">
+                <a:latin typeface="Consolas" panose="020B0609020204030204" pitchFamily="49" charset="0"/>
+              </a:rPr>
               <a:t> max&lt;</a:t>
             </a:r>
             <a:r>
-              <a:rPr lang="fr-FR" dirty="0" err="1"/>
+              <a:rPr lang="fr-FR" dirty="0" err="1">
+                <a:latin typeface="Consolas" panose="020B0609020204030204" pitchFamily="49" charset="0"/>
+              </a:rPr>
               <a:t>int</a:t>
             </a:r>
             <a:r>
-              <a:rPr lang="fr-FR" dirty="0"/>
+              <a:rPr lang="fr-FR" dirty="0">
+                <a:latin typeface="Consolas" panose="020B0609020204030204" pitchFamily="49" charset="0"/>
+              </a:rPr>
               <a:t>&gt;(</a:t>
             </a:r>
             <a:r>
-              <a:rPr lang="fr-FR" dirty="0" err="1"/>
+              <a:rPr lang="fr-FR" dirty="0" err="1">
+                <a:latin typeface="Consolas" panose="020B0609020204030204" pitchFamily="49" charset="0"/>
+              </a:rPr>
               <a:t>int</a:t>
             </a:r>
             <a:r>
-              <a:rPr lang="fr-FR" dirty="0"/>
+              <a:rPr lang="fr-FR" dirty="0">
+                <a:latin typeface="Consolas" panose="020B0609020204030204" pitchFamily="49" charset="0"/>
+              </a:rPr>
               <a:t>, </a:t>
             </a:r>
             <a:r>
-              <a:rPr lang="fr-FR" dirty="0" err="1"/>
+              <a:rPr lang="fr-FR" dirty="0" err="1">
+                <a:latin typeface="Consolas" panose="020B0609020204030204" pitchFamily="49" charset="0"/>
+              </a:rPr>
               <a:t>int</a:t>
             </a:r>
             <a:r>
-              <a:rPr lang="fr-FR" dirty="0"/>
+              <a:rPr lang="fr-FR" dirty="0">
+                <a:latin typeface="Consolas" panose="020B0609020204030204" pitchFamily="49" charset="0"/>
+              </a:rPr>
               <a:t>);</a:t>
             </a:r>
-            <a:endParaRPr lang="en-US" dirty="0"/>
+            <a:endParaRPr lang="en-US" dirty="0">
+              <a:latin typeface="Consolas" panose="020B0609020204030204" pitchFamily="49" charset="0"/>
+            </a:endParaRPr>
           </a:p>
         </p:txBody>
       </p:sp>
